--- a/paper/fig-ppt/initial_map_and_paths.pptx
+++ b/paper/fig-ppt/initial_map_and_paths.pptx
@@ -104,6 +104,11 @@
       </a:defRPr>
     </a:lvl9pPr>
   </p:defaultTextStyle>
+  <p:extLst>
+    <p:ext uri="{EFAFB233-063F-42B5-8137-9DF3F51BA10A}">
+      <p15:sldGuideLst xmlns:p15="http://schemas.microsoft.com/office/powerpoint/2012/main"/>
+    </p:ext>
+  </p:extLst>
 </p:presentation>
 </file>
 
@@ -238,7 +243,7 @@
           <a:p>
             <a:fld id="{E4F7FEB7-F43A-42FE-BD12-E75992902524}" type="datetimeFigureOut">
               <a:rPr lang="zh-CN" altLang="en-US" smtClean="0"/>
-              <a:t>2022/8/31</a:t>
+              <a:t>2022/9/1</a:t>
             </a:fld>
             <a:endParaRPr lang="zh-CN" altLang="en-US"/>
           </a:p>
@@ -408,7 +413,7 @@
           <a:p>
             <a:fld id="{E4F7FEB7-F43A-42FE-BD12-E75992902524}" type="datetimeFigureOut">
               <a:rPr lang="zh-CN" altLang="en-US" smtClean="0"/>
-              <a:t>2022/8/31</a:t>
+              <a:t>2022/9/1</a:t>
             </a:fld>
             <a:endParaRPr lang="zh-CN" altLang="en-US"/>
           </a:p>
@@ -588,7 +593,7 @@
           <a:p>
             <a:fld id="{E4F7FEB7-F43A-42FE-BD12-E75992902524}" type="datetimeFigureOut">
               <a:rPr lang="zh-CN" altLang="en-US" smtClean="0"/>
-              <a:t>2022/8/31</a:t>
+              <a:t>2022/9/1</a:t>
             </a:fld>
             <a:endParaRPr lang="zh-CN" altLang="en-US"/>
           </a:p>
@@ -758,7 +763,7 @@
           <a:p>
             <a:fld id="{E4F7FEB7-F43A-42FE-BD12-E75992902524}" type="datetimeFigureOut">
               <a:rPr lang="zh-CN" altLang="en-US" smtClean="0"/>
-              <a:t>2022/8/31</a:t>
+              <a:t>2022/9/1</a:t>
             </a:fld>
             <a:endParaRPr lang="zh-CN" altLang="en-US"/>
           </a:p>
@@ -1002,7 +1007,7 @@
           <a:p>
             <a:fld id="{E4F7FEB7-F43A-42FE-BD12-E75992902524}" type="datetimeFigureOut">
               <a:rPr lang="zh-CN" altLang="en-US" smtClean="0"/>
-              <a:t>2022/8/31</a:t>
+              <a:t>2022/9/1</a:t>
             </a:fld>
             <a:endParaRPr lang="zh-CN" altLang="en-US"/>
           </a:p>
@@ -1234,7 +1239,7 @@
           <a:p>
             <a:fld id="{E4F7FEB7-F43A-42FE-BD12-E75992902524}" type="datetimeFigureOut">
               <a:rPr lang="zh-CN" altLang="en-US" smtClean="0"/>
-              <a:t>2022/8/31</a:t>
+              <a:t>2022/9/1</a:t>
             </a:fld>
             <a:endParaRPr lang="zh-CN" altLang="en-US"/>
           </a:p>
@@ -1601,7 +1606,7 @@
           <a:p>
             <a:fld id="{E4F7FEB7-F43A-42FE-BD12-E75992902524}" type="datetimeFigureOut">
               <a:rPr lang="zh-CN" altLang="en-US" smtClean="0"/>
-              <a:t>2022/8/31</a:t>
+              <a:t>2022/9/1</a:t>
             </a:fld>
             <a:endParaRPr lang="zh-CN" altLang="en-US"/>
           </a:p>
@@ -1719,7 +1724,7 @@
           <a:p>
             <a:fld id="{E4F7FEB7-F43A-42FE-BD12-E75992902524}" type="datetimeFigureOut">
               <a:rPr lang="zh-CN" altLang="en-US" smtClean="0"/>
-              <a:t>2022/8/31</a:t>
+              <a:t>2022/9/1</a:t>
             </a:fld>
             <a:endParaRPr lang="zh-CN" altLang="en-US"/>
           </a:p>
@@ -1814,7 +1819,7 @@
           <a:p>
             <a:fld id="{E4F7FEB7-F43A-42FE-BD12-E75992902524}" type="datetimeFigureOut">
               <a:rPr lang="zh-CN" altLang="en-US" smtClean="0"/>
-              <a:t>2022/8/31</a:t>
+              <a:t>2022/9/1</a:t>
             </a:fld>
             <a:endParaRPr lang="zh-CN" altLang="en-US"/>
           </a:p>
@@ -2091,7 +2096,7 @@
           <a:p>
             <a:fld id="{E4F7FEB7-F43A-42FE-BD12-E75992902524}" type="datetimeFigureOut">
               <a:rPr lang="zh-CN" altLang="en-US" smtClean="0"/>
-              <a:t>2022/8/31</a:t>
+              <a:t>2022/9/1</a:t>
             </a:fld>
             <a:endParaRPr lang="zh-CN" altLang="en-US"/>
           </a:p>
@@ -2348,7 +2353,7 @@
           <a:p>
             <a:fld id="{E4F7FEB7-F43A-42FE-BD12-E75992902524}" type="datetimeFigureOut">
               <a:rPr lang="zh-CN" altLang="en-US" smtClean="0"/>
-              <a:t>2022/8/31</a:t>
+              <a:t>2022/9/1</a:t>
             </a:fld>
             <a:endParaRPr lang="zh-CN" altLang="en-US"/>
           </a:p>
@@ -2561,7 +2566,7 @@
           <a:p>
             <a:fld id="{E4F7FEB7-F43A-42FE-BD12-E75992902524}" type="datetimeFigureOut">
               <a:rPr lang="zh-CN" altLang="en-US" smtClean="0"/>
-              <a:t>2022/8/31</a:t>
+              <a:t>2022/9/1</a:t>
             </a:fld>
             <a:endParaRPr lang="zh-CN" altLang="en-US"/>
           </a:p>
@@ -3837,7 +3842,7 @@
           </p:nvSpPr>
           <p:spPr>
             <a:xfrm>
-              <a:off x="5068122" y="3703322"/>
+              <a:off x="5205282" y="3703322"/>
               <a:ext cx="849913" cy="307777"/>
             </a:xfrm>
             <a:prstGeom prst="rect">
@@ -4277,7 +4282,7 @@
           </p:nvSpPr>
           <p:spPr>
             <a:xfrm>
-              <a:off x="5049266" y="6412657"/>
+              <a:off x="5178806" y="6412657"/>
               <a:ext cx="849913" cy="307777"/>
             </a:xfrm>
             <a:prstGeom prst="rect">
@@ -4932,7 +4937,7 @@
           </p:nvSpPr>
           <p:spPr>
             <a:xfrm>
-              <a:off x="5068316" y="5094101"/>
+              <a:off x="5197856" y="5094101"/>
               <a:ext cx="849913" cy="307777"/>
             </a:xfrm>
             <a:prstGeom prst="rect">
@@ -5158,7 +5163,7 @@
         </p:nvSpPr>
         <p:spPr>
           <a:xfrm>
-            <a:off x="2408299" y="3672724"/>
+            <a:off x="2316859" y="3672724"/>
             <a:ext cx="1165704" cy="338554"/>
           </a:xfrm>
           <a:prstGeom prst="rect">

--- a/paper/fig-ppt/initial_map_and_paths.pptx
+++ b/paper/fig-ppt/initial_map_and_paths.pptx
@@ -2,12 +2,13 @@
 <file path=ppt/presentation.xml><?xml version="1.0" encoding="utf-8"?>
 <p:presentation xmlns:a="http://schemas.openxmlformats.org/drawingml/2006/main" xmlns:r="http://schemas.openxmlformats.org/officeDocument/2006/relationships" xmlns:p="http://schemas.openxmlformats.org/presentationml/2006/main" saveSubsetFonts="1">
   <p:sldMasterIdLst>
-    <p:sldMasterId id="2147483660" r:id="rId1"/>
+    <p:sldMasterId id="2147483672" r:id="rId1"/>
   </p:sldMasterIdLst>
   <p:sldIdLst>
     <p:sldId id="256" r:id="rId2"/>
+    <p:sldId id="257" r:id="rId3"/>
   </p:sldIdLst>
-  <p:sldSz cx="5616575" cy="6858000"/>
+  <p:sldSz cx="9601200" cy="4572000"/>
   <p:notesSz cx="6858000" cy="9144000"/>
   <p:defaultTextStyle>
     <a:defPPr>
@@ -114,7 +115,7 @@
 
 <file path=ppt/slideLayouts/slideLayout1.xml><?xml version="1.0" encoding="utf-8"?>
 <p:sldLayout xmlns:a="http://schemas.openxmlformats.org/drawingml/2006/main" xmlns:r="http://schemas.openxmlformats.org/officeDocument/2006/relationships" xmlns:p="http://schemas.openxmlformats.org/presentationml/2006/main" type="title" preserve="1">
-  <p:cSld name="标题幻灯片">
+  <p:cSld name="Title Slide">
     <p:spTree>
       <p:nvGrpSpPr>
         <p:cNvPr id="1" name=""/>
@@ -141,21 +142,21 @@
         </p:nvSpPr>
         <p:spPr>
           <a:xfrm>
-            <a:off x="421243" y="1122363"/>
-            <a:ext cx="4774089" cy="2387600"/>
+            <a:off x="1200150" y="748242"/>
+            <a:ext cx="7200900" cy="1591733"/>
           </a:xfrm>
         </p:spPr>
         <p:txBody>
           <a:bodyPr anchor="b"/>
           <a:lstStyle>
             <a:lvl1pPr algn="ctr">
-              <a:defRPr sz="3685"/>
+              <a:defRPr sz="4000"/>
             </a:lvl1pPr>
           </a:lstStyle>
           <a:p>
             <a:r>
-              <a:rPr lang="zh-CN" altLang="en-US"/>
-              <a:t>单击此处编辑母版标题样式</a:t>
+              <a:rPr lang="en-US"/>
+              <a:t>Click to edit Master title style</a:t>
             </a:r>
             <a:endParaRPr lang="en-US" dirty="0"/>
           </a:p>
@@ -173,8 +174,8 @@
         </p:nvSpPr>
         <p:spPr>
           <a:xfrm>
-            <a:off x="702072" y="3602038"/>
-            <a:ext cx="4212431" cy="1655762"/>
+            <a:off x="1200150" y="2401359"/>
+            <a:ext cx="7200900" cy="1103841"/>
           </a:xfrm>
         </p:spPr>
         <p:txBody>
@@ -182,45 +183,45 @@
           <a:lstStyle>
             <a:lvl1pPr marL="0" indent="0" algn="ctr">
               <a:buNone/>
-              <a:defRPr sz="1474"/>
+              <a:defRPr sz="1600"/>
             </a:lvl1pPr>
-            <a:lvl2pPr marL="280812" indent="0" algn="ctr">
+            <a:lvl2pPr marL="304815" indent="0" algn="ctr">
               <a:buNone/>
-              <a:defRPr sz="1228"/>
+              <a:defRPr sz="1333"/>
             </a:lvl2pPr>
-            <a:lvl3pPr marL="561624" indent="0" algn="ctr">
+            <a:lvl3pPr marL="609630" indent="0" algn="ctr">
               <a:buNone/>
-              <a:defRPr sz="1106"/>
+              <a:defRPr sz="1200"/>
             </a:lvl3pPr>
-            <a:lvl4pPr marL="842437" indent="0" algn="ctr">
+            <a:lvl4pPr marL="914446" indent="0" algn="ctr">
               <a:buNone/>
-              <a:defRPr sz="983"/>
+              <a:defRPr sz="1067"/>
             </a:lvl4pPr>
-            <a:lvl5pPr marL="1123249" indent="0" algn="ctr">
+            <a:lvl5pPr marL="1219261" indent="0" algn="ctr">
               <a:buNone/>
-              <a:defRPr sz="983"/>
+              <a:defRPr sz="1067"/>
             </a:lvl5pPr>
-            <a:lvl6pPr marL="1404061" indent="0" algn="ctr">
+            <a:lvl6pPr marL="1524076" indent="0" algn="ctr">
               <a:buNone/>
-              <a:defRPr sz="983"/>
+              <a:defRPr sz="1067"/>
             </a:lvl6pPr>
-            <a:lvl7pPr marL="1684873" indent="0" algn="ctr">
+            <a:lvl7pPr marL="1828891" indent="0" algn="ctr">
               <a:buNone/>
-              <a:defRPr sz="983"/>
+              <a:defRPr sz="1067"/>
             </a:lvl7pPr>
-            <a:lvl8pPr marL="1965686" indent="0" algn="ctr">
+            <a:lvl8pPr marL="2133707" indent="0" algn="ctr">
               <a:buNone/>
-              <a:defRPr sz="983"/>
+              <a:defRPr sz="1067"/>
             </a:lvl8pPr>
-            <a:lvl9pPr marL="2246498" indent="0" algn="ctr">
+            <a:lvl9pPr marL="2438522" indent="0" algn="ctr">
               <a:buNone/>
-              <a:defRPr sz="983"/>
+              <a:defRPr sz="1067"/>
             </a:lvl9pPr>
           </a:lstStyle>
           <a:p>
             <a:r>
-              <a:rPr lang="zh-CN" altLang="en-US"/>
-              <a:t>单击此处编辑母版副标题样式</a:t>
+              <a:rPr lang="en-US"/>
+              <a:t>Click to edit Master subtitle style</a:t>
             </a:r>
             <a:endParaRPr lang="en-US" dirty="0"/>
           </a:p>
@@ -294,7 +295,7 @@
     </p:spTree>
     <p:extLst>
       <p:ext uri="{BB962C8B-B14F-4D97-AF65-F5344CB8AC3E}">
-        <p14:creationId xmlns:p14="http://schemas.microsoft.com/office/powerpoint/2010/main" val="2695085690"/>
+        <p14:creationId xmlns:p14="http://schemas.microsoft.com/office/powerpoint/2010/main" val="1693465972"/>
       </p:ext>
     </p:extLst>
   </p:cSld>
@@ -306,7 +307,7 @@
 
 <file path=ppt/slideLayouts/slideLayout10.xml><?xml version="1.0" encoding="utf-8"?>
 <p:sldLayout xmlns:a="http://schemas.openxmlformats.org/drawingml/2006/main" xmlns:r="http://schemas.openxmlformats.org/officeDocument/2006/relationships" xmlns:p="http://schemas.openxmlformats.org/presentationml/2006/main" type="vertTx" preserve="1">
-  <p:cSld name="标题和竖排文字">
+  <p:cSld name="Title and Vertical Text">
     <p:spTree>
       <p:nvGrpSpPr>
         <p:cNvPr id="1" name=""/>
@@ -337,8 +338,8 @@
           <a:lstStyle/>
           <a:p>
             <a:r>
-              <a:rPr lang="zh-CN" altLang="en-US"/>
-              <a:t>单击此处编辑母版标题样式</a:t>
+              <a:rPr lang="en-US"/>
+              <a:t>Click to edit Master title style</a:t>
             </a:r>
             <a:endParaRPr lang="en-US" dirty="0"/>
           </a:p>
@@ -361,36 +362,36 @@
           <a:p>
             <a:pPr lvl="0"/>
             <a:r>
-              <a:rPr lang="zh-CN" altLang="en-US"/>
-              <a:t>单击此处编辑母版文本样式</a:t>
+              <a:rPr lang="en-US"/>
+              <a:t>Click to edit Master text styles</a:t>
             </a:r>
           </a:p>
           <a:p>
             <a:pPr lvl="1"/>
             <a:r>
-              <a:rPr lang="zh-CN" altLang="en-US"/>
-              <a:t>二级</a:t>
+              <a:rPr lang="en-US"/>
+              <a:t>Second level</a:t>
             </a:r>
           </a:p>
           <a:p>
             <a:pPr lvl="2"/>
             <a:r>
-              <a:rPr lang="zh-CN" altLang="en-US"/>
-              <a:t>三级</a:t>
+              <a:rPr lang="en-US"/>
+              <a:t>Third level</a:t>
             </a:r>
           </a:p>
           <a:p>
             <a:pPr lvl="3"/>
             <a:r>
-              <a:rPr lang="zh-CN" altLang="en-US"/>
-              <a:t>四级</a:t>
+              <a:rPr lang="en-US"/>
+              <a:t>Fourth level</a:t>
             </a:r>
           </a:p>
           <a:p>
             <a:pPr lvl="4"/>
             <a:r>
-              <a:rPr lang="zh-CN" altLang="en-US"/>
-              <a:t>五级</a:t>
+              <a:rPr lang="en-US"/>
+              <a:t>Fifth level</a:t>
             </a:r>
             <a:endParaRPr lang="en-US" dirty="0"/>
           </a:p>
@@ -464,7 +465,7 @@
     </p:spTree>
     <p:extLst>
       <p:ext uri="{BB962C8B-B14F-4D97-AF65-F5344CB8AC3E}">
-        <p14:creationId xmlns:p14="http://schemas.microsoft.com/office/powerpoint/2010/main" val="3288177942"/>
+        <p14:creationId xmlns:p14="http://schemas.microsoft.com/office/powerpoint/2010/main" val="3701496774"/>
       </p:ext>
     </p:extLst>
   </p:cSld>
@@ -476,7 +477,7 @@
 
 <file path=ppt/slideLayouts/slideLayout11.xml><?xml version="1.0" encoding="utf-8"?>
 <p:sldLayout xmlns:a="http://schemas.openxmlformats.org/drawingml/2006/main" xmlns:r="http://schemas.openxmlformats.org/officeDocument/2006/relationships" xmlns:p="http://schemas.openxmlformats.org/presentationml/2006/main" type="vertTitleAndTx" preserve="1">
-  <p:cSld name="竖排标题与文本">
+  <p:cSld name="Vertical Title and Text">
     <p:spTree>
       <p:nvGrpSpPr>
         <p:cNvPr id="1" name=""/>
@@ -503,8 +504,8 @@
         </p:nvSpPr>
         <p:spPr>
           <a:xfrm>
-            <a:off x="4019362" y="365125"/>
-            <a:ext cx="1211074" cy="5811838"/>
+            <a:off x="6870859" y="243417"/>
+            <a:ext cx="2070259" cy="3874559"/>
           </a:xfrm>
         </p:spPr>
         <p:txBody>
@@ -512,8 +513,8 @@
           <a:lstStyle/>
           <a:p>
             <a:r>
-              <a:rPr lang="zh-CN" altLang="en-US"/>
-              <a:t>单击此处编辑母版标题样式</a:t>
+              <a:rPr lang="en-US"/>
+              <a:t>Click to edit Master title style</a:t>
             </a:r>
             <a:endParaRPr lang="en-US" dirty="0"/>
           </a:p>
@@ -531,8 +532,8 @@
         </p:nvSpPr>
         <p:spPr>
           <a:xfrm>
-            <a:off x="386140" y="365125"/>
-            <a:ext cx="3563015" cy="5811838"/>
+            <a:off x="660083" y="243417"/>
+            <a:ext cx="6090761" cy="3874559"/>
           </a:xfrm>
         </p:spPr>
         <p:txBody>
@@ -541,36 +542,36 @@
           <a:p>
             <a:pPr lvl="0"/>
             <a:r>
-              <a:rPr lang="zh-CN" altLang="en-US"/>
-              <a:t>单击此处编辑母版文本样式</a:t>
+              <a:rPr lang="en-US"/>
+              <a:t>Click to edit Master text styles</a:t>
             </a:r>
           </a:p>
           <a:p>
             <a:pPr lvl="1"/>
             <a:r>
-              <a:rPr lang="zh-CN" altLang="en-US"/>
-              <a:t>二级</a:t>
+              <a:rPr lang="en-US"/>
+              <a:t>Second level</a:t>
             </a:r>
           </a:p>
           <a:p>
             <a:pPr lvl="2"/>
             <a:r>
-              <a:rPr lang="zh-CN" altLang="en-US"/>
-              <a:t>三级</a:t>
+              <a:rPr lang="en-US"/>
+              <a:t>Third level</a:t>
             </a:r>
           </a:p>
           <a:p>
             <a:pPr lvl="3"/>
             <a:r>
-              <a:rPr lang="zh-CN" altLang="en-US"/>
-              <a:t>四级</a:t>
+              <a:rPr lang="en-US"/>
+              <a:t>Fourth level</a:t>
             </a:r>
           </a:p>
           <a:p>
             <a:pPr lvl="4"/>
             <a:r>
-              <a:rPr lang="zh-CN" altLang="en-US"/>
-              <a:t>五级</a:t>
+              <a:rPr lang="en-US"/>
+              <a:t>Fifth level</a:t>
             </a:r>
             <a:endParaRPr lang="en-US" dirty="0"/>
           </a:p>
@@ -644,7 +645,7 @@
     </p:spTree>
     <p:extLst>
       <p:ext uri="{BB962C8B-B14F-4D97-AF65-F5344CB8AC3E}">
-        <p14:creationId xmlns:p14="http://schemas.microsoft.com/office/powerpoint/2010/main" val="2310975025"/>
+        <p14:creationId xmlns:p14="http://schemas.microsoft.com/office/powerpoint/2010/main" val="1186858454"/>
       </p:ext>
     </p:extLst>
   </p:cSld>
@@ -656,7 +657,7 @@
 
 <file path=ppt/slideLayouts/slideLayout2.xml><?xml version="1.0" encoding="utf-8"?>
 <p:sldLayout xmlns:a="http://schemas.openxmlformats.org/drawingml/2006/main" xmlns:r="http://schemas.openxmlformats.org/officeDocument/2006/relationships" xmlns:p="http://schemas.openxmlformats.org/presentationml/2006/main" type="obj" preserve="1">
-  <p:cSld name="标题和内容">
+  <p:cSld name="Title and Content">
     <p:spTree>
       <p:nvGrpSpPr>
         <p:cNvPr id="1" name=""/>
@@ -687,8 +688,8 @@
           <a:lstStyle/>
           <a:p>
             <a:r>
-              <a:rPr lang="zh-CN" altLang="en-US"/>
-              <a:t>单击此处编辑母版标题样式</a:t>
+              <a:rPr lang="en-US"/>
+              <a:t>Click to edit Master title style</a:t>
             </a:r>
             <a:endParaRPr lang="en-US" dirty="0"/>
           </a:p>
@@ -711,36 +712,36 @@
           <a:p>
             <a:pPr lvl="0"/>
             <a:r>
-              <a:rPr lang="zh-CN" altLang="en-US"/>
-              <a:t>单击此处编辑母版文本样式</a:t>
+              <a:rPr lang="en-US"/>
+              <a:t>Click to edit Master text styles</a:t>
             </a:r>
           </a:p>
           <a:p>
             <a:pPr lvl="1"/>
             <a:r>
-              <a:rPr lang="zh-CN" altLang="en-US"/>
-              <a:t>二级</a:t>
+              <a:rPr lang="en-US"/>
+              <a:t>Second level</a:t>
             </a:r>
           </a:p>
           <a:p>
             <a:pPr lvl="2"/>
             <a:r>
-              <a:rPr lang="zh-CN" altLang="en-US"/>
-              <a:t>三级</a:t>
+              <a:rPr lang="en-US"/>
+              <a:t>Third level</a:t>
             </a:r>
           </a:p>
           <a:p>
             <a:pPr lvl="3"/>
             <a:r>
-              <a:rPr lang="zh-CN" altLang="en-US"/>
-              <a:t>四级</a:t>
+              <a:rPr lang="en-US"/>
+              <a:t>Fourth level</a:t>
             </a:r>
           </a:p>
           <a:p>
             <a:pPr lvl="4"/>
             <a:r>
-              <a:rPr lang="zh-CN" altLang="en-US"/>
-              <a:t>五级</a:t>
+              <a:rPr lang="en-US"/>
+              <a:t>Fifth level</a:t>
             </a:r>
             <a:endParaRPr lang="en-US" dirty="0"/>
           </a:p>
@@ -814,7 +815,7 @@
     </p:spTree>
     <p:extLst>
       <p:ext uri="{BB962C8B-B14F-4D97-AF65-F5344CB8AC3E}">
-        <p14:creationId xmlns:p14="http://schemas.microsoft.com/office/powerpoint/2010/main" val="409978490"/>
+        <p14:creationId xmlns:p14="http://schemas.microsoft.com/office/powerpoint/2010/main" val="3503561071"/>
       </p:ext>
     </p:extLst>
   </p:cSld>
@@ -826,7 +827,7 @@
 
 <file path=ppt/slideLayouts/slideLayout3.xml><?xml version="1.0" encoding="utf-8"?>
 <p:sldLayout xmlns:a="http://schemas.openxmlformats.org/drawingml/2006/main" xmlns:r="http://schemas.openxmlformats.org/officeDocument/2006/relationships" xmlns:p="http://schemas.openxmlformats.org/presentationml/2006/main" type="secHead" preserve="1">
-  <p:cSld name="节标题">
+  <p:cSld name="Section Header">
     <p:spTree>
       <p:nvGrpSpPr>
         <p:cNvPr id="1" name=""/>
@@ -853,21 +854,21 @@
         </p:nvSpPr>
         <p:spPr>
           <a:xfrm>
-            <a:off x="383215" y="1709740"/>
-            <a:ext cx="4844296" cy="2852737"/>
+            <a:off x="655082" y="1139826"/>
+            <a:ext cx="8281035" cy="1901825"/>
           </a:xfrm>
         </p:spPr>
         <p:txBody>
           <a:bodyPr anchor="b"/>
           <a:lstStyle>
             <a:lvl1pPr>
-              <a:defRPr sz="3685"/>
+              <a:defRPr sz="4000"/>
             </a:lvl1pPr>
           </a:lstStyle>
           <a:p>
             <a:r>
-              <a:rPr lang="zh-CN" altLang="en-US"/>
-              <a:t>单击此处编辑母版标题样式</a:t>
+              <a:rPr lang="en-US"/>
+              <a:t>Click to edit Master title style</a:t>
             </a:r>
             <a:endParaRPr lang="en-US" dirty="0"/>
           </a:p>
@@ -885,8 +886,8 @@
         </p:nvSpPr>
         <p:spPr>
           <a:xfrm>
-            <a:off x="383215" y="4589465"/>
-            <a:ext cx="4844296" cy="1500187"/>
+            <a:off x="655082" y="3059642"/>
+            <a:ext cx="8281035" cy="1000125"/>
           </a:xfrm>
         </p:spPr>
         <p:txBody>
@@ -894,15 +895,17 @@
           <a:lstStyle>
             <a:lvl1pPr marL="0" indent="0">
               <a:buNone/>
-              <a:defRPr sz="1474">
+              <a:defRPr sz="1600">
                 <a:solidFill>
-                  <a:schemeClr val="tx1"/>
+                  <a:schemeClr val="tx1">
+                    <a:tint val="75000"/>
+                  </a:schemeClr>
                 </a:solidFill>
               </a:defRPr>
             </a:lvl1pPr>
-            <a:lvl2pPr marL="280812" indent="0">
+            <a:lvl2pPr marL="304815" indent="0">
               <a:buNone/>
-              <a:defRPr sz="1228">
+              <a:defRPr sz="1333">
                 <a:solidFill>
                   <a:schemeClr val="tx1">
                     <a:tint val="75000"/>
@@ -910,9 +913,9 @@
                 </a:solidFill>
               </a:defRPr>
             </a:lvl2pPr>
-            <a:lvl3pPr marL="561624" indent="0">
+            <a:lvl3pPr marL="609630" indent="0">
               <a:buNone/>
-              <a:defRPr sz="1106">
+              <a:defRPr sz="1200">
                 <a:solidFill>
                   <a:schemeClr val="tx1">
                     <a:tint val="75000"/>
@@ -920,9 +923,9 @@
                 </a:solidFill>
               </a:defRPr>
             </a:lvl3pPr>
-            <a:lvl4pPr marL="842437" indent="0">
+            <a:lvl4pPr marL="914446" indent="0">
               <a:buNone/>
-              <a:defRPr sz="983">
+              <a:defRPr sz="1067">
                 <a:solidFill>
                   <a:schemeClr val="tx1">
                     <a:tint val="75000"/>
@@ -930,9 +933,9 @@
                 </a:solidFill>
               </a:defRPr>
             </a:lvl4pPr>
-            <a:lvl5pPr marL="1123249" indent="0">
+            <a:lvl5pPr marL="1219261" indent="0">
               <a:buNone/>
-              <a:defRPr sz="983">
+              <a:defRPr sz="1067">
                 <a:solidFill>
                   <a:schemeClr val="tx1">
                     <a:tint val="75000"/>
@@ -940,9 +943,9 @@
                 </a:solidFill>
               </a:defRPr>
             </a:lvl5pPr>
-            <a:lvl6pPr marL="1404061" indent="0">
+            <a:lvl6pPr marL="1524076" indent="0">
               <a:buNone/>
-              <a:defRPr sz="983">
+              <a:defRPr sz="1067">
                 <a:solidFill>
                   <a:schemeClr val="tx1">
                     <a:tint val="75000"/>
@@ -950,9 +953,9 @@
                 </a:solidFill>
               </a:defRPr>
             </a:lvl6pPr>
-            <a:lvl7pPr marL="1684873" indent="0">
+            <a:lvl7pPr marL="1828891" indent="0">
               <a:buNone/>
-              <a:defRPr sz="983">
+              <a:defRPr sz="1067">
                 <a:solidFill>
                   <a:schemeClr val="tx1">
                     <a:tint val="75000"/>
@@ -960,9 +963,9 @@
                 </a:solidFill>
               </a:defRPr>
             </a:lvl7pPr>
-            <a:lvl8pPr marL="1965686" indent="0">
+            <a:lvl8pPr marL="2133707" indent="0">
               <a:buNone/>
-              <a:defRPr sz="983">
+              <a:defRPr sz="1067">
                 <a:solidFill>
                   <a:schemeClr val="tx1">
                     <a:tint val="75000"/>
@@ -970,9 +973,9 @@
                 </a:solidFill>
               </a:defRPr>
             </a:lvl8pPr>
-            <a:lvl9pPr marL="2246498" indent="0">
+            <a:lvl9pPr marL="2438522" indent="0">
               <a:buNone/>
-              <a:defRPr sz="983">
+              <a:defRPr sz="1067">
                 <a:solidFill>
                   <a:schemeClr val="tx1">
                     <a:tint val="75000"/>
@@ -984,8 +987,8 @@
           <a:p>
             <a:pPr lvl="0"/>
             <a:r>
-              <a:rPr lang="zh-CN" altLang="en-US"/>
-              <a:t>单击此处编辑母版文本样式</a:t>
+              <a:rPr lang="en-US"/>
+              <a:t>Click to edit Master text styles</a:t>
             </a:r>
           </a:p>
         </p:txBody>
@@ -1058,7 +1061,7 @@
     </p:spTree>
     <p:extLst>
       <p:ext uri="{BB962C8B-B14F-4D97-AF65-F5344CB8AC3E}">
-        <p14:creationId xmlns:p14="http://schemas.microsoft.com/office/powerpoint/2010/main" val="2303251204"/>
+        <p14:creationId xmlns:p14="http://schemas.microsoft.com/office/powerpoint/2010/main" val="3510261376"/>
       </p:ext>
     </p:extLst>
   </p:cSld>
@@ -1070,7 +1073,7 @@
 
 <file path=ppt/slideLayouts/slideLayout4.xml><?xml version="1.0" encoding="utf-8"?>
 <p:sldLayout xmlns:a="http://schemas.openxmlformats.org/drawingml/2006/main" xmlns:r="http://schemas.openxmlformats.org/officeDocument/2006/relationships" xmlns:p="http://schemas.openxmlformats.org/presentationml/2006/main" type="twoObj" preserve="1">
-  <p:cSld name="两栏内容">
+  <p:cSld name="Two Content">
     <p:spTree>
       <p:nvGrpSpPr>
         <p:cNvPr id="1" name=""/>
@@ -1101,8 +1104,8 @@
           <a:lstStyle/>
           <a:p>
             <a:r>
-              <a:rPr lang="zh-CN" altLang="en-US"/>
-              <a:t>单击此处编辑母版标题样式</a:t>
+              <a:rPr lang="en-US"/>
+              <a:t>Click to edit Master title style</a:t>
             </a:r>
             <a:endParaRPr lang="en-US" dirty="0"/>
           </a:p>
@@ -1120,8 +1123,8 @@
         </p:nvSpPr>
         <p:spPr>
           <a:xfrm>
-            <a:off x="386140" y="1825625"/>
-            <a:ext cx="2387044" cy="4351338"/>
+            <a:off x="660083" y="1217083"/>
+            <a:ext cx="4080510" cy="2900892"/>
           </a:xfrm>
         </p:spPr>
         <p:txBody>
@@ -1130,36 +1133,36 @@
           <a:p>
             <a:pPr lvl="0"/>
             <a:r>
-              <a:rPr lang="zh-CN" altLang="en-US"/>
-              <a:t>单击此处编辑母版文本样式</a:t>
+              <a:rPr lang="en-US"/>
+              <a:t>Click to edit Master text styles</a:t>
             </a:r>
           </a:p>
           <a:p>
             <a:pPr lvl="1"/>
             <a:r>
-              <a:rPr lang="zh-CN" altLang="en-US"/>
-              <a:t>二级</a:t>
+              <a:rPr lang="en-US"/>
+              <a:t>Second level</a:t>
             </a:r>
           </a:p>
           <a:p>
             <a:pPr lvl="2"/>
             <a:r>
-              <a:rPr lang="zh-CN" altLang="en-US"/>
-              <a:t>三级</a:t>
+              <a:rPr lang="en-US"/>
+              <a:t>Third level</a:t>
             </a:r>
           </a:p>
           <a:p>
             <a:pPr lvl="3"/>
             <a:r>
-              <a:rPr lang="zh-CN" altLang="en-US"/>
-              <a:t>四级</a:t>
+              <a:rPr lang="en-US"/>
+              <a:t>Fourth level</a:t>
             </a:r>
           </a:p>
           <a:p>
             <a:pPr lvl="4"/>
             <a:r>
-              <a:rPr lang="zh-CN" altLang="en-US"/>
-              <a:t>五级</a:t>
+              <a:rPr lang="en-US"/>
+              <a:t>Fifth level</a:t>
             </a:r>
             <a:endParaRPr lang="en-US" dirty="0"/>
           </a:p>
@@ -1177,8 +1180,8 @@
         </p:nvSpPr>
         <p:spPr>
           <a:xfrm>
-            <a:off x="2843391" y="1825625"/>
-            <a:ext cx="2387044" cy="4351338"/>
+            <a:off x="4860608" y="1217083"/>
+            <a:ext cx="4080510" cy="2900892"/>
           </a:xfrm>
         </p:spPr>
         <p:txBody>
@@ -1187,36 +1190,36 @@
           <a:p>
             <a:pPr lvl="0"/>
             <a:r>
-              <a:rPr lang="zh-CN" altLang="en-US"/>
-              <a:t>单击此处编辑母版文本样式</a:t>
+              <a:rPr lang="en-US"/>
+              <a:t>Click to edit Master text styles</a:t>
             </a:r>
           </a:p>
           <a:p>
             <a:pPr lvl="1"/>
             <a:r>
-              <a:rPr lang="zh-CN" altLang="en-US"/>
-              <a:t>二级</a:t>
+              <a:rPr lang="en-US"/>
+              <a:t>Second level</a:t>
             </a:r>
           </a:p>
           <a:p>
             <a:pPr lvl="2"/>
             <a:r>
-              <a:rPr lang="zh-CN" altLang="en-US"/>
-              <a:t>三级</a:t>
+              <a:rPr lang="en-US"/>
+              <a:t>Third level</a:t>
             </a:r>
           </a:p>
           <a:p>
             <a:pPr lvl="3"/>
             <a:r>
-              <a:rPr lang="zh-CN" altLang="en-US"/>
-              <a:t>四级</a:t>
+              <a:rPr lang="en-US"/>
+              <a:t>Fourth level</a:t>
             </a:r>
           </a:p>
           <a:p>
             <a:pPr lvl="4"/>
             <a:r>
-              <a:rPr lang="zh-CN" altLang="en-US"/>
-              <a:t>五级</a:t>
+              <a:rPr lang="en-US"/>
+              <a:t>Fifth level</a:t>
             </a:r>
             <a:endParaRPr lang="en-US" dirty="0"/>
           </a:p>
@@ -1290,7 +1293,7 @@
     </p:spTree>
     <p:extLst>
       <p:ext uri="{BB962C8B-B14F-4D97-AF65-F5344CB8AC3E}">
-        <p14:creationId xmlns:p14="http://schemas.microsoft.com/office/powerpoint/2010/main" val="2278626522"/>
+        <p14:creationId xmlns:p14="http://schemas.microsoft.com/office/powerpoint/2010/main" val="547463027"/>
       </p:ext>
     </p:extLst>
   </p:cSld>
@@ -1302,7 +1305,7 @@
 
 <file path=ppt/slideLayouts/slideLayout5.xml><?xml version="1.0" encoding="utf-8"?>
 <p:sldLayout xmlns:a="http://schemas.openxmlformats.org/drawingml/2006/main" xmlns:r="http://schemas.openxmlformats.org/officeDocument/2006/relationships" xmlns:p="http://schemas.openxmlformats.org/presentationml/2006/main" type="twoTxTwoObj" preserve="1">
-  <p:cSld name="比较">
+  <p:cSld name="Comparison">
     <p:spTree>
       <p:nvGrpSpPr>
         <p:cNvPr id="1" name=""/>
@@ -1329,8 +1332,8 @@
         </p:nvSpPr>
         <p:spPr>
           <a:xfrm>
-            <a:off x="386871" y="365127"/>
-            <a:ext cx="4844296" cy="1325563"/>
+            <a:off x="661333" y="243417"/>
+            <a:ext cx="8281035" cy="883709"/>
           </a:xfrm>
         </p:spPr>
         <p:txBody>
@@ -1338,8 +1341,8 @@
           <a:lstStyle/>
           <a:p>
             <a:r>
-              <a:rPr lang="zh-CN" altLang="en-US"/>
-              <a:t>单击此处编辑母版标题样式</a:t>
+              <a:rPr lang="en-US"/>
+              <a:t>Click to edit Master title style</a:t>
             </a:r>
             <a:endParaRPr lang="en-US" dirty="0"/>
           </a:p>
@@ -1357,8 +1360,8 @@
         </p:nvSpPr>
         <p:spPr>
           <a:xfrm>
-            <a:off x="386872" y="1681163"/>
-            <a:ext cx="2376074" cy="823912"/>
+            <a:off x="661334" y="1120775"/>
+            <a:ext cx="4061757" cy="549275"/>
           </a:xfrm>
         </p:spPr>
         <p:txBody>
@@ -1366,46 +1369,46 @@
           <a:lstStyle>
             <a:lvl1pPr marL="0" indent="0">
               <a:buNone/>
-              <a:defRPr sz="1474" b="1"/>
+              <a:defRPr sz="1600" b="1"/>
             </a:lvl1pPr>
-            <a:lvl2pPr marL="280812" indent="0">
+            <a:lvl2pPr marL="304815" indent="0">
               <a:buNone/>
-              <a:defRPr sz="1228" b="1"/>
+              <a:defRPr sz="1333" b="1"/>
             </a:lvl2pPr>
-            <a:lvl3pPr marL="561624" indent="0">
+            <a:lvl3pPr marL="609630" indent="0">
               <a:buNone/>
-              <a:defRPr sz="1106" b="1"/>
+              <a:defRPr sz="1200" b="1"/>
             </a:lvl3pPr>
-            <a:lvl4pPr marL="842437" indent="0">
+            <a:lvl4pPr marL="914446" indent="0">
               <a:buNone/>
-              <a:defRPr sz="983" b="1"/>
+              <a:defRPr sz="1067" b="1"/>
             </a:lvl4pPr>
-            <a:lvl5pPr marL="1123249" indent="0">
+            <a:lvl5pPr marL="1219261" indent="0">
               <a:buNone/>
-              <a:defRPr sz="983" b="1"/>
+              <a:defRPr sz="1067" b="1"/>
             </a:lvl5pPr>
-            <a:lvl6pPr marL="1404061" indent="0">
+            <a:lvl6pPr marL="1524076" indent="0">
               <a:buNone/>
-              <a:defRPr sz="983" b="1"/>
+              <a:defRPr sz="1067" b="1"/>
             </a:lvl6pPr>
-            <a:lvl7pPr marL="1684873" indent="0">
+            <a:lvl7pPr marL="1828891" indent="0">
               <a:buNone/>
-              <a:defRPr sz="983" b="1"/>
+              <a:defRPr sz="1067" b="1"/>
             </a:lvl7pPr>
-            <a:lvl8pPr marL="1965686" indent="0">
+            <a:lvl8pPr marL="2133707" indent="0">
               <a:buNone/>
-              <a:defRPr sz="983" b="1"/>
+              <a:defRPr sz="1067" b="1"/>
             </a:lvl8pPr>
-            <a:lvl9pPr marL="2246498" indent="0">
+            <a:lvl9pPr marL="2438522" indent="0">
               <a:buNone/>
-              <a:defRPr sz="983" b="1"/>
+              <a:defRPr sz="1067" b="1"/>
             </a:lvl9pPr>
           </a:lstStyle>
           <a:p>
             <a:pPr lvl="0"/>
             <a:r>
-              <a:rPr lang="zh-CN" altLang="en-US"/>
-              <a:t>单击此处编辑母版文本样式</a:t>
+              <a:rPr lang="en-US"/>
+              <a:t>Click to edit Master text styles</a:t>
             </a:r>
           </a:p>
         </p:txBody>
@@ -1422,8 +1425,8 @@
         </p:nvSpPr>
         <p:spPr>
           <a:xfrm>
-            <a:off x="386872" y="2505075"/>
-            <a:ext cx="2376074" cy="3684588"/>
+            <a:off x="661334" y="1670050"/>
+            <a:ext cx="4061757" cy="2456392"/>
           </a:xfrm>
         </p:spPr>
         <p:txBody>
@@ -1432,36 +1435,36 @@
           <a:p>
             <a:pPr lvl="0"/>
             <a:r>
-              <a:rPr lang="zh-CN" altLang="en-US"/>
-              <a:t>单击此处编辑母版文本样式</a:t>
+              <a:rPr lang="en-US"/>
+              <a:t>Click to edit Master text styles</a:t>
             </a:r>
           </a:p>
           <a:p>
             <a:pPr lvl="1"/>
             <a:r>
-              <a:rPr lang="zh-CN" altLang="en-US"/>
-              <a:t>二级</a:t>
+              <a:rPr lang="en-US"/>
+              <a:t>Second level</a:t>
             </a:r>
           </a:p>
           <a:p>
             <a:pPr lvl="2"/>
             <a:r>
-              <a:rPr lang="zh-CN" altLang="en-US"/>
-              <a:t>三级</a:t>
+              <a:rPr lang="en-US"/>
+              <a:t>Third level</a:t>
             </a:r>
           </a:p>
           <a:p>
             <a:pPr lvl="3"/>
             <a:r>
-              <a:rPr lang="zh-CN" altLang="en-US"/>
-              <a:t>四级</a:t>
+              <a:rPr lang="en-US"/>
+              <a:t>Fourth level</a:t>
             </a:r>
           </a:p>
           <a:p>
             <a:pPr lvl="4"/>
             <a:r>
-              <a:rPr lang="zh-CN" altLang="en-US"/>
-              <a:t>五级</a:t>
+              <a:rPr lang="en-US"/>
+              <a:t>Fifth level</a:t>
             </a:r>
             <a:endParaRPr lang="en-US" dirty="0"/>
           </a:p>
@@ -1479,8 +1482,8 @@
         </p:nvSpPr>
         <p:spPr>
           <a:xfrm>
-            <a:off x="2843391" y="1681163"/>
-            <a:ext cx="2387776" cy="823912"/>
+            <a:off x="4860607" y="1120775"/>
+            <a:ext cx="4081761" cy="549275"/>
           </a:xfrm>
         </p:spPr>
         <p:txBody>
@@ -1488,46 +1491,46 @@
           <a:lstStyle>
             <a:lvl1pPr marL="0" indent="0">
               <a:buNone/>
-              <a:defRPr sz="1474" b="1"/>
+              <a:defRPr sz="1600" b="1"/>
             </a:lvl1pPr>
-            <a:lvl2pPr marL="280812" indent="0">
+            <a:lvl2pPr marL="304815" indent="0">
               <a:buNone/>
-              <a:defRPr sz="1228" b="1"/>
+              <a:defRPr sz="1333" b="1"/>
             </a:lvl2pPr>
-            <a:lvl3pPr marL="561624" indent="0">
+            <a:lvl3pPr marL="609630" indent="0">
               <a:buNone/>
-              <a:defRPr sz="1106" b="1"/>
+              <a:defRPr sz="1200" b="1"/>
             </a:lvl3pPr>
-            <a:lvl4pPr marL="842437" indent="0">
+            <a:lvl4pPr marL="914446" indent="0">
               <a:buNone/>
-              <a:defRPr sz="983" b="1"/>
+              <a:defRPr sz="1067" b="1"/>
             </a:lvl4pPr>
-            <a:lvl5pPr marL="1123249" indent="0">
+            <a:lvl5pPr marL="1219261" indent="0">
               <a:buNone/>
-              <a:defRPr sz="983" b="1"/>
+              <a:defRPr sz="1067" b="1"/>
             </a:lvl5pPr>
-            <a:lvl6pPr marL="1404061" indent="0">
+            <a:lvl6pPr marL="1524076" indent="0">
               <a:buNone/>
-              <a:defRPr sz="983" b="1"/>
+              <a:defRPr sz="1067" b="1"/>
             </a:lvl6pPr>
-            <a:lvl7pPr marL="1684873" indent="0">
+            <a:lvl7pPr marL="1828891" indent="0">
               <a:buNone/>
-              <a:defRPr sz="983" b="1"/>
+              <a:defRPr sz="1067" b="1"/>
             </a:lvl7pPr>
-            <a:lvl8pPr marL="1965686" indent="0">
+            <a:lvl8pPr marL="2133707" indent="0">
               <a:buNone/>
-              <a:defRPr sz="983" b="1"/>
+              <a:defRPr sz="1067" b="1"/>
             </a:lvl8pPr>
-            <a:lvl9pPr marL="2246498" indent="0">
+            <a:lvl9pPr marL="2438522" indent="0">
               <a:buNone/>
-              <a:defRPr sz="983" b="1"/>
+              <a:defRPr sz="1067" b="1"/>
             </a:lvl9pPr>
           </a:lstStyle>
           <a:p>
             <a:pPr lvl="0"/>
             <a:r>
-              <a:rPr lang="zh-CN" altLang="en-US"/>
-              <a:t>单击此处编辑母版文本样式</a:t>
+              <a:rPr lang="en-US"/>
+              <a:t>Click to edit Master text styles</a:t>
             </a:r>
           </a:p>
         </p:txBody>
@@ -1544,8 +1547,8 @@
         </p:nvSpPr>
         <p:spPr>
           <a:xfrm>
-            <a:off x="2843391" y="2505075"/>
-            <a:ext cx="2387776" cy="3684588"/>
+            <a:off x="4860607" y="1670050"/>
+            <a:ext cx="4081761" cy="2456392"/>
           </a:xfrm>
         </p:spPr>
         <p:txBody>
@@ -1554,36 +1557,36 @@
           <a:p>
             <a:pPr lvl="0"/>
             <a:r>
-              <a:rPr lang="zh-CN" altLang="en-US"/>
-              <a:t>单击此处编辑母版文本样式</a:t>
+              <a:rPr lang="en-US"/>
+              <a:t>Click to edit Master text styles</a:t>
             </a:r>
           </a:p>
           <a:p>
             <a:pPr lvl="1"/>
             <a:r>
-              <a:rPr lang="zh-CN" altLang="en-US"/>
-              <a:t>二级</a:t>
+              <a:rPr lang="en-US"/>
+              <a:t>Second level</a:t>
             </a:r>
           </a:p>
           <a:p>
             <a:pPr lvl="2"/>
             <a:r>
-              <a:rPr lang="zh-CN" altLang="en-US"/>
-              <a:t>三级</a:t>
+              <a:rPr lang="en-US"/>
+              <a:t>Third level</a:t>
             </a:r>
           </a:p>
           <a:p>
             <a:pPr lvl="3"/>
             <a:r>
-              <a:rPr lang="zh-CN" altLang="en-US"/>
-              <a:t>四级</a:t>
+              <a:rPr lang="en-US"/>
+              <a:t>Fourth level</a:t>
             </a:r>
           </a:p>
           <a:p>
             <a:pPr lvl="4"/>
             <a:r>
-              <a:rPr lang="zh-CN" altLang="en-US"/>
-              <a:t>五级</a:t>
+              <a:rPr lang="en-US"/>
+              <a:t>Fifth level</a:t>
             </a:r>
             <a:endParaRPr lang="en-US" dirty="0"/>
           </a:p>
@@ -1657,7 +1660,7 @@
     </p:spTree>
     <p:extLst>
       <p:ext uri="{BB962C8B-B14F-4D97-AF65-F5344CB8AC3E}">
-        <p14:creationId xmlns:p14="http://schemas.microsoft.com/office/powerpoint/2010/main" val="1176141147"/>
+        <p14:creationId xmlns:p14="http://schemas.microsoft.com/office/powerpoint/2010/main" val="2589632504"/>
       </p:ext>
     </p:extLst>
   </p:cSld>
@@ -1669,7 +1672,7 @@
 
 <file path=ppt/slideLayouts/slideLayout6.xml><?xml version="1.0" encoding="utf-8"?>
 <p:sldLayout xmlns:a="http://schemas.openxmlformats.org/drawingml/2006/main" xmlns:r="http://schemas.openxmlformats.org/officeDocument/2006/relationships" xmlns:p="http://schemas.openxmlformats.org/presentationml/2006/main" type="titleOnly" preserve="1">
-  <p:cSld name="仅标题">
+  <p:cSld name="Title Only">
     <p:spTree>
       <p:nvGrpSpPr>
         <p:cNvPr id="1" name=""/>
@@ -1700,8 +1703,8 @@
           <a:lstStyle/>
           <a:p>
             <a:r>
-              <a:rPr lang="zh-CN" altLang="en-US"/>
-              <a:t>单击此处编辑母版标题样式</a:t>
+              <a:rPr lang="en-US"/>
+              <a:t>Click to edit Master title style</a:t>
             </a:r>
             <a:endParaRPr lang="en-US" dirty="0"/>
           </a:p>
@@ -1775,7 +1778,7 @@
     </p:spTree>
     <p:extLst>
       <p:ext uri="{BB962C8B-B14F-4D97-AF65-F5344CB8AC3E}">
-        <p14:creationId xmlns:p14="http://schemas.microsoft.com/office/powerpoint/2010/main" val="4022246075"/>
+        <p14:creationId xmlns:p14="http://schemas.microsoft.com/office/powerpoint/2010/main" val="2920517274"/>
       </p:ext>
     </p:extLst>
   </p:cSld>
@@ -1787,7 +1790,7 @@
 
 <file path=ppt/slideLayouts/slideLayout7.xml><?xml version="1.0" encoding="utf-8"?>
 <p:sldLayout xmlns:a="http://schemas.openxmlformats.org/drawingml/2006/main" xmlns:r="http://schemas.openxmlformats.org/officeDocument/2006/relationships" xmlns:p="http://schemas.openxmlformats.org/presentationml/2006/main" type="blank" preserve="1">
-  <p:cSld name="空白">
+  <p:cSld name="Blank">
     <p:spTree>
       <p:nvGrpSpPr>
         <p:cNvPr id="1" name=""/>
@@ -1870,7 +1873,7 @@
     </p:spTree>
     <p:extLst>
       <p:ext uri="{BB962C8B-B14F-4D97-AF65-F5344CB8AC3E}">
-        <p14:creationId xmlns:p14="http://schemas.microsoft.com/office/powerpoint/2010/main" val="1493401089"/>
+        <p14:creationId xmlns:p14="http://schemas.microsoft.com/office/powerpoint/2010/main" val="1152656372"/>
       </p:ext>
     </p:extLst>
   </p:cSld>
@@ -1882,7 +1885,7 @@
 
 <file path=ppt/slideLayouts/slideLayout8.xml><?xml version="1.0" encoding="utf-8"?>
 <p:sldLayout xmlns:a="http://schemas.openxmlformats.org/drawingml/2006/main" xmlns:r="http://schemas.openxmlformats.org/officeDocument/2006/relationships" xmlns:p="http://schemas.openxmlformats.org/presentationml/2006/main" type="objTx" preserve="1">
-  <p:cSld name="内容与标题">
+  <p:cSld name="Content with Caption">
     <p:spTree>
       <p:nvGrpSpPr>
         <p:cNvPr id="1" name=""/>
@@ -1909,21 +1912,21 @@
         </p:nvSpPr>
         <p:spPr>
           <a:xfrm>
-            <a:off x="386871" y="457200"/>
-            <a:ext cx="1811492" cy="1600200"/>
+            <a:off x="661333" y="304800"/>
+            <a:ext cx="3096637" cy="1066800"/>
           </a:xfrm>
         </p:spPr>
         <p:txBody>
           <a:bodyPr anchor="b"/>
           <a:lstStyle>
             <a:lvl1pPr>
-              <a:defRPr sz="1965"/>
+              <a:defRPr sz="2133"/>
             </a:lvl1pPr>
           </a:lstStyle>
           <a:p>
             <a:r>
-              <a:rPr lang="zh-CN" altLang="en-US"/>
-              <a:t>单击此处编辑母版标题样式</a:t>
+              <a:rPr lang="en-US"/>
+              <a:t>Click to edit Master title style</a:t>
             </a:r>
             <a:endParaRPr lang="en-US" dirty="0"/>
           </a:p>
@@ -1941,74 +1944,74 @@
         </p:nvSpPr>
         <p:spPr>
           <a:xfrm>
-            <a:off x="2387776" y="987427"/>
-            <a:ext cx="2843391" cy="4873625"/>
+            <a:off x="4081760" y="658284"/>
+            <a:ext cx="4860608" cy="3249083"/>
           </a:xfrm>
         </p:spPr>
         <p:txBody>
           <a:bodyPr/>
           <a:lstStyle>
             <a:lvl1pPr>
-              <a:defRPr sz="1965"/>
+              <a:defRPr sz="2133"/>
             </a:lvl1pPr>
             <a:lvl2pPr>
-              <a:defRPr sz="1720"/>
+              <a:defRPr sz="1867"/>
             </a:lvl2pPr>
             <a:lvl3pPr>
-              <a:defRPr sz="1474"/>
+              <a:defRPr sz="1600"/>
             </a:lvl3pPr>
             <a:lvl4pPr>
-              <a:defRPr sz="1228"/>
+              <a:defRPr sz="1333"/>
             </a:lvl4pPr>
             <a:lvl5pPr>
-              <a:defRPr sz="1228"/>
+              <a:defRPr sz="1333"/>
             </a:lvl5pPr>
             <a:lvl6pPr>
-              <a:defRPr sz="1228"/>
+              <a:defRPr sz="1333"/>
             </a:lvl6pPr>
             <a:lvl7pPr>
-              <a:defRPr sz="1228"/>
+              <a:defRPr sz="1333"/>
             </a:lvl7pPr>
             <a:lvl8pPr>
-              <a:defRPr sz="1228"/>
+              <a:defRPr sz="1333"/>
             </a:lvl8pPr>
             <a:lvl9pPr>
-              <a:defRPr sz="1228"/>
+              <a:defRPr sz="1333"/>
             </a:lvl9pPr>
           </a:lstStyle>
           <a:p>
             <a:pPr lvl="0"/>
             <a:r>
-              <a:rPr lang="zh-CN" altLang="en-US"/>
-              <a:t>单击此处编辑母版文本样式</a:t>
+              <a:rPr lang="en-US"/>
+              <a:t>Click to edit Master text styles</a:t>
             </a:r>
           </a:p>
           <a:p>
             <a:pPr lvl="1"/>
             <a:r>
-              <a:rPr lang="zh-CN" altLang="en-US"/>
-              <a:t>二级</a:t>
+              <a:rPr lang="en-US"/>
+              <a:t>Second level</a:t>
             </a:r>
           </a:p>
           <a:p>
             <a:pPr lvl="2"/>
             <a:r>
-              <a:rPr lang="zh-CN" altLang="en-US"/>
-              <a:t>三级</a:t>
+              <a:rPr lang="en-US"/>
+              <a:t>Third level</a:t>
             </a:r>
           </a:p>
           <a:p>
             <a:pPr lvl="3"/>
             <a:r>
-              <a:rPr lang="zh-CN" altLang="en-US"/>
-              <a:t>四级</a:t>
+              <a:rPr lang="en-US"/>
+              <a:t>Fourth level</a:t>
             </a:r>
           </a:p>
           <a:p>
             <a:pPr lvl="4"/>
             <a:r>
-              <a:rPr lang="zh-CN" altLang="en-US"/>
-              <a:t>五级</a:t>
+              <a:rPr lang="en-US"/>
+              <a:t>Fifth level</a:t>
             </a:r>
             <a:endParaRPr lang="en-US" dirty="0"/>
           </a:p>
@@ -2026,8 +2029,8 @@
         </p:nvSpPr>
         <p:spPr>
           <a:xfrm>
-            <a:off x="386871" y="2057400"/>
-            <a:ext cx="1811492" cy="3811588"/>
+            <a:off x="661333" y="1371600"/>
+            <a:ext cx="3096637" cy="2541059"/>
           </a:xfrm>
         </p:spPr>
         <p:txBody>
@@ -2035,46 +2038,46 @@
           <a:lstStyle>
             <a:lvl1pPr marL="0" indent="0">
               <a:buNone/>
-              <a:defRPr sz="983"/>
+              <a:defRPr sz="1067"/>
             </a:lvl1pPr>
-            <a:lvl2pPr marL="280812" indent="0">
+            <a:lvl2pPr marL="304815" indent="0">
               <a:buNone/>
-              <a:defRPr sz="860"/>
+              <a:defRPr sz="933"/>
             </a:lvl2pPr>
-            <a:lvl3pPr marL="561624" indent="0">
+            <a:lvl3pPr marL="609630" indent="0">
               <a:buNone/>
-              <a:defRPr sz="737"/>
+              <a:defRPr sz="800"/>
             </a:lvl3pPr>
-            <a:lvl4pPr marL="842437" indent="0">
+            <a:lvl4pPr marL="914446" indent="0">
               <a:buNone/>
-              <a:defRPr sz="614"/>
+              <a:defRPr sz="667"/>
             </a:lvl4pPr>
-            <a:lvl5pPr marL="1123249" indent="0">
+            <a:lvl5pPr marL="1219261" indent="0">
               <a:buNone/>
-              <a:defRPr sz="614"/>
+              <a:defRPr sz="667"/>
             </a:lvl5pPr>
-            <a:lvl6pPr marL="1404061" indent="0">
+            <a:lvl6pPr marL="1524076" indent="0">
               <a:buNone/>
-              <a:defRPr sz="614"/>
+              <a:defRPr sz="667"/>
             </a:lvl6pPr>
-            <a:lvl7pPr marL="1684873" indent="0">
+            <a:lvl7pPr marL="1828891" indent="0">
               <a:buNone/>
-              <a:defRPr sz="614"/>
+              <a:defRPr sz="667"/>
             </a:lvl7pPr>
-            <a:lvl8pPr marL="1965686" indent="0">
+            <a:lvl8pPr marL="2133707" indent="0">
               <a:buNone/>
-              <a:defRPr sz="614"/>
+              <a:defRPr sz="667"/>
             </a:lvl8pPr>
-            <a:lvl9pPr marL="2246498" indent="0">
+            <a:lvl9pPr marL="2438522" indent="0">
               <a:buNone/>
-              <a:defRPr sz="614"/>
+              <a:defRPr sz="667"/>
             </a:lvl9pPr>
           </a:lstStyle>
           <a:p>
             <a:pPr lvl="0"/>
             <a:r>
-              <a:rPr lang="zh-CN" altLang="en-US"/>
-              <a:t>单击此处编辑母版文本样式</a:t>
+              <a:rPr lang="en-US"/>
+              <a:t>Click to edit Master text styles</a:t>
             </a:r>
           </a:p>
         </p:txBody>
@@ -2147,7 +2150,7 @@
     </p:spTree>
     <p:extLst>
       <p:ext uri="{BB962C8B-B14F-4D97-AF65-F5344CB8AC3E}">
-        <p14:creationId xmlns:p14="http://schemas.microsoft.com/office/powerpoint/2010/main" val="2387918250"/>
+        <p14:creationId xmlns:p14="http://schemas.microsoft.com/office/powerpoint/2010/main" val="582690853"/>
       </p:ext>
     </p:extLst>
   </p:cSld>
@@ -2159,7 +2162,7 @@
 
 <file path=ppt/slideLayouts/slideLayout9.xml><?xml version="1.0" encoding="utf-8"?>
 <p:sldLayout xmlns:a="http://schemas.openxmlformats.org/drawingml/2006/main" xmlns:r="http://schemas.openxmlformats.org/officeDocument/2006/relationships" xmlns:p="http://schemas.openxmlformats.org/presentationml/2006/main" type="picTx" preserve="1">
-  <p:cSld name="图片与标题">
+  <p:cSld name="Picture with Caption">
     <p:spTree>
       <p:nvGrpSpPr>
         <p:cNvPr id="1" name=""/>
@@ -2186,21 +2189,21 @@
         </p:nvSpPr>
         <p:spPr>
           <a:xfrm>
-            <a:off x="386871" y="457200"/>
-            <a:ext cx="1811492" cy="1600200"/>
+            <a:off x="661333" y="304800"/>
+            <a:ext cx="3096637" cy="1066800"/>
           </a:xfrm>
         </p:spPr>
         <p:txBody>
           <a:bodyPr anchor="b"/>
           <a:lstStyle>
             <a:lvl1pPr>
-              <a:defRPr sz="1965"/>
+              <a:defRPr sz="2133"/>
             </a:lvl1pPr>
           </a:lstStyle>
           <a:p>
             <a:r>
-              <a:rPr lang="zh-CN" altLang="en-US"/>
-              <a:t>单击此处编辑母版标题样式</a:t>
+              <a:rPr lang="en-US"/>
+              <a:t>Click to edit Master title style</a:t>
             </a:r>
             <a:endParaRPr lang="en-US" dirty="0"/>
           </a:p>
@@ -2218,8 +2221,8 @@
         </p:nvSpPr>
         <p:spPr>
           <a:xfrm>
-            <a:off x="2387776" y="987427"/>
-            <a:ext cx="2843391" cy="4873625"/>
+            <a:off x="4081760" y="658284"/>
+            <a:ext cx="4860608" cy="3249083"/>
           </a:xfrm>
         </p:spPr>
         <p:txBody>
@@ -2227,45 +2230,45 @@
           <a:lstStyle>
             <a:lvl1pPr marL="0" indent="0">
               <a:buNone/>
-              <a:defRPr sz="1965"/>
+              <a:defRPr sz="2133"/>
             </a:lvl1pPr>
-            <a:lvl2pPr marL="280812" indent="0">
+            <a:lvl2pPr marL="304815" indent="0">
               <a:buNone/>
-              <a:defRPr sz="1720"/>
+              <a:defRPr sz="1867"/>
             </a:lvl2pPr>
-            <a:lvl3pPr marL="561624" indent="0">
+            <a:lvl3pPr marL="609630" indent="0">
               <a:buNone/>
-              <a:defRPr sz="1474"/>
+              <a:defRPr sz="1600"/>
             </a:lvl3pPr>
-            <a:lvl4pPr marL="842437" indent="0">
+            <a:lvl4pPr marL="914446" indent="0">
               <a:buNone/>
-              <a:defRPr sz="1228"/>
+              <a:defRPr sz="1333"/>
             </a:lvl4pPr>
-            <a:lvl5pPr marL="1123249" indent="0">
+            <a:lvl5pPr marL="1219261" indent="0">
               <a:buNone/>
-              <a:defRPr sz="1228"/>
+              <a:defRPr sz="1333"/>
             </a:lvl5pPr>
-            <a:lvl6pPr marL="1404061" indent="0">
+            <a:lvl6pPr marL="1524076" indent="0">
               <a:buNone/>
-              <a:defRPr sz="1228"/>
+              <a:defRPr sz="1333"/>
             </a:lvl6pPr>
-            <a:lvl7pPr marL="1684873" indent="0">
+            <a:lvl7pPr marL="1828891" indent="0">
               <a:buNone/>
-              <a:defRPr sz="1228"/>
+              <a:defRPr sz="1333"/>
             </a:lvl7pPr>
-            <a:lvl8pPr marL="1965686" indent="0">
+            <a:lvl8pPr marL="2133707" indent="0">
               <a:buNone/>
-              <a:defRPr sz="1228"/>
+              <a:defRPr sz="1333"/>
             </a:lvl8pPr>
-            <a:lvl9pPr marL="2246498" indent="0">
+            <a:lvl9pPr marL="2438522" indent="0">
               <a:buNone/>
-              <a:defRPr sz="1228"/>
+              <a:defRPr sz="1333"/>
             </a:lvl9pPr>
           </a:lstStyle>
           <a:p>
             <a:r>
-              <a:rPr lang="zh-CN" altLang="en-US"/>
-              <a:t>单击图标添加图片</a:t>
+              <a:rPr lang="en-US"/>
+              <a:t>Click icon to add picture</a:t>
             </a:r>
             <a:endParaRPr lang="en-US" dirty="0"/>
           </a:p>
@@ -2283,8 +2286,8 @@
         </p:nvSpPr>
         <p:spPr>
           <a:xfrm>
-            <a:off x="386871" y="2057400"/>
-            <a:ext cx="1811492" cy="3811588"/>
+            <a:off x="661333" y="1371600"/>
+            <a:ext cx="3096637" cy="2541059"/>
           </a:xfrm>
         </p:spPr>
         <p:txBody>
@@ -2292,46 +2295,46 @@
           <a:lstStyle>
             <a:lvl1pPr marL="0" indent="0">
               <a:buNone/>
-              <a:defRPr sz="983"/>
+              <a:defRPr sz="1067"/>
             </a:lvl1pPr>
-            <a:lvl2pPr marL="280812" indent="0">
+            <a:lvl2pPr marL="304815" indent="0">
               <a:buNone/>
-              <a:defRPr sz="860"/>
+              <a:defRPr sz="933"/>
             </a:lvl2pPr>
-            <a:lvl3pPr marL="561624" indent="0">
+            <a:lvl3pPr marL="609630" indent="0">
               <a:buNone/>
-              <a:defRPr sz="737"/>
+              <a:defRPr sz="800"/>
             </a:lvl3pPr>
-            <a:lvl4pPr marL="842437" indent="0">
+            <a:lvl4pPr marL="914446" indent="0">
               <a:buNone/>
-              <a:defRPr sz="614"/>
+              <a:defRPr sz="667"/>
             </a:lvl4pPr>
-            <a:lvl5pPr marL="1123249" indent="0">
+            <a:lvl5pPr marL="1219261" indent="0">
               <a:buNone/>
-              <a:defRPr sz="614"/>
+              <a:defRPr sz="667"/>
             </a:lvl5pPr>
-            <a:lvl6pPr marL="1404061" indent="0">
+            <a:lvl6pPr marL="1524076" indent="0">
               <a:buNone/>
-              <a:defRPr sz="614"/>
+              <a:defRPr sz="667"/>
             </a:lvl6pPr>
-            <a:lvl7pPr marL="1684873" indent="0">
+            <a:lvl7pPr marL="1828891" indent="0">
               <a:buNone/>
-              <a:defRPr sz="614"/>
+              <a:defRPr sz="667"/>
             </a:lvl7pPr>
-            <a:lvl8pPr marL="1965686" indent="0">
+            <a:lvl8pPr marL="2133707" indent="0">
               <a:buNone/>
-              <a:defRPr sz="614"/>
+              <a:defRPr sz="667"/>
             </a:lvl8pPr>
-            <a:lvl9pPr marL="2246498" indent="0">
+            <a:lvl9pPr marL="2438522" indent="0">
               <a:buNone/>
-              <a:defRPr sz="614"/>
+              <a:defRPr sz="667"/>
             </a:lvl9pPr>
           </a:lstStyle>
           <a:p>
             <a:pPr lvl="0"/>
             <a:r>
-              <a:rPr lang="zh-CN" altLang="en-US"/>
-              <a:t>单击此处编辑母版文本样式</a:t>
+              <a:rPr lang="en-US"/>
+              <a:t>Click to edit Master text styles</a:t>
             </a:r>
           </a:p>
         </p:txBody>
@@ -2404,7 +2407,7 @@
     </p:spTree>
     <p:extLst>
       <p:ext uri="{BB962C8B-B14F-4D97-AF65-F5344CB8AC3E}">
-        <p14:creationId xmlns:p14="http://schemas.microsoft.com/office/powerpoint/2010/main" val="691220903"/>
+        <p14:creationId xmlns:p14="http://schemas.microsoft.com/office/powerpoint/2010/main" val="1043167504"/>
       </p:ext>
     </p:extLst>
   </p:cSld>
@@ -2448,8 +2451,8 @@
         </p:nvSpPr>
         <p:spPr>
           <a:xfrm>
-            <a:off x="386140" y="365127"/>
-            <a:ext cx="4844296" cy="1325563"/>
+            <a:off x="660083" y="243417"/>
+            <a:ext cx="8281035" cy="883709"/>
           </a:xfrm>
           <a:prstGeom prst="rect">
             <a:avLst/>
@@ -2462,8 +2465,8 @@
           <a:lstStyle/>
           <a:p>
             <a:r>
-              <a:rPr lang="zh-CN" altLang="en-US"/>
-              <a:t>单击此处编辑母版标题样式</a:t>
+              <a:rPr lang="en-US"/>
+              <a:t>Click to edit Master title style</a:t>
             </a:r>
             <a:endParaRPr lang="en-US" dirty="0"/>
           </a:p>
@@ -2481,8 +2484,8 @@
         </p:nvSpPr>
         <p:spPr>
           <a:xfrm>
-            <a:off x="386140" y="1825625"/>
-            <a:ext cx="4844296" cy="4351338"/>
+            <a:off x="660083" y="1217083"/>
+            <a:ext cx="8281035" cy="2900892"/>
           </a:xfrm>
           <a:prstGeom prst="rect">
             <a:avLst/>
@@ -2496,36 +2499,36 @@
           <a:p>
             <a:pPr lvl="0"/>
             <a:r>
-              <a:rPr lang="zh-CN" altLang="en-US"/>
-              <a:t>单击此处编辑母版文本样式</a:t>
+              <a:rPr lang="en-US"/>
+              <a:t>Click to edit Master text styles</a:t>
             </a:r>
           </a:p>
           <a:p>
             <a:pPr lvl="1"/>
             <a:r>
-              <a:rPr lang="zh-CN" altLang="en-US"/>
-              <a:t>二级</a:t>
+              <a:rPr lang="en-US"/>
+              <a:t>Second level</a:t>
             </a:r>
           </a:p>
           <a:p>
             <a:pPr lvl="2"/>
             <a:r>
-              <a:rPr lang="zh-CN" altLang="en-US"/>
-              <a:t>三级</a:t>
+              <a:rPr lang="en-US"/>
+              <a:t>Third level</a:t>
             </a:r>
           </a:p>
           <a:p>
             <a:pPr lvl="3"/>
             <a:r>
-              <a:rPr lang="zh-CN" altLang="en-US"/>
-              <a:t>四级</a:t>
+              <a:rPr lang="en-US"/>
+              <a:t>Fourth level</a:t>
             </a:r>
           </a:p>
           <a:p>
             <a:pPr lvl="4"/>
             <a:r>
-              <a:rPr lang="zh-CN" altLang="en-US"/>
-              <a:t>五级</a:t>
+              <a:rPr lang="en-US"/>
+              <a:t>Fifth level</a:t>
             </a:r>
             <a:endParaRPr lang="en-US" dirty="0"/>
           </a:p>
@@ -2543,8 +2546,8 @@
         </p:nvSpPr>
         <p:spPr>
           <a:xfrm>
-            <a:off x="386140" y="6356352"/>
-            <a:ext cx="1263729" cy="365125"/>
+            <a:off x="660083" y="4237567"/>
+            <a:ext cx="2160270" cy="243417"/>
           </a:xfrm>
           <a:prstGeom prst="rect">
             <a:avLst/>
@@ -2554,7 +2557,7 @@
           <a:bodyPr vert="horz" lIns="91440" tIns="45720" rIns="91440" bIns="45720" rtlCol="0" anchor="ctr"/>
           <a:lstStyle>
             <a:lvl1pPr algn="l">
-              <a:defRPr sz="737">
+              <a:defRPr sz="800">
                 <a:solidFill>
                   <a:schemeClr val="tx1">
                     <a:tint val="75000"/>
@@ -2584,8 +2587,8 @@
         </p:nvSpPr>
         <p:spPr>
           <a:xfrm>
-            <a:off x="1860491" y="6356352"/>
-            <a:ext cx="1895594" cy="365125"/>
+            <a:off x="3180398" y="4237567"/>
+            <a:ext cx="3240405" cy="243417"/>
           </a:xfrm>
           <a:prstGeom prst="rect">
             <a:avLst/>
@@ -2595,7 +2598,7 @@
           <a:bodyPr vert="horz" lIns="91440" tIns="45720" rIns="91440" bIns="45720" rtlCol="0" anchor="ctr"/>
           <a:lstStyle>
             <a:lvl1pPr algn="ctr">
-              <a:defRPr sz="737">
+              <a:defRPr sz="800">
                 <a:solidFill>
                   <a:schemeClr val="tx1">
                     <a:tint val="75000"/>
@@ -2621,8 +2624,8 @@
         </p:nvSpPr>
         <p:spPr>
           <a:xfrm>
-            <a:off x="3966706" y="6356352"/>
-            <a:ext cx="1263729" cy="365125"/>
+            <a:off x="6780848" y="4237567"/>
+            <a:ext cx="2160270" cy="243417"/>
           </a:xfrm>
           <a:prstGeom prst="rect">
             <a:avLst/>
@@ -2632,7 +2635,7 @@
           <a:bodyPr vert="horz" lIns="91440" tIns="45720" rIns="91440" bIns="45720" rtlCol="0" anchor="ctr"/>
           <a:lstStyle>
             <a:lvl1pPr algn="r">
-              <a:defRPr sz="737">
+              <a:defRPr sz="800">
                 <a:solidFill>
                   <a:schemeClr val="tx1">
                     <a:tint val="75000"/>
@@ -2653,27 +2656,27 @@
     </p:spTree>
     <p:extLst>
       <p:ext uri="{BB962C8B-B14F-4D97-AF65-F5344CB8AC3E}">
-        <p14:creationId xmlns:p14="http://schemas.microsoft.com/office/powerpoint/2010/main" val="779264314"/>
+        <p14:creationId xmlns:p14="http://schemas.microsoft.com/office/powerpoint/2010/main" val="1625197333"/>
       </p:ext>
     </p:extLst>
   </p:cSld>
   <p:clrMap bg1="lt1" tx1="dk1" bg2="lt2" tx2="dk2" accent1="accent1" accent2="accent2" accent3="accent3" accent4="accent4" accent5="accent5" accent6="accent6" hlink="hlink" folHlink="folHlink"/>
   <p:sldLayoutIdLst>
-    <p:sldLayoutId id="2147483661" r:id="rId1"/>
-    <p:sldLayoutId id="2147483662" r:id="rId2"/>
-    <p:sldLayoutId id="2147483663" r:id="rId3"/>
-    <p:sldLayoutId id="2147483664" r:id="rId4"/>
-    <p:sldLayoutId id="2147483665" r:id="rId5"/>
-    <p:sldLayoutId id="2147483666" r:id="rId6"/>
-    <p:sldLayoutId id="2147483667" r:id="rId7"/>
-    <p:sldLayoutId id="2147483668" r:id="rId8"/>
-    <p:sldLayoutId id="2147483669" r:id="rId9"/>
-    <p:sldLayoutId id="2147483670" r:id="rId10"/>
-    <p:sldLayoutId id="2147483671" r:id="rId11"/>
+    <p:sldLayoutId id="2147483673" r:id="rId1"/>
+    <p:sldLayoutId id="2147483674" r:id="rId2"/>
+    <p:sldLayoutId id="2147483675" r:id="rId3"/>
+    <p:sldLayoutId id="2147483676" r:id="rId4"/>
+    <p:sldLayoutId id="2147483677" r:id="rId5"/>
+    <p:sldLayoutId id="2147483678" r:id="rId6"/>
+    <p:sldLayoutId id="2147483679" r:id="rId7"/>
+    <p:sldLayoutId id="2147483680" r:id="rId8"/>
+    <p:sldLayoutId id="2147483681" r:id="rId9"/>
+    <p:sldLayoutId id="2147483682" r:id="rId10"/>
+    <p:sldLayoutId id="2147483683" r:id="rId11"/>
   </p:sldLayoutIdLst>
   <p:txStyles>
     <p:titleStyle>
-      <a:lvl1pPr algn="l" defTabSz="561624" rtl="0" eaLnBrk="1" latinLnBrk="0" hangingPunct="1">
+      <a:lvl1pPr algn="l" defTabSz="609630" rtl="0" eaLnBrk="1" latinLnBrk="0" hangingPunct="1">
         <a:lnSpc>
           <a:spcPct val="90000"/>
         </a:lnSpc>
@@ -2681,7 +2684,7 @@
           <a:spcPct val="0"/>
         </a:spcBef>
         <a:buNone/>
-        <a:defRPr sz="2702" kern="1200">
+        <a:defRPr sz="2933" kern="1200">
           <a:solidFill>
             <a:schemeClr val="tx1"/>
           </a:solidFill>
@@ -2692,16 +2695,16 @@
       </a:lvl1pPr>
     </p:titleStyle>
     <p:bodyStyle>
-      <a:lvl1pPr marL="140406" indent="-140406" algn="l" defTabSz="561624" rtl="0" eaLnBrk="1" latinLnBrk="0" hangingPunct="1">
+      <a:lvl1pPr marL="152408" indent="-152408" algn="l" defTabSz="609630" rtl="0" eaLnBrk="1" latinLnBrk="0" hangingPunct="1">
         <a:lnSpc>
           <a:spcPct val="90000"/>
         </a:lnSpc>
         <a:spcBef>
-          <a:spcPts val="614"/>
+          <a:spcPts val="667"/>
         </a:spcBef>
         <a:buFont typeface="Arial" panose="020B0604020202020204" pitchFamily="34" charset="0"/>
         <a:buChar char="•"/>
-        <a:defRPr sz="1720" kern="1200">
+        <a:defRPr sz="1867" kern="1200">
           <a:solidFill>
             <a:schemeClr val="tx1"/>
           </a:solidFill>
@@ -2710,16 +2713,16 @@
           <a:cs typeface="+mn-cs"/>
         </a:defRPr>
       </a:lvl1pPr>
-      <a:lvl2pPr marL="421218" indent="-140406" algn="l" defTabSz="561624" rtl="0" eaLnBrk="1" latinLnBrk="0" hangingPunct="1">
+      <a:lvl2pPr marL="457223" indent="-152408" algn="l" defTabSz="609630" rtl="0" eaLnBrk="1" latinLnBrk="0" hangingPunct="1">
         <a:lnSpc>
           <a:spcPct val="90000"/>
         </a:lnSpc>
         <a:spcBef>
-          <a:spcPts val="307"/>
+          <a:spcPts val="333"/>
         </a:spcBef>
         <a:buFont typeface="Arial" panose="020B0604020202020204" pitchFamily="34" charset="0"/>
         <a:buChar char="•"/>
-        <a:defRPr sz="1474" kern="1200">
+        <a:defRPr sz="1600" kern="1200">
           <a:solidFill>
             <a:schemeClr val="tx1"/>
           </a:solidFill>
@@ -2728,16 +2731,16 @@
           <a:cs typeface="+mn-cs"/>
         </a:defRPr>
       </a:lvl2pPr>
-      <a:lvl3pPr marL="702031" indent="-140406" algn="l" defTabSz="561624" rtl="0" eaLnBrk="1" latinLnBrk="0" hangingPunct="1">
+      <a:lvl3pPr marL="762038" indent="-152408" algn="l" defTabSz="609630" rtl="0" eaLnBrk="1" latinLnBrk="0" hangingPunct="1">
         <a:lnSpc>
           <a:spcPct val="90000"/>
         </a:lnSpc>
         <a:spcBef>
-          <a:spcPts val="307"/>
+          <a:spcPts val="333"/>
         </a:spcBef>
         <a:buFont typeface="Arial" panose="020B0604020202020204" pitchFamily="34" charset="0"/>
         <a:buChar char="•"/>
-        <a:defRPr sz="1228" kern="1200">
+        <a:defRPr sz="1333" kern="1200">
           <a:solidFill>
             <a:schemeClr val="tx1"/>
           </a:solidFill>
@@ -2746,16 +2749,16 @@
           <a:cs typeface="+mn-cs"/>
         </a:defRPr>
       </a:lvl3pPr>
-      <a:lvl4pPr marL="982843" indent="-140406" algn="l" defTabSz="561624" rtl="0" eaLnBrk="1" latinLnBrk="0" hangingPunct="1">
+      <a:lvl4pPr marL="1066853" indent="-152408" algn="l" defTabSz="609630" rtl="0" eaLnBrk="1" latinLnBrk="0" hangingPunct="1">
         <a:lnSpc>
           <a:spcPct val="90000"/>
         </a:lnSpc>
         <a:spcBef>
-          <a:spcPts val="307"/>
+          <a:spcPts val="333"/>
         </a:spcBef>
         <a:buFont typeface="Arial" panose="020B0604020202020204" pitchFamily="34" charset="0"/>
         <a:buChar char="•"/>
-        <a:defRPr sz="1106" kern="1200">
+        <a:defRPr sz="1200" kern="1200">
           <a:solidFill>
             <a:schemeClr val="tx1"/>
           </a:solidFill>
@@ -2764,16 +2767,16 @@
           <a:cs typeface="+mn-cs"/>
         </a:defRPr>
       </a:lvl4pPr>
-      <a:lvl5pPr marL="1263655" indent="-140406" algn="l" defTabSz="561624" rtl="0" eaLnBrk="1" latinLnBrk="0" hangingPunct="1">
+      <a:lvl5pPr marL="1371669" indent="-152408" algn="l" defTabSz="609630" rtl="0" eaLnBrk="1" latinLnBrk="0" hangingPunct="1">
         <a:lnSpc>
           <a:spcPct val="90000"/>
         </a:lnSpc>
         <a:spcBef>
-          <a:spcPts val="307"/>
+          <a:spcPts val="333"/>
         </a:spcBef>
         <a:buFont typeface="Arial" panose="020B0604020202020204" pitchFamily="34" charset="0"/>
         <a:buChar char="•"/>
-        <a:defRPr sz="1106" kern="1200">
+        <a:defRPr sz="1200" kern="1200">
           <a:solidFill>
             <a:schemeClr val="tx1"/>
           </a:solidFill>
@@ -2782,16 +2785,16 @@
           <a:cs typeface="+mn-cs"/>
         </a:defRPr>
       </a:lvl5pPr>
-      <a:lvl6pPr marL="1544467" indent="-140406" algn="l" defTabSz="561624" rtl="0" eaLnBrk="1" latinLnBrk="0" hangingPunct="1">
+      <a:lvl6pPr marL="1676484" indent="-152408" algn="l" defTabSz="609630" rtl="0" eaLnBrk="1" latinLnBrk="0" hangingPunct="1">
         <a:lnSpc>
           <a:spcPct val="90000"/>
         </a:lnSpc>
         <a:spcBef>
-          <a:spcPts val="307"/>
+          <a:spcPts val="333"/>
         </a:spcBef>
         <a:buFont typeface="Arial" panose="020B0604020202020204" pitchFamily="34" charset="0"/>
         <a:buChar char="•"/>
-        <a:defRPr sz="1106" kern="1200">
+        <a:defRPr sz="1200" kern="1200">
           <a:solidFill>
             <a:schemeClr val="tx1"/>
           </a:solidFill>
@@ -2800,16 +2803,16 @@
           <a:cs typeface="+mn-cs"/>
         </a:defRPr>
       </a:lvl6pPr>
-      <a:lvl7pPr marL="1825280" indent="-140406" algn="l" defTabSz="561624" rtl="0" eaLnBrk="1" latinLnBrk="0" hangingPunct="1">
+      <a:lvl7pPr marL="1981299" indent="-152408" algn="l" defTabSz="609630" rtl="0" eaLnBrk="1" latinLnBrk="0" hangingPunct="1">
         <a:lnSpc>
           <a:spcPct val="90000"/>
         </a:lnSpc>
         <a:spcBef>
-          <a:spcPts val="307"/>
+          <a:spcPts val="333"/>
         </a:spcBef>
         <a:buFont typeface="Arial" panose="020B0604020202020204" pitchFamily="34" charset="0"/>
         <a:buChar char="•"/>
-        <a:defRPr sz="1106" kern="1200">
+        <a:defRPr sz="1200" kern="1200">
           <a:solidFill>
             <a:schemeClr val="tx1"/>
           </a:solidFill>
@@ -2818,16 +2821,16 @@
           <a:cs typeface="+mn-cs"/>
         </a:defRPr>
       </a:lvl7pPr>
-      <a:lvl8pPr marL="2106092" indent="-140406" algn="l" defTabSz="561624" rtl="0" eaLnBrk="1" latinLnBrk="0" hangingPunct="1">
+      <a:lvl8pPr marL="2286114" indent="-152408" algn="l" defTabSz="609630" rtl="0" eaLnBrk="1" latinLnBrk="0" hangingPunct="1">
         <a:lnSpc>
           <a:spcPct val="90000"/>
         </a:lnSpc>
         <a:spcBef>
-          <a:spcPts val="307"/>
+          <a:spcPts val="333"/>
         </a:spcBef>
         <a:buFont typeface="Arial" panose="020B0604020202020204" pitchFamily="34" charset="0"/>
         <a:buChar char="•"/>
-        <a:defRPr sz="1106" kern="1200">
+        <a:defRPr sz="1200" kern="1200">
           <a:solidFill>
             <a:schemeClr val="tx1"/>
           </a:solidFill>
@@ -2836,16 +2839,16 @@
           <a:cs typeface="+mn-cs"/>
         </a:defRPr>
       </a:lvl8pPr>
-      <a:lvl9pPr marL="2386904" indent="-140406" algn="l" defTabSz="561624" rtl="0" eaLnBrk="1" latinLnBrk="0" hangingPunct="1">
+      <a:lvl9pPr marL="2590930" indent="-152408" algn="l" defTabSz="609630" rtl="0" eaLnBrk="1" latinLnBrk="0" hangingPunct="1">
         <a:lnSpc>
           <a:spcPct val="90000"/>
         </a:lnSpc>
         <a:spcBef>
-          <a:spcPts val="307"/>
+          <a:spcPts val="333"/>
         </a:spcBef>
         <a:buFont typeface="Arial" panose="020B0604020202020204" pitchFamily="34" charset="0"/>
         <a:buChar char="•"/>
-        <a:defRPr sz="1106" kern="1200">
+        <a:defRPr sz="1200" kern="1200">
           <a:solidFill>
             <a:schemeClr val="tx1"/>
           </a:solidFill>
@@ -2859,8 +2862,8 @@
       <a:defPPr>
         <a:defRPr lang="en-US"/>
       </a:defPPr>
-      <a:lvl1pPr marL="0" algn="l" defTabSz="561624" rtl="0" eaLnBrk="1" latinLnBrk="0" hangingPunct="1">
-        <a:defRPr sz="1106" kern="1200">
+      <a:lvl1pPr marL="0" algn="l" defTabSz="609630" rtl="0" eaLnBrk="1" latinLnBrk="0" hangingPunct="1">
+        <a:defRPr sz="1200" kern="1200">
           <a:solidFill>
             <a:schemeClr val="tx1"/>
           </a:solidFill>
@@ -2869,8 +2872,8 @@
           <a:cs typeface="+mn-cs"/>
         </a:defRPr>
       </a:lvl1pPr>
-      <a:lvl2pPr marL="280812" algn="l" defTabSz="561624" rtl="0" eaLnBrk="1" latinLnBrk="0" hangingPunct="1">
-        <a:defRPr sz="1106" kern="1200">
+      <a:lvl2pPr marL="304815" algn="l" defTabSz="609630" rtl="0" eaLnBrk="1" latinLnBrk="0" hangingPunct="1">
+        <a:defRPr sz="1200" kern="1200">
           <a:solidFill>
             <a:schemeClr val="tx1"/>
           </a:solidFill>
@@ -2879,8 +2882,8 @@
           <a:cs typeface="+mn-cs"/>
         </a:defRPr>
       </a:lvl2pPr>
-      <a:lvl3pPr marL="561624" algn="l" defTabSz="561624" rtl="0" eaLnBrk="1" latinLnBrk="0" hangingPunct="1">
-        <a:defRPr sz="1106" kern="1200">
+      <a:lvl3pPr marL="609630" algn="l" defTabSz="609630" rtl="0" eaLnBrk="1" latinLnBrk="0" hangingPunct="1">
+        <a:defRPr sz="1200" kern="1200">
           <a:solidFill>
             <a:schemeClr val="tx1"/>
           </a:solidFill>
@@ -2889,8 +2892,8 @@
           <a:cs typeface="+mn-cs"/>
         </a:defRPr>
       </a:lvl3pPr>
-      <a:lvl4pPr marL="842437" algn="l" defTabSz="561624" rtl="0" eaLnBrk="1" latinLnBrk="0" hangingPunct="1">
-        <a:defRPr sz="1106" kern="1200">
+      <a:lvl4pPr marL="914446" algn="l" defTabSz="609630" rtl="0" eaLnBrk="1" latinLnBrk="0" hangingPunct="1">
+        <a:defRPr sz="1200" kern="1200">
           <a:solidFill>
             <a:schemeClr val="tx1"/>
           </a:solidFill>
@@ -2899,8 +2902,8 @@
           <a:cs typeface="+mn-cs"/>
         </a:defRPr>
       </a:lvl4pPr>
-      <a:lvl5pPr marL="1123249" algn="l" defTabSz="561624" rtl="0" eaLnBrk="1" latinLnBrk="0" hangingPunct="1">
-        <a:defRPr sz="1106" kern="1200">
+      <a:lvl5pPr marL="1219261" algn="l" defTabSz="609630" rtl="0" eaLnBrk="1" latinLnBrk="0" hangingPunct="1">
+        <a:defRPr sz="1200" kern="1200">
           <a:solidFill>
             <a:schemeClr val="tx1"/>
           </a:solidFill>
@@ -2909,8 +2912,8 @@
           <a:cs typeface="+mn-cs"/>
         </a:defRPr>
       </a:lvl5pPr>
-      <a:lvl6pPr marL="1404061" algn="l" defTabSz="561624" rtl="0" eaLnBrk="1" latinLnBrk="0" hangingPunct="1">
-        <a:defRPr sz="1106" kern="1200">
+      <a:lvl6pPr marL="1524076" algn="l" defTabSz="609630" rtl="0" eaLnBrk="1" latinLnBrk="0" hangingPunct="1">
+        <a:defRPr sz="1200" kern="1200">
           <a:solidFill>
             <a:schemeClr val="tx1"/>
           </a:solidFill>
@@ -2919,8 +2922,8 @@
           <a:cs typeface="+mn-cs"/>
         </a:defRPr>
       </a:lvl6pPr>
-      <a:lvl7pPr marL="1684873" algn="l" defTabSz="561624" rtl="0" eaLnBrk="1" latinLnBrk="0" hangingPunct="1">
-        <a:defRPr sz="1106" kern="1200">
+      <a:lvl7pPr marL="1828891" algn="l" defTabSz="609630" rtl="0" eaLnBrk="1" latinLnBrk="0" hangingPunct="1">
+        <a:defRPr sz="1200" kern="1200">
           <a:solidFill>
             <a:schemeClr val="tx1"/>
           </a:solidFill>
@@ -2929,8 +2932,8 @@
           <a:cs typeface="+mn-cs"/>
         </a:defRPr>
       </a:lvl7pPr>
-      <a:lvl8pPr marL="1965686" algn="l" defTabSz="561624" rtl="0" eaLnBrk="1" latinLnBrk="0" hangingPunct="1">
-        <a:defRPr sz="1106" kern="1200">
+      <a:lvl8pPr marL="2133707" algn="l" defTabSz="609630" rtl="0" eaLnBrk="1" latinLnBrk="0" hangingPunct="1">
+        <a:defRPr sz="1200" kern="1200">
           <a:solidFill>
             <a:schemeClr val="tx1"/>
           </a:solidFill>
@@ -2939,8 +2942,8 @@
           <a:cs typeface="+mn-cs"/>
         </a:defRPr>
       </a:lvl8pPr>
-      <a:lvl9pPr marL="2246498" algn="l" defTabSz="561624" rtl="0" eaLnBrk="1" latinLnBrk="0" hangingPunct="1">
-        <a:defRPr sz="1106" kern="1200">
+      <a:lvl9pPr marL="2438522" algn="l" defTabSz="609630" rtl="0" eaLnBrk="1" latinLnBrk="0" hangingPunct="1">
+        <a:defRPr sz="1200" kern="1200">
           <a:solidFill>
             <a:schemeClr val="tx1"/>
           </a:solidFill>
@@ -2955,6 +2958,2454 @@
 </file>
 
 <file path=ppt/slides/slide1.xml><?xml version="1.0" encoding="utf-8"?>
+<p:sld xmlns:a="http://schemas.openxmlformats.org/drawingml/2006/main" xmlns:r="http://schemas.openxmlformats.org/officeDocument/2006/relationships" xmlns:p="http://schemas.openxmlformats.org/presentationml/2006/main">
+  <p:cSld>
+    <p:spTree>
+      <p:nvGrpSpPr>
+        <p:cNvPr id="1" name=""/>
+        <p:cNvGrpSpPr/>
+        <p:nvPr/>
+      </p:nvGrpSpPr>
+      <p:grpSpPr>
+        <a:xfrm>
+          <a:off x="0" y="0"/>
+          <a:ext cx="0" cy="0"/>
+          <a:chOff x="0" y="0"/>
+          <a:chExt cx="0" cy="0"/>
+        </a:xfrm>
+      </p:grpSpPr>
+      <p:pic>
+        <p:nvPicPr>
+          <p:cNvPr id="243" name="Picture 242">
+            <a:extLst>
+              <a:ext uri="{FF2B5EF4-FFF2-40B4-BE49-F238E27FC236}">
+                <a16:creationId xmlns:a16="http://schemas.microsoft.com/office/drawing/2014/main" id="{AE0AAEF1-475C-C7B8-F4C4-10C246C8B0F6}"/>
+              </a:ext>
+            </a:extLst>
+          </p:cNvPr>
+          <p:cNvPicPr>
+            <a:picLocks noChangeAspect="1"/>
+          </p:cNvPicPr>
+          <p:nvPr/>
+        </p:nvPicPr>
+        <p:blipFill rotWithShape="1">
+          <a:blip r:embed="rId2"/>
+          <a:srcRect r="10588" b="22593"/>
+          <a:stretch/>
+        </p:blipFill>
+        <p:spPr>
+          <a:xfrm>
+            <a:off x="3810000" y="3229349"/>
+            <a:ext cx="5791199" cy="1105944"/>
+          </a:xfrm>
+          <a:prstGeom prst="rect">
+            <a:avLst/>
+          </a:prstGeom>
+        </p:spPr>
+      </p:pic>
+      <p:pic>
+        <p:nvPicPr>
+          <p:cNvPr id="241" name="Picture 240">
+            <a:extLst>
+              <a:ext uri="{FF2B5EF4-FFF2-40B4-BE49-F238E27FC236}">
+                <a16:creationId xmlns:a16="http://schemas.microsoft.com/office/drawing/2014/main" id="{06CC826B-D4A2-F7D0-6DAD-FC4DF87FEC8C}"/>
+              </a:ext>
+            </a:extLst>
+          </p:cNvPr>
+          <p:cNvPicPr>
+            <a:picLocks noChangeAspect="1"/>
+          </p:cNvPicPr>
+          <p:nvPr/>
+        </p:nvPicPr>
+        <p:blipFill rotWithShape="1">
+          <a:blip r:embed="rId3"/>
+          <a:srcRect r="10588" b="23511"/>
+          <a:stretch/>
+        </p:blipFill>
+        <p:spPr>
+          <a:xfrm>
+            <a:off x="3810000" y="1693309"/>
+            <a:ext cx="5791199" cy="1092836"/>
+          </a:xfrm>
+          <a:prstGeom prst="rect">
+            <a:avLst/>
+          </a:prstGeom>
+        </p:spPr>
+      </p:pic>
+      <p:pic>
+        <p:nvPicPr>
+          <p:cNvPr id="239" name="Picture 238">
+            <a:extLst>
+              <a:ext uri="{FF2B5EF4-FFF2-40B4-BE49-F238E27FC236}">
+                <a16:creationId xmlns:a16="http://schemas.microsoft.com/office/drawing/2014/main" id="{7B50387A-0B4A-1A8A-C80E-69F0F4AB4CCA}"/>
+              </a:ext>
+            </a:extLst>
+          </p:cNvPr>
+          <p:cNvPicPr>
+            <a:picLocks noChangeAspect="1"/>
+          </p:cNvPicPr>
+          <p:nvPr/>
+        </p:nvPicPr>
+        <p:blipFill rotWithShape="1">
+          <a:blip r:embed="rId4"/>
+          <a:srcRect r="10588" b="24565"/>
+          <a:stretch/>
+        </p:blipFill>
+        <p:spPr>
+          <a:xfrm>
+            <a:off x="3810000" y="157269"/>
+            <a:ext cx="5791200" cy="1077780"/>
+          </a:xfrm>
+          <a:prstGeom prst="rect">
+            <a:avLst/>
+          </a:prstGeom>
+        </p:spPr>
+      </p:pic>
+      <p:grpSp>
+        <p:nvGrpSpPr>
+          <p:cNvPr id="160" name="Group 159">
+            <a:extLst>
+              <a:ext uri="{FF2B5EF4-FFF2-40B4-BE49-F238E27FC236}">
+                <a16:creationId xmlns:a16="http://schemas.microsoft.com/office/drawing/2014/main" id="{4CC67992-19D2-DADF-90AA-36193A709D17}"/>
+              </a:ext>
+            </a:extLst>
+          </p:cNvPr>
+          <p:cNvGrpSpPr/>
+          <p:nvPr/>
+        </p:nvGrpSpPr>
+        <p:grpSpPr>
+          <a:xfrm>
+            <a:off x="-54740" y="1333816"/>
+            <a:ext cx="4973916" cy="2069459"/>
+            <a:chOff x="584480" y="55003"/>
+            <a:chExt cx="4973916" cy="2069459"/>
+          </a:xfrm>
+        </p:grpSpPr>
+        <p:grpSp>
+          <p:nvGrpSpPr>
+            <p:cNvPr id="208" name="Group 207">
+              <a:extLst>
+                <a:ext uri="{FF2B5EF4-FFF2-40B4-BE49-F238E27FC236}">
+                  <a16:creationId xmlns:a16="http://schemas.microsoft.com/office/drawing/2014/main" id="{1E3E2A88-0802-597B-4DF1-7A9EA6617F8A}"/>
+                </a:ext>
+              </a:extLst>
+            </p:cNvPr>
+            <p:cNvGrpSpPr/>
+            <p:nvPr/>
+          </p:nvGrpSpPr>
+          <p:grpSpPr>
+            <a:xfrm>
+              <a:off x="919425" y="55003"/>
+              <a:ext cx="4068363" cy="808007"/>
+              <a:chOff x="919425" y="55003"/>
+              <a:chExt cx="4068363" cy="808007"/>
+            </a:xfrm>
+          </p:grpSpPr>
+          <p:pic>
+            <p:nvPicPr>
+              <p:cNvPr id="227" name="Picture 226" descr="A picture containing indoor, window, table, large&#10;&#10;Description automatically generated">
+                <a:extLst>
+                  <a:ext uri="{FF2B5EF4-FFF2-40B4-BE49-F238E27FC236}">
+                    <a16:creationId xmlns:a16="http://schemas.microsoft.com/office/drawing/2014/main" id="{F5A330E9-EB1C-A46B-D24B-DA323D615066}"/>
+                  </a:ext>
+                </a:extLst>
+              </p:cNvPr>
+              <p:cNvPicPr>
+                <a:picLocks noChangeAspect="1"/>
+              </p:cNvPicPr>
+              <p:nvPr/>
+            </p:nvPicPr>
+            <p:blipFill rotWithShape="1">
+              <a:blip r:embed="rId5">
+                <a:extLst>
+                  <a:ext uri="{28A0092B-C50C-407E-A947-70E740481C1C}">
+                    <a14:useLocalDpi xmlns:a14="http://schemas.microsoft.com/office/drawing/2010/main" val="0"/>
+                  </a:ext>
+                </a:extLst>
+              </a:blip>
+              <a:srcRect l="4003" t="55359" r="1472" b="13097"/>
+              <a:stretch/>
+            </p:blipFill>
+            <p:spPr>
+              <a:xfrm>
+                <a:off x="919425" y="89354"/>
+                <a:ext cx="4068363" cy="773656"/>
+              </a:xfrm>
+              <a:prstGeom prst="rect">
+                <a:avLst/>
+              </a:prstGeom>
+            </p:spPr>
+          </p:pic>
+          <p:sp>
+            <p:nvSpPr>
+              <p:cNvPr id="228" name="文本框 9">
+                <a:extLst>
+                  <a:ext uri="{FF2B5EF4-FFF2-40B4-BE49-F238E27FC236}">
+                    <a16:creationId xmlns:a16="http://schemas.microsoft.com/office/drawing/2014/main" id="{092D5B19-9EF8-1E5F-9E66-F0F5E1953099}"/>
+                  </a:ext>
+                </a:extLst>
+              </p:cNvPr>
+              <p:cNvSpPr txBox="1"/>
+              <p:nvPr/>
+            </p:nvSpPr>
+            <p:spPr>
+              <a:xfrm>
+                <a:off x="943499" y="55003"/>
+                <a:ext cx="458780" cy="369332"/>
+              </a:xfrm>
+              <a:prstGeom prst="rect">
+                <a:avLst/>
+              </a:prstGeom>
+              <a:noFill/>
+            </p:spPr>
+            <p:txBody>
+              <a:bodyPr wrap="square" rtlCol="0">
+                <a:spAutoFit/>
+              </a:bodyPr>
+              <a:lstStyle/>
+              <a:p>
+                <a:pPr algn="ctr"/>
+                <a:r>
+                  <a:rPr lang="en-US" altLang="zh-CN" b="1" dirty="0">
+                    <a:solidFill>
+                      <a:schemeClr val="bg1"/>
+                    </a:solidFill>
+                    <a:cs typeface="Times New Roman" panose="02020603050405020304" pitchFamily="18" charset="0"/>
+                  </a:rPr>
+                  <a:t>(a)</a:t>
+                </a:r>
+                <a:endParaRPr lang="zh-CN" altLang="en-US" b="1" dirty="0">
+                  <a:solidFill>
+                    <a:schemeClr val="bg1"/>
+                  </a:solidFill>
+                  <a:cs typeface="Times New Roman" panose="02020603050405020304" pitchFamily="18" charset="0"/>
+                </a:endParaRPr>
+              </a:p>
+            </p:txBody>
+          </p:sp>
+        </p:grpSp>
+        <p:grpSp>
+          <p:nvGrpSpPr>
+            <p:cNvPr id="209" name="组合 185">
+              <a:extLst>
+                <a:ext uri="{FF2B5EF4-FFF2-40B4-BE49-F238E27FC236}">
+                  <a16:creationId xmlns:a16="http://schemas.microsoft.com/office/drawing/2014/main" id="{23EF1782-B320-0EB0-712F-D81E2E9BAE60}"/>
+                </a:ext>
+              </a:extLst>
+            </p:cNvPr>
+            <p:cNvGrpSpPr/>
+            <p:nvPr/>
+          </p:nvGrpSpPr>
+          <p:grpSpPr>
+            <a:xfrm>
+              <a:off x="584480" y="911433"/>
+              <a:ext cx="4973916" cy="1213029"/>
+              <a:chOff x="3262593" y="1190832"/>
+              <a:chExt cx="4973916" cy="1213029"/>
+            </a:xfrm>
+          </p:grpSpPr>
+          <p:pic>
+            <p:nvPicPr>
+              <p:cNvPr id="212" name="图片 6">
+                <a:extLst>
+                  <a:ext uri="{FF2B5EF4-FFF2-40B4-BE49-F238E27FC236}">
+                    <a16:creationId xmlns:a16="http://schemas.microsoft.com/office/drawing/2014/main" id="{ACEB614C-1064-976D-B5C1-1937DFB031EE}"/>
+                  </a:ext>
+                </a:extLst>
+              </p:cNvPr>
+              <p:cNvPicPr>
+                <a:picLocks noChangeAspect="1"/>
+              </p:cNvPicPr>
+              <p:nvPr/>
+            </p:nvPicPr>
+            <p:blipFill rotWithShape="1">
+              <a:blip r:embed="rId6"/>
+              <a:srcRect l="13827" t="35429" r="21992" b="33199"/>
+              <a:stretch/>
+            </p:blipFill>
+            <p:spPr>
+              <a:xfrm>
+                <a:off x="3631405" y="1454298"/>
+                <a:ext cx="4033225" cy="728395"/>
+              </a:xfrm>
+              <a:prstGeom prst="rect">
+                <a:avLst/>
+              </a:prstGeom>
+            </p:spPr>
+          </p:pic>
+          <p:sp>
+            <p:nvSpPr>
+              <p:cNvPr id="213" name="文本框 9">
+                <a:extLst>
+                  <a:ext uri="{FF2B5EF4-FFF2-40B4-BE49-F238E27FC236}">
+                    <a16:creationId xmlns:a16="http://schemas.microsoft.com/office/drawing/2014/main" id="{F03B6419-364C-2AF8-3738-33EE79822B70}"/>
+                  </a:ext>
+                </a:extLst>
+              </p:cNvPr>
+              <p:cNvSpPr txBox="1"/>
+              <p:nvPr/>
+            </p:nvSpPr>
+            <p:spPr>
+              <a:xfrm>
+                <a:off x="3629627" y="1190832"/>
+                <a:ext cx="442750" cy="369332"/>
+              </a:xfrm>
+              <a:prstGeom prst="rect">
+                <a:avLst/>
+              </a:prstGeom>
+              <a:noFill/>
+            </p:spPr>
+            <p:txBody>
+              <a:bodyPr wrap="square" rtlCol="0">
+                <a:spAutoFit/>
+              </a:bodyPr>
+              <a:lstStyle/>
+              <a:p>
+                <a:pPr algn="ctr"/>
+                <a:r>
+                  <a:rPr lang="en-US" altLang="zh-CN" b="1" dirty="0">
+                    <a:cs typeface="Times New Roman" panose="02020603050405020304" pitchFamily="18" charset="0"/>
+                  </a:rPr>
+                  <a:t>(b)</a:t>
+                </a:r>
+                <a:endParaRPr lang="zh-CN" altLang="en-US" b="1" dirty="0">
+                  <a:cs typeface="Times New Roman" panose="02020603050405020304" pitchFamily="18" charset="0"/>
+                </a:endParaRPr>
+              </a:p>
+            </p:txBody>
+          </p:sp>
+          <p:sp>
+            <p:nvSpPr>
+              <p:cNvPr id="214" name="文本框 9">
+                <a:extLst>
+                  <a:ext uri="{FF2B5EF4-FFF2-40B4-BE49-F238E27FC236}">
+                    <a16:creationId xmlns:a16="http://schemas.microsoft.com/office/drawing/2014/main" id="{1A6DEA90-BE0F-F5F5-97E6-CBAA212180AE}"/>
+                  </a:ext>
+                </a:extLst>
+              </p:cNvPr>
+              <p:cNvSpPr txBox="1"/>
+              <p:nvPr/>
+            </p:nvSpPr>
+            <p:spPr>
+              <a:xfrm>
+                <a:off x="3965498" y="1230163"/>
+                <a:ext cx="3519004" cy="338554"/>
+              </a:xfrm>
+              <a:prstGeom prst="rect">
+                <a:avLst/>
+              </a:prstGeom>
+              <a:noFill/>
+              <a:ln>
+                <a:noFill/>
+              </a:ln>
+            </p:spPr>
+            <p:txBody>
+              <a:bodyPr wrap="square" rtlCol="0">
+                <a:spAutoFit/>
+              </a:bodyPr>
+              <a:lstStyle/>
+              <a:p>
+                <a:pPr algn="ctr"/>
+                <a:r>
+                  <a:rPr lang="en-US" altLang="zh-CN" sz="1600" dirty="0">
+                    <a:cs typeface="Times New Roman" panose="02020603050405020304" pitchFamily="18" charset="0"/>
+                  </a:rPr>
+                  <a:t>Target removal map,  RMS = 6.32 nm</a:t>
+                </a:r>
+                <a:endParaRPr lang="zh-CN" altLang="en-US" sz="1600" dirty="0">
+                  <a:cs typeface="Times New Roman" panose="02020603050405020304" pitchFamily="18" charset="0"/>
+                </a:endParaRPr>
+              </a:p>
+            </p:txBody>
+          </p:sp>
+          <p:cxnSp>
+            <p:nvCxnSpPr>
+              <p:cNvPr id="215" name="直接连接符 10">
+                <a:extLst>
+                  <a:ext uri="{FF2B5EF4-FFF2-40B4-BE49-F238E27FC236}">
+                    <a16:creationId xmlns:a16="http://schemas.microsoft.com/office/drawing/2014/main" id="{6414E49A-94B5-DB71-0F65-5D4E7F487DFF}"/>
+                  </a:ext>
+                </a:extLst>
+              </p:cNvPr>
+              <p:cNvCxnSpPr>
+                <a:cxnSpLocks/>
+              </p:cNvCxnSpPr>
+              <p:nvPr/>
+            </p:nvCxnSpPr>
+            <p:spPr>
+              <a:xfrm>
+                <a:off x="7552168" y="2171405"/>
+                <a:ext cx="1" cy="232456"/>
+              </a:xfrm>
+              <a:prstGeom prst="line">
+                <a:avLst/>
+              </a:prstGeom>
+              <a:ln w="19050">
+                <a:solidFill>
+                  <a:schemeClr val="tx1"/>
+                </a:solidFill>
+              </a:ln>
+            </p:spPr>
+            <p:style>
+              <a:lnRef idx="1">
+                <a:schemeClr val="accent1"/>
+              </a:lnRef>
+              <a:fillRef idx="0">
+                <a:schemeClr val="accent1"/>
+              </a:fillRef>
+              <a:effectRef idx="0">
+                <a:schemeClr val="accent1"/>
+              </a:effectRef>
+              <a:fontRef idx="minor">
+                <a:schemeClr val="tx1"/>
+              </a:fontRef>
+            </p:style>
+          </p:cxnSp>
+          <p:cxnSp>
+            <p:nvCxnSpPr>
+              <p:cNvPr id="216" name="直接连接符 11">
+                <a:extLst>
+                  <a:ext uri="{FF2B5EF4-FFF2-40B4-BE49-F238E27FC236}">
+                    <a16:creationId xmlns:a16="http://schemas.microsoft.com/office/drawing/2014/main" id="{557D0761-1C55-7F32-F2A0-C66701962ACE}"/>
+                  </a:ext>
+                </a:extLst>
+              </p:cNvPr>
+              <p:cNvCxnSpPr>
+                <a:cxnSpLocks/>
+              </p:cNvCxnSpPr>
+              <p:nvPr/>
+            </p:nvCxnSpPr>
+            <p:spPr>
+              <a:xfrm>
+                <a:off x="3697083" y="2322734"/>
+                <a:ext cx="3855085" cy="0"/>
+              </a:xfrm>
+              <a:prstGeom prst="line">
+                <a:avLst/>
+              </a:prstGeom>
+              <a:ln w="19050">
+                <a:solidFill>
+                  <a:schemeClr val="tx1"/>
+                </a:solidFill>
+                <a:headEnd type="stealth"/>
+                <a:tailEnd type="stealth"/>
+              </a:ln>
+            </p:spPr>
+            <p:style>
+              <a:lnRef idx="1">
+                <a:schemeClr val="accent1"/>
+              </a:lnRef>
+              <a:fillRef idx="0">
+                <a:schemeClr val="accent1"/>
+              </a:fillRef>
+              <a:effectRef idx="0">
+                <a:schemeClr val="accent1"/>
+              </a:effectRef>
+              <a:fontRef idx="minor">
+                <a:schemeClr val="tx1"/>
+              </a:fontRef>
+            </p:style>
+          </p:cxnSp>
+          <p:sp>
+            <p:nvSpPr>
+              <p:cNvPr id="217" name="文本框 9">
+                <a:extLst>
+                  <a:ext uri="{FF2B5EF4-FFF2-40B4-BE49-F238E27FC236}">
+                    <a16:creationId xmlns:a16="http://schemas.microsoft.com/office/drawing/2014/main" id="{7BD46EBF-6FD0-D295-E58C-580327453306}"/>
+                  </a:ext>
+                </a:extLst>
+              </p:cNvPr>
+              <p:cNvSpPr txBox="1"/>
+              <p:nvPr/>
+            </p:nvSpPr>
+            <p:spPr>
+              <a:xfrm>
+                <a:off x="5332064" y="2059323"/>
+                <a:ext cx="692818" cy="307777"/>
+              </a:xfrm>
+              <a:prstGeom prst="rect">
+                <a:avLst/>
+              </a:prstGeom>
+              <a:noFill/>
+              <a:ln>
+                <a:noFill/>
+              </a:ln>
+            </p:spPr>
+            <p:txBody>
+              <a:bodyPr wrap="none" rtlCol="0">
+                <a:spAutoFit/>
+              </a:bodyPr>
+              <a:lstStyle/>
+              <a:p>
+                <a:pPr algn="ctr"/>
+                <a:r>
+                  <a:rPr lang="en-US" altLang="zh-CN" sz="1400" dirty="0">
+                    <a:cs typeface="Times New Roman" panose="02020603050405020304" pitchFamily="18" charset="0"/>
+                  </a:rPr>
+                  <a:t>92 mm</a:t>
+                </a:r>
+                <a:endParaRPr lang="zh-CN" altLang="en-US" sz="1400" dirty="0">
+                  <a:cs typeface="Times New Roman" panose="02020603050405020304" pitchFamily="18" charset="0"/>
+                </a:endParaRPr>
+              </a:p>
+            </p:txBody>
+          </p:sp>
+          <p:cxnSp>
+            <p:nvCxnSpPr>
+              <p:cNvPr id="218" name="直接连接符 13">
+                <a:extLst>
+                  <a:ext uri="{FF2B5EF4-FFF2-40B4-BE49-F238E27FC236}">
+                    <a16:creationId xmlns:a16="http://schemas.microsoft.com/office/drawing/2014/main" id="{3335D483-D40B-A59A-0E62-EAB5261D3C49}"/>
+                  </a:ext>
+                </a:extLst>
+              </p:cNvPr>
+              <p:cNvCxnSpPr>
+                <a:cxnSpLocks/>
+              </p:cNvCxnSpPr>
+              <p:nvPr/>
+            </p:nvCxnSpPr>
+            <p:spPr>
+              <a:xfrm>
+                <a:off x="3439805" y="2115362"/>
+                <a:ext cx="213541" cy="0"/>
+              </a:xfrm>
+              <a:prstGeom prst="line">
+                <a:avLst/>
+              </a:prstGeom>
+              <a:ln w="19050">
+                <a:solidFill>
+                  <a:schemeClr val="tx1"/>
+                </a:solidFill>
+              </a:ln>
+            </p:spPr>
+            <p:style>
+              <a:lnRef idx="1">
+                <a:schemeClr val="accent1"/>
+              </a:lnRef>
+              <a:fillRef idx="0">
+                <a:schemeClr val="accent1"/>
+              </a:fillRef>
+              <a:effectRef idx="0">
+                <a:schemeClr val="accent1"/>
+              </a:effectRef>
+              <a:fontRef idx="minor">
+                <a:schemeClr val="tx1"/>
+              </a:fontRef>
+            </p:style>
+          </p:cxnSp>
+          <p:cxnSp>
+            <p:nvCxnSpPr>
+              <p:cNvPr id="219" name="直接连接符 14">
+                <a:extLst>
+                  <a:ext uri="{FF2B5EF4-FFF2-40B4-BE49-F238E27FC236}">
+                    <a16:creationId xmlns:a16="http://schemas.microsoft.com/office/drawing/2014/main" id="{C834E0DE-8B14-7A5A-09D4-AA6E065321A6}"/>
+                  </a:ext>
+                </a:extLst>
+              </p:cNvPr>
+              <p:cNvCxnSpPr>
+                <a:cxnSpLocks/>
+              </p:cNvCxnSpPr>
+              <p:nvPr/>
+            </p:nvCxnSpPr>
+            <p:spPr>
+              <a:xfrm>
+                <a:off x="3439805" y="1519434"/>
+                <a:ext cx="213541" cy="0"/>
+              </a:xfrm>
+              <a:prstGeom prst="line">
+                <a:avLst/>
+              </a:prstGeom>
+              <a:ln w="19050">
+                <a:solidFill>
+                  <a:schemeClr val="tx1"/>
+                </a:solidFill>
+              </a:ln>
+            </p:spPr>
+            <p:style>
+              <a:lnRef idx="1">
+                <a:schemeClr val="accent1"/>
+              </a:lnRef>
+              <a:fillRef idx="0">
+                <a:schemeClr val="accent1"/>
+              </a:fillRef>
+              <a:effectRef idx="0">
+                <a:schemeClr val="accent1"/>
+              </a:effectRef>
+              <a:fontRef idx="minor">
+                <a:schemeClr val="tx1"/>
+              </a:fontRef>
+            </p:style>
+          </p:cxnSp>
+          <p:cxnSp>
+            <p:nvCxnSpPr>
+              <p:cNvPr id="220" name="直接连接符 15">
+                <a:extLst>
+                  <a:ext uri="{FF2B5EF4-FFF2-40B4-BE49-F238E27FC236}">
+                    <a16:creationId xmlns:a16="http://schemas.microsoft.com/office/drawing/2014/main" id="{E691D3B6-9B16-70A0-1117-C725A962EC4D}"/>
+                  </a:ext>
+                </a:extLst>
+              </p:cNvPr>
+              <p:cNvCxnSpPr>
+                <a:cxnSpLocks/>
+              </p:cNvCxnSpPr>
+              <p:nvPr/>
+            </p:nvCxnSpPr>
+            <p:spPr>
+              <a:xfrm flipV="1">
+                <a:off x="3561117" y="1519434"/>
+                <a:ext cx="0" cy="595928"/>
+              </a:xfrm>
+              <a:prstGeom prst="line">
+                <a:avLst/>
+              </a:prstGeom>
+              <a:ln w="19050">
+                <a:solidFill>
+                  <a:schemeClr val="tx1"/>
+                </a:solidFill>
+                <a:headEnd type="stealth"/>
+                <a:tailEnd type="stealth"/>
+              </a:ln>
+            </p:spPr>
+            <p:style>
+              <a:lnRef idx="1">
+                <a:schemeClr val="accent1"/>
+              </a:lnRef>
+              <a:fillRef idx="0">
+                <a:schemeClr val="accent1"/>
+              </a:fillRef>
+              <a:effectRef idx="0">
+                <a:schemeClr val="accent1"/>
+              </a:effectRef>
+              <a:fontRef idx="minor">
+                <a:schemeClr val="tx1"/>
+              </a:fontRef>
+            </p:style>
+          </p:cxnSp>
+          <p:sp>
+            <p:nvSpPr>
+              <p:cNvPr id="221" name="文本框 9">
+                <a:extLst>
+                  <a:ext uri="{FF2B5EF4-FFF2-40B4-BE49-F238E27FC236}">
+                    <a16:creationId xmlns:a16="http://schemas.microsoft.com/office/drawing/2014/main" id="{2C52D323-C80A-FE20-5580-682F344182F4}"/>
+                  </a:ext>
+                </a:extLst>
+              </p:cNvPr>
+              <p:cNvSpPr txBox="1"/>
+              <p:nvPr/>
+            </p:nvSpPr>
+            <p:spPr>
+              <a:xfrm rot="16200000">
+                <a:off x="3070073" y="1662379"/>
+                <a:ext cx="692818" cy="307777"/>
+              </a:xfrm>
+              <a:prstGeom prst="rect">
+                <a:avLst/>
+              </a:prstGeom>
+              <a:noFill/>
+              <a:ln>
+                <a:noFill/>
+              </a:ln>
+            </p:spPr>
+            <p:txBody>
+              <a:bodyPr wrap="none" rtlCol="0">
+                <a:spAutoFit/>
+              </a:bodyPr>
+              <a:lstStyle/>
+              <a:p>
+                <a:pPr algn="ctr"/>
+                <a:r>
+                  <a:rPr lang="en-US" altLang="zh-CN" sz="1400" dirty="0">
+                    <a:cs typeface="Times New Roman" panose="02020603050405020304" pitchFamily="18" charset="0"/>
+                  </a:rPr>
+                  <a:t>16 mm</a:t>
+                </a:r>
+                <a:endParaRPr lang="zh-CN" altLang="en-US" sz="1400" dirty="0">
+                  <a:cs typeface="Times New Roman" panose="02020603050405020304" pitchFamily="18" charset="0"/>
+                </a:endParaRPr>
+              </a:p>
+            </p:txBody>
+          </p:sp>
+          <p:cxnSp>
+            <p:nvCxnSpPr>
+              <p:cNvPr id="222" name="直接连接符 86">
+                <a:extLst>
+                  <a:ext uri="{FF2B5EF4-FFF2-40B4-BE49-F238E27FC236}">
+                    <a16:creationId xmlns:a16="http://schemas.microsoft.com/office/drawing/2014/main" id="{C4CD37F4-3C0A-3D9A-C3C6-FBA17B159B58}"/>
+                  </a:ext>
+                </a:extLst>
+              </p:cNvPr>
+              <p:cNvCxnSpPr>
+                <a:cxnSpLocks/>
+              </p:cNvCxnSpPr>
+              <p:nvPr/>
+            </p:nvCxnSpPr>
+            <p:spPr>
+              <a:xfrm>
+                <a:off x="3697083" y="2163785"/>
+                <a:ext cx="1" cy="232456"/>
+              </a:xfrm>
+              <a:prstGeom prst="line">
+                <a:avLst/>
+              </a:prstGeom>
+              <a:ln w="19050">
+                <a:solidFill>
+                  <a:schemeClr val="tx1"/>
+                </a:solidFill>
+              </a:ln>
+            </p:spPr>
+            <p:style>
+              <a:lnRef idx="1">
+                <a:schemeClr val="accent1"/>
+              </a:lnRef>
+              <a:fillRef idx="0">
+                <a:schemeClr val="accent1"/>
+              </a:fillRef>
+              <a:effectRef idx="0">
+                <a:schemeClr val="accent1"/>
+              </a:effectRef>
+              <a:fontRef idx="minor">
+                <a:schemeClr val="tx1"/>
+              </a:fontRef>
+            </p:style>
+          </p:cxnSp>
+          <p:pic>
+            <p:nvPicPr>
+              <p:cNvPr id="223" name="图片 5">
+                <a:extLst>
+                  <a:ext uri="{FF2B5EF4-FFF2-40B4-BE49-F238E27FC236}">
+                    <a16:creationId xmlns:a16="http://schemas.microsoft.com/office/drawing/2014/main" id="{30AEE18F-841F-688D-8674-6B9B093A7E32}"/>
+                  </a:ext>
+                </a:extLst>
+              </p:cNvPr>
+              <p:cNvPicPr>
+                <a:picLocks noChangeAspect="1"/>
+              </p:cNvPicPr>
+              <p:nvPr/>
+            </p:nvPicPr>
+            <p:blipFill rotWithShape="1">
+              <a:blip r:embed="rId6"/>
+              <a:srcRect l="77429" t="35429" r="12873" b="33199"/>
+              <a:stretch/>
+            </p:blipFill>
+            <p:spPr>
+              <a:xfrm>
+                <a:off x="7586513" y="1420729"/>
+                <a:ext cx="307777" cy="790051"/>
+              </a:xfrm>
+              <a:prstGeom prst="rect">
+                <a:avLst/>
+              </a:prstGeom>
+            </p:spPr>
+          </p:pic>
+          <p:sp>
+            <p:nvSpPr>
+              <p:cNvPr id="224" name="文本框 9">
+                <a:extLst>
+                  <a:ext uri="{FF2B5EF4-FFF2-40B4-BE49-F238E27FC236}">
+                    <a16:creationId xmlns:a16="http://schemas.microsoft.com/office/drawing/2014/main" id="{3FA2DCC9-7FA3-5B21-7B28-AC0F88358BE5}"/>
+                  </a:ext>
+                </a:extLst>
+              </p:cNvPr>
+              <p:cNvSpPr txBox="1"/>
+              <p:nvPr/>
+            </p:nvSpPr>
+            <p:spPr>
+              <a:xfrm>
+                <a:off x="7749442" y="1912316"/>
+                <a:ext cx="487067" cy="307777"/>
+              </a:xfrm>
+              <a:prstGeom prst="rect">
+                <a:avLst/>
+              </a:prstGeom>
+              <a:noFill/>
+              <a:ln>
+                <a:noFill/>
+              </a:ln>
+            </p:spPr>
+            <p:txBody>
+              <a:bodyPr wrap="square" rtlCol="0">
+                <a:spAutoFit/>
+              </a:bodyPr>
+              <a:lstStyle/>
+              <a:p>
+                <a:pPr algn="ctr"/>
+                <a:r>
+                  <a:rPr lang="en-US" altLang="zh-CN" sz="1400" dirty="0">
+                    <a:cs typeface="Times New Roman" panose="02020603050405020304" pitchFamily="18" charset="0"/>
+                  </a:rPr>
+                  <a:t>-10</a:t>
+                </a:r>
+                <a:endParaRPr lang="zh-CN" altLang="en-US" sz="1400" dirty="0">
+                  <a:cs typeface="Times New Roman" panose="02020603050405020304" pitchFamily="18" charset="0"/>
+                </a:endParaRPr>
+              </a:p>
+            </p:txBody>
+          </p:sp>
+          <p:sp>
+            <p:nvSpPr>
+              <p:cNvPr id="225" name="文本框 9">
+                <a:extLst>
+                  <a:ext uri="{FF2B5EF4-FFF2-40B4-BE49-F238E27FC236}">
+                    <a16:creationId xmlns:a16="http://schemas.microsoft.com/office/drawing/2014/main" id="{A2E349F2-CD3D-4A0A-3829-7EEE2C07319D}"/>
+                  </a:ext>
+                </a:extLst>
+              </p:cNvPr>
+              <p:cNvSpPr txBox="1"/>
+              <p:nvPr/>
+            </p:nvSpPr>
+            <p:spPr>
+              <a:xfrm>
+                <a:off x="7728780" y="1420729"/>
+                <a:ext cx="507727" cy="307777"/>
+              </a:xfrm>
+              <a:prstGeom prst="rect">
+                <a:avLst/>
+              </a:prstGeom>
+              <a:noFill/>
+              <a:ln>
+                <a:noFill/>
+              </a:ln>
+            </p:spPr>
+            <p:txBody>
+              <a:bodyPr wrap="square" rtlCol="0">
+                <a:spAutoFit/>
+              </a:bodyPr>
+              <a:lstStyle/>
+              <a:p>
+                <a:pPr algn="ctr"/>
+                <a:r>
+                  <a:rPr lang="en-US" altLang="zh-CN" sz="1400" dirty="0">
+                    <a:cs typeface="Times New Roman" panose="02020603050405020304" pitchFamily="18" charset="0"/>
+                  </a:rPr>
+                  <a:t>  10</a:t>
+                </a:r>
+                <a:endParaRPr lang="zh-CN" altLang="en-US" sz="1400" dirty="0">
+                  <a:cs typeface="Times New Roman" panose="02020603050405020304" pitchFamily="18" charset="0"/>
+                </a:endParaRPr>
+              </a:p>
+            </p:txBody>
+          </p:sp>
+          <p:sp>
+            <p:nvSpPr>
+              <p:cNvPr id="226" name="文本框 9">
+                <a:extLst>
+                  <a:ext uri="{FF2B5EF4-FFF2-40B4-BE49-F238E27FC236}">
+                    <a16:creationId xmlns:a16="http://schemas.microsoft.com/office/drawing/2014/main" id="{35DB9A8C-38B8-7F17-348F-8291229749FB}"/>
+                  </a:ext>
+                </a:extLst>
+              </p:cNvPr>
+              <p:cNvSpPr txBox="1"/>
+              <p:nvPr/>
+            </p:nvSpPr>
+            <p:spPr>
+              <a:xfrm>
+                <a:off x="7502135" y="1243556"/>
+                <a:ext cx="530915" cy="307777"/>
+              </a:xfrm>
+              <a:prstGeom prst="rect">
+                <a:avLst/>
+              </a:prstGeom>
+              <a:noFill/>
+              <a:ln>
+                <a:noFill/>
+              </a:ln>
+            </p:spPr>
+            <p:txBody>
+              <a:bodyPr wrap="none" rtlCol="0">
+                <a:spAutoFit/>
+              </a:bodyPr>
+              <a:lstStyle/>
+              <a:p>
+                <a:pPr algn="ctr"/>
+                <a:r>
+                  <a:rPr lang="en-US" altLang="zh-CN" sz="1400" dirty="0">
+                    <a:cs typeface="Times New Roman" panose="02020603050405020304" pitchFamily="18" charset="0"/>
+                  </a:rPr>
+                  <a:t>[nm]</a:t>
+                </a:r>
+                <a:endParaRPr lang="zh-CN" altLang="en-US" sz="1400" dirty="0">
+                  <a:cs typeface="Times New Roman" panose="02020603050405020304" pitchFamily="18" charset="0"/>
+                </a:endParaRPr>
+              </a:p>
+            </p:txBody>
+          </p:sp>
+        </p:grpSp>
+        <p:cxnSp>
+          <p:nvCxnSpPr>
+            <p:cNvPr id="210" name="直接连接符 171">
+              <a:extLst>
+                <a:ext uri="{FF2B5EF4-FFF2-40B4-BE49-F238E27FC236}">
+                  <a16:creationId xmlns:a16="http://schemas.microsoft.com/office/drawing/2014/main" id="{DBF2D613-BF71-9EAD-4DF5-DCED2C5B4FCD}"/>
+                </a:ext>
+              </a:extLst>
+            </p:cNvPr>
+            <p:cNvCxnSpPr>
+              <a:cxnSpLocks/>
+            </p:cNvCxnSpPr>
+            <p:nvPr/>
+          </p:nvCxnSpPr>
+          <p:spPr>
+            <a:xfrm>
+              <a:off x="4879954" y="190501"/>
+              <a:ext cx="0" cy="1645462"/>
+            </a:xfrm>
+            <a:prstGeom prst="line">
+              <a:avLst/>
+            </a:prstGeom>
+            <a:ln w="19050">
+              <a:solidFill>
+                <a:schemeClr val="tx1"/>
+              </a:solidFill>
+              <a:prstDash val="lgDash"/>
+            </a:ln>
+          </p:spPr>
+          <p:style>
+            <a:lnRef idx="1">
+              <a:schemeClr val="accent1"/>
+            </a:lnRef>
+            <a:fillRef idx="0">
+              <a:schemeClr val="accent1"/>
+            </a:fillRef>
+            <a:effectRef idx="0">
+              <a:schemeClr val="accent1"/>
+            </a:effectRef>
+            <a:fontRef idx="minor">
+              <a:schemeClr val="tx1"/>
+            </a:fontRef>
+          </p:style>
+        </p:cxnSp>
+        <p:cxnSp>
+          <p:nvCxnSpPr>
+            <p:cNvPr id="211" name="直接连接符 174">
+              <a:extLst>
+                <a:ext uri="{FF2B5EF4-FFF2-40B4-BE49-F238E27FC236}">
+                  <a16:creationId xmlns:a16="http://schemas.microsoft.com/office/drawing/2014/main" id="{F20B0684-83EA-5CD6-A7F6-5BAABAF00515}"/>
+                </a:ext>
+              </a:extLst>
+            </p:cNvPr>
+            <p:cNvCxnSpPr>
+              <a:cxnSpLocks/>
+            </p:cNvCxnSpPr>
+            <p:nvPr/>
+          </p:nvCxnSpPr>
+          <p:spPr>
+            <a:xfrm>
+              <a:off x="1016614" y="190501"/>
+              <a:ext cx="0" cy="1645462"/>
+            </a:xfrm>
+            <a:prstGeom prst="line">
+              <a:avLst/>
+            </a:prstGeom>
+            <a:ln w="19050">
+              <a:solidFill>
+                <a:schemeClr val="tx1"/>
+              </a:solidFill>
+              <a:prstDash val="lgDash"/>
+            </a:ln>
+          </p:spPr>
+          <p:style>
+            <a:lnRef idx="1">
+              <a:schemeClr val="accent1"/>
+            </a:lnRef>
+            <a:fillRef idx="0">
+              <a:schemeClr val="accent1"/>
+            </a:fillRef>
+            <a:effectRef idx="0">
+              <a:schemeClr val="accent1"/>
+            </a:effectRef>
+            <a:fontRef idx="minor">
+              <a:schemeClr val="tx1"/>
+            </a:fontRef>
+          </p:style>
+        </p:cxnSp>
+      </p:grpSp>
+      <p:grpSp>
+        <p:nvGrpSpPr>
+          <p:cNvPr id="161" name="Group 160">
+            <a:extLst>
+              <a:ext uri="{FF2B5EF4-FFF2-40B4-BE49-F238E27FC236}">
+                <a16:creationId xmlns:a16="http://schemas.microsoft.com/office/drawing/2014/main" id="{B239D5D6-F79B-5440-DFDC-768759AA28B8}"/>
+              </a:ext>
+            </a:extLst>
+          </p:cNvPr>
+          <p:cNvGrpSpPr/>
+          <p:nvPr/>
+        </p:nvGrpSpPr>
+        <p:grpSpPr>
+          <a:xfrm>
+            <a:off x="4843013" y="-56867"/>
+            <a:ext cx="4689607" cy="4590767"/>
+            <a:chOff x="1931804" y="1379528"/>
+            <a:chExt cx="4689607" cy="4590767"/>
+          </a:xfrm>
+        </p:grpSpPr>
+        <p:grpSp>
+          <p:nvGrpSpPr>
+            <p:cNvPr id="163" name="Group 162">
+              <a:extLst>
+                <a:ext uri="{FF2B5EF4-FFF2-40B4-BE49-F238E27FC236}">
+                  <a16:creationId xmlns:a16="http://schemas.microsoft.com/office/drawing/2014/main" id="{760EBFBF-F00D-B462-C95B-0CF13EF7AA71}"/>
+                </a:ext>
+              </a:extLst>
+            </p:cNvPr>
+            <p:cNvGrpSpPr/>
+            <p:nvPr/>
+          </p:nvGrpSpPr>
+          <p:grpSpPr>
+            <a:xfrm>
+              <a:off x="1931804" y="4779106"/>
+              <a:ext cx="400550" cy="935018"/>
+              <a:chOff x="1868018" y="4796803"/>
+              <a:chExt cx="400550" cy="935018"/>
+            </a:xfrm>
+          </p:grpSpPr>
+          <p:cxnSp>
+            <p:nvCxnSpPr>
+              <p:cNvPr id="204" name="直接连接符 119">
+                <a:extLst>
+                  <a:ext uri="{FF2B5EF4-FFF2-40B4-BE49-F238E27FC236}">
+                    <a16:creationId xmlns:a16="http://schemas.microsoft.com/office/drawing/2014/main" id="{C56876B6-60A5-7747-8185-FE11293A1CCF}"/>
+                  </a:ext>
+                </a:extLst>
+              </p:cNvPr>
+              <p:cNvCxnSpPr>
+                <a:cxnSpLocks/>
+              </p:cNvCxnSpPr>
+              <p:nvPr/>
+            </p:nvCxnSpPr>
+            <p:spPr>
+              <a:xfrm>
+                <a:off x="2055027" y="5731821"/>
+                <a:ext cx="213541" cy="0"/>
+              </a:xfrm>
+              <a:prstGeom prst="line">
+                <a:avLst/>
+              </a:prstGeom>
+              <a:ln w="19050">
+                <a:solidFill>
+                  <a:schemeClr val="tx1"/>
+                </a:solidFill>
+              </a:ln>
+            </p:spPr>
+            <p:style>
+              <a:lnRef idx="1">
+                <a:schemeClr val="accent1"/>
+              </a:lnRef>
+              <a:fillRef idx="0">
+                <a:schemeClr val="accent1"/>
+              </a:fillRef>
+              <a:effectRef idx="0">
+                <a:schemeClr val="accent1"/>
+              </a:effectRef>
+              <a:fontRef idx="minor">
+                <a:schemeClr val="tx1"/>
+              </a:fontRef>
+            </p:style>
+          </p:cxnSp>
+          <p:cxnSp>
+            <p:nvCxnSpPr>
+              <p:cNvPr id="205" name="直接连接符 120">
+                <a:extLst>
+                  <a:ext uri="{FF2B5EF4-FFF2-40B4-BE49-F238E27FC236}">
+                    <a16:creationId xmlns:a16="http://schemas.microsoft.com/office/drawing/2014/main" id="{4433D74D-EED5-DE1A-CFF4-D8798FDA6B6F}"/>
+                  </a:ext>
+                </a:extLst>
+              </p:cNvPr>
+              <p:cNvCxnSpPr>
+                <a:cxnSpLocks/>
+              </p:cNvCxnSpPr>
+              <p:nvPr/>
+            </p:nvCxnSpPr>
+            <p:spPr>
+              <a:xfrm>
+                <a:off x="2055027" y="4796803"/>
+                <a:ext cx="213541" cy="0"/>
+              </a:xfrm>
+              <a:prstGeom prst="line">
+                <a:avLst/>
+              </a:prstGeom>
+              <a:ln w="19050">
+                <a:solidFill>
+                  <a:schemeClr val="tx1"/>
+                </a:solidFill>
+              </a:ln>
+            </p:spPr>
+            <p:style>
+              <a:lnRef idx="1">
+                <a:schemeClr val="accent1"/>
+              </a:lnRef>
+              <a:fillRef idx="0">
+                <a:schemeClr val="accent1"/>
+              </a:fillRef>
+              <a:effectRef idx="0">
+                <a:schemeClr val="accent1"/>
+              </a:effectRef>
+              <a:fontRef idx="minor">
+                <a:schemeClr val="tx1"/>
+              </a:fontRef>
+            </p:style>
+          </p:cxnSp>
+          <p:cxnSp>
+            <p:nvCxnSpPr>
+              <p:cNvPr id="206" name="直接连接符 121">
+                <a:extLst>
+                  <a:ext uri="{FF2B5EF4-FFF2-40B4-BE49-F238E27FC236}">
+                    <a16:creationId xmlns:a16="http://schemas.microsoft.com/office/drawing/2014/main" id="{C1B1E325-0FE8-1694-02A2-1FADA37B4D21}"/>
+                  </a:ext>
+                </a:extLst>
+              </p:cNvPr>
+              <p:cNvCxnSpPr>
+                <a:cxnSpLocks/>
+              </p:cNvCxnSpPr>
+              <p:nvPr/>
+            </p:nvCxnSpPr>
+            <p:spPr>
+              <a:xfrm flipV="1">
+                <a:off x="2176339" y="4796803"/>
+                <a:ext cx="0" cy="935018"/>
+              </a:xfrm>
+              <a:prstGeom prst="line">
+                <a:avLst/>
+              </a:prstGeom>
+              <a:ln w="19050">
+                <a:solidFill>
+                  <a:schemeClr val="tx1"/>
+                </a:solidFill>
+                <a:headEnd type="stealth"/>
+                <a:tailEnd type="stealth"/>
+              </a:ln>
+            </p:spPr>
+            <p:style>
+              <a:lnRef idx="1">
+                <a:schemeClr val="accent1"/>
+              </a:lnRef>
+              <a:fillRef idx="0">
+                <a:schemeClr val="accent1"/>
+              </a:fillRef>
+              <a:effectRef idx="0">
+                <a:schemeClr val="accent1"/>
+              </a:effectRef>
+              <a:fontRef idx="minor">
+                <a:schemeClr val="tx1"/>
+              </a:fontRef>
+            </p:style>
+          </p:cxnSp>
+          <p:sp>
+            <p:nvSpPr>
+              <p:cNvPr id="207" name="文本框 9">
+                <a:extLst>
+                  <a:ext uri="{FF2B5EF4-FFF2-40B4-BE49-F238E27FC236}">
+                    <a16:creationId xmlns:a16="http://schemas.microsoft.com/office/drawing/2014/main" id="{1774D503-769B-A2C9-1854-BDB8E2B57D0E}"/>
+                  </a:ext>
+                </a:extLst>
+              </p:cNvPr>
+              <p:cNvSpPr txBox="1"/>
+              <p:nvPr/>
+            </p:nvSpPr>
+            <p:spPr>
+              <a:xfrm rot="16200000">
+                <a:off x="1672292" y="5103693"/>
+                <a:ext cx="699230" cy="307777"/>
+              </a:xfrm>
+              <a:prstGeom prst="rect">
+                <a:avLst/>
+              </a:prstGeom>
+              <a:noFill/>
+              <a:ln>
+                <a:noFill/>
+              </a:ln>
+            </p:spPr>
+            <p:txBody>
+              <a:bodyPr wrap="none" rtlCol="0">
+                <a:spAutoFit/>
+              </a:bodyPr>
+              <a:lstStyle/>
+              <a:p>
+                <a:pPr algn="ctr"/>
+                <a:r>
+                  <a:rPr lang="en-US" altLang="zh-CN" sz="1400" dirty="0">
+                    <a:cs typeface="Times New Roman" panose="02020603050405020304" pitchFamily="18" charset="0"/>
+                  </a:rPr>
+                  <a:t>26 mm</a:t>
+                </a:r>
+                <a:endParaRPr lang="zh-CN" altLang="en-US" sz="1400" dirty="0">
+                  <a:cs typeface="Times New Roman" panose="02020603050405020304" pitchFamily="18" charset="0"/>
+                </a:endParaRPr>
+              </a:p>
+            </p:txBody>
+          </p:sp>
+        </p:grpSp>
+        <p:grpSp>
+          <p:nvGrpSpPr>
+            <p:cNvPr id="164" name="Group 163">
+              <a:extLst>
+                <a:ext uri="{FF2B5EF4-FFF2-40B4-BE49-F238E27FC236}">
+                  <a16:creationId xmlns:a16="http://schemas.microsoft.com/office/drawing/2014/main" id="{C6975F10-4F8E-CDA7-3728-07F4FF5677B4}"/>
+                </a:ext>
+              </a:extLst>
+            </p:cNvPr>
+            <p:cNvGrpSpPr/>
+            <p:nvPr/>
+          </p:nvGrpSpPr>
+          <p:grpSpPr>
+            <a:xfrm>
+              <a:off x="2383525" y="5661711"/>
+              <a:ext cx="4237886" cy="308584"/>
+              <a:chOff x="2383525" y="5661711"/>
+              <a:chExt cx="4237886" cy="308584"/>
+            </a:xfrm>
+          </p:grpSpPr>
+          <p:sp>
+            <p:nvSpPr>
+              <p:cNvPr id="199" name="文本框 9">
+                <a:extLst>
+                  <a:ext uri="{FF2B5EF4-FFF2-40B4-BE49-F238E27FC236}">
+                    <a16:creationId xmlns:a16="http://schemas.microsoft.com/office/drawing/2014/main" id="{00C2DAAB-5120-8B71-DEB8-0EB18CBE4A17}"/>
+                  </a:ext>
+                </a:extLst>
+              </p:cNvPr>
+              <p:cNvSpPr txBox="1"/>
+              <p:nvPr/>
+            </p:nvSpPr>
+            <p:spPr>
+              <a:xfrm>
+                <a:off x="4031141" y="5661711"/>
+                <a:ext cx="784189" cy="307777"/>
+              </a:xfrm>
+              <a:prstGeom prst="rect">
+                <a:avLst/>
+              </a:prstGeom>
+              <a:noFill/>
+              <a:ln>
+                <a:noFill/>
+              </a:ln>
+            </p:spPr>
+            <p:txBody>
+              <a:bodyPr wrap="none" rtlCol="0">
+                <a:spAutoFit/>
+              </a:bodyPr>
+              <a:lstStyle/>
+              <a:p>
+                <a:pPr algn="ctr"/>
+                <a:r>
+                  <a:rPr lang="en-US" altLang="zh-CN" sz="1400" dirty="0">
+                    <a:cs typeface="Times New Roman" panose="02020603050405020304" pitchFamily="18" charset="0"/>
+                  </a:rPr>
+                  <a:t>102 mm</a:t>
+                </a:r>
+                <a:endParaRPr lang="zh-CN" altLang="en-US" sz="1400" dirty="0">
+                  <a:cs typeface="Times New Roman" panose="02020603050405020304" pitchFamily="18" charset="0"/>
+                </a:endParaRPr>
+              </a:p>
+            </p:txBody>
+          </p:sp>
+          <p:grpSp>
+            <p:nvGrpSpPr>
+              <p:cNvPr id="200" name="Group 199">
+                <a:extLst>
+                  <a:ext uri="{FF2B5EF4-FFF2-40B4-BE49-F238E27FC236}">
+                    <a16:creationId xmlns:a16="http://schemas.microsoft.com/office/drawing/2014/main" id="{B93A508E-AEB7-1140-D215-C38B75BA0334}"/>
+                  </a:ext>
+                </a:extLst>
+              </p:cNvPr>
+              <p:cNvGrpSpPr/>
+              <p:nvPr/>
+            </p:nvGrpSpPr>
+            <p:grpSpPr>
+              <a:xfrm>
+                <a:off x="2383525" y="5730219"/>
+                <a:ext cx="4237886" cy="240076"/>
+                <a:chOff x="2296430" y="5773894"/>
+                <a:chExt cx="4229101" cy="240076"/>
+              </a:xfrm>
+            </p:grpSpPr>
+            <p:cxnSp>
+              <p:nvCxnSpPr>
+                <p:cNvPr id="201" name="直接连接符 116">
+                  <a:extLst>
+                    <a:ext uri="{FF2B5EF4-FFF2-40B4-BE49-F238E27FC236}">
+                      <a16:creationId xmlns:a16="http://schemas.microsoft.com/office/drawing/2014/main" id="{B58DC6EA-5371-FB1B-ABAF-BC081F4C6767}"/>
+                    </a:ext>
+                  </a:extLst>
+                </p:cNvPr>
+                <p:cNvCxnSpPr>
+                  <a:cxnSpLocks/>
+                </p:cNvCxnSpPr>
+                <p:nvPr/>
+              </p:nvCxnSpPr>
+              <p:spPr>
+                <a:xfrm>
+                  <a:off x="6525530" y="5781514"/>
+                  <a:ext cx="1" cy="232456"/>
+                </a:xfrm>
+                <a:prstGeom prst="line">
+                  <a:avLst/>
+                </a:prstGeom>
+                <a:ln w="19050">
+                  <a:solidFill>
+                    <a:schemeClr val="tx1"/>
+                  </a:solidFill>
+                </a:ln>
+              </p:spPr>
+              <p:style>
+                <a:lnRef idx="1">
+                  <a:schemeClr val="accent1"/>
+                </a:lnRef>
+                <a:fillRef idx="0">
+                  <a:schemeClr val="accent1"/>
+                </a:fillRef>
+                <a:effectRef idx="0">
+                  <a:schemeClr val="accent1"/>
+                </a:effectRef>
+                <a:fontRef idx="minor">
+                  <a:schemeClr val="tx1"/>
+                </a:fontRef>
+              </p:style>
+            </p:cxnSp>
+            <p:cxnSp>
+              <p:nvCxnSpPr>
+                <p:cNvPr id="202" name="直接连接符 117">
+                  <a:extLst>
+                    <a:ext uri="{FF2B5EF4-FFF2-40B4-BE49-F238E27FC236}">
+                      <a16:creationId xmlns:a16="http://schemas.microsoft.com/office/drawing/2014/main" id="{192A5CAE-2F04-110C-3BD9-7AAB30E9B6DD}"/>
+                    </a:ext>
+                  </a:extLst>
+                </p:cNvPr>
+                <p:cNvCxnSpPr>
+                  <a:cxnSpLocks/>
+                </p:cNvCxnSpPr>
+                <p:nvPr/>
+              </p:nvCxnSpPr>
+              <p:spPr>
+                <a:xfrm>
+                  <a:off x="2301512" y="5939833"/>
+                  <a:ext cx="4224018" cy="0"/>
+                </a:xfrm>
+                <a:prstGeom prst="line">
+                  <a:avLst/>
+                </a:prstGeom>
+                <a:ln w="19050">
+                  <a:solidFill>
+                    <a:schemeClr val="tx1"/>
+                  </a:solidFill>
+                  <a:headEnd type="stealth"/>
+                  <a:tailEnd type="stealth"/>
+                </a:ln>
+              </p:spPr>
+              <p:style>
+                <a:lnRef idx="1">
+                  <a:schemeClr val="accent1"/>
+                </a:lnRef>
+                <a:fillRef idx="0">
+                  <a:schemeClr val="accent1"/>
+                </a:fillRef>
+                <a:effectRef idx="0">
+                  <a:schemeClr val="accent1"/>
+                </a:effectRef>
+                <a:fontRef idx="minor">
+                  <a:schemeClr val="tx1"/>
+                </a:fontRef>
+              </p:style>
+            </p:cxnSp>
+            <p:cxnSp>
+              <p:nvCxnSpPr>
+                <p:cNvPr id="203" name="直接连接符 123">
+                  <a:extLst>
+                    <a:ext uri="{FF2B5EF4-FFF2-40B4-BE49-F238E27FC236}">
+                      <a16:creationId xmlns:a16="http://schemas.microsoft.com/office/drawing/2014/main" id="{1C54B6B0-04E1-8D41-2E14-696246941641}"/>
+                    </a:ext>
+                  </a:extLst>
+                </p:cNvPr>
+                <p:cNvCxnSpPr>
+                  <a:cxnSpLocks/>
+                </p:cNvCxnSpPr>
+                <p:nvPr/>
+              </p:nvCxnSpPr>
+              <p:spPr>
+                <a:xfrm>
+                  <a:off x="2296430" y="5773894"/>
+                  <a:ext cx="1" cy="232456"/>
+                </a:xfrm>
+                <a:prstGeom prst="line">
+                  <a:avLst/>
+                </a:prstGeom>
+                <a:ln w="19050">
+                  <a:solidFill>
+                    <a:schemeClr val="tx1"/>
+                  </a:solidFill>
+                </a:ln>
+              </p:spPr>
+              <p:style>
+                <a:lnRef idx="1">
+                  <a:schemeClr val="accent1"/>
+                </a:lnRef>
+                <a:fillRef idx="0">
+                  <a:schemeClr val="accent1"/>
+                </a:fillRef>
+                <a:effectRef idx="0">
+                  <a:schemeClr val="accent1"/>
+                </a:effectRef>
+                <a:fontRef idx="minor">
+                  <a:schemeClr val="tx1"/>
+                </a:fontRef>
+              </p:style>
+            </p:cxnSp>
+          </p:grpSp>
+        </p:grpSp>
+        <p:sp>
+          <p:nvSpPr>
+            <p:cNvPr id="165" name="文本框 9">
+              <a:extLst>
+                <a:ext uri="{FF2B5EF4-FFF2-40B4-BE49-F238E27FC236}">
+                  <a16:creationId xmlns:a16="http://schemas.microsoft.com/office/drawing/2014/main" id="{C88E4C70-7D6D-1CC0-D005-F8622AC32C74}"/>
+                </a:ext>
+              </a:extLst>
+            </p:cNvPr>
+            <p:cNvSpPr txBox="1"/>
+            <p:nvPr/>
+          </p:nvSpPr>
+          <p:spPr>
+            <a:xfrm>
+              <a:off x="2192768" y="4450405"/>
+              <a:ext cx="442750" cy="369332"/>
+            </a:xfrm>
+            <a:prstGeom prst="rect">
+              <a:avLst/>
+            </a:prstGeom>
+            <a:noFill/>
+          </p:spPr>
+          <p:txBody>
+            <a:bodyPr wrap="square" rtlCol="0">
+              <a:spAutoFit/>
+            </a:bodyPr>
+            <a:lstStyle/>
+            <a:p>
+              <a:pPr algn="ctr"/>
+              <a:r>
+                <a:rPr lang="en-US" altLang="zh-CN" b="1" dirty="0">
+                  <a:cs typeface="Times New Roman" panose="02020603050405020304" pitchFamily="18" charset="0"/>
+                </a:rPr>
+                <a:t>(e)</a:t>
+              </a:r>
+              <a:endParaRPr lang="zh-CN" altLang="en-US" b="1" dirty="0">
+                <a:cs typeface="Times New Roman" panose="02020603050405020304" pitchFamily="18" charset="0"/>
+              </a:endParaRPr>
+            </a:p>
+          </p:txBody>
+        </p:sp>
+        <p:grpSp>
+          <p:nvGrpSpPr>
+            <p:cNvPr id="167" name="Group 166">
+              <a:extLst>
+                <a:ext uri="{FF2B5EF4-FFF2-40B4-BE49-F238E27FC236}">
+                  <a16:creationId xmlns:a16="http://schemas.microsoft.com/office/drawing/2014/main" id="{D9CB304E-7A90-4199-A6F3-D16FBE9F3967}"/>
+                </a:ext>
+              </a:extLst>
+            </p:cNvPr>
+            <p:cNvGrpSpPr/>
+            <p:nvPr/>
+          </p:nvGrpSpPr>
+          <p:grpSpPr>
+            <a:xfrm>
+              <a:off x="1931804" y="3250547"/>
+              <a:ext cx="400550" cy="940460"/>
+              <a:chOff x="1889526" y="3215150"/>
+              <a:chExt cx="400550" cy="940460"/>
+            </a:xfrm>
+          </p:grpSpPr>
+          <p:cxnSp>
+            <p:nvCxnSpPr>
+              <p:cNvPr id="195" name="直接连接符 111">
+                <a:extLst>
+                  <a:ext uri="{FF2B5EF4-FFF2-40B4-BE49-F238E27FC236}">
+                    <a16:creationId xmlns:a16="http://schemas.microsoft.com/office/drawing/2014/main" id="{65C36B06-7BC7-ED19-547C-DB55A7DA84AD}"/>
+                  </a:ext>
+                </a:extLst>
+              </p:cNvPr>
+              <p:cNvCxnSpPr>
+                <a:cxnSpLocks/>
+              </p:cNvCxnSpPr>
+              <p:nvPr/>
+            </p:nvCxnSpPr>
+            <p:spPr>
+              <a:xfrm>
+                <a:off x="2076535" y="4155610"/>
+                <a:ext cx="213541" cy="0"/>
+              </a:xfrm>
+              <a:prstGeom prst="line">
+                <a:avLst/>
+              </a:prstGeom>
+              <a:ln w="19050">
+                <a:solidFill>
+                  <a:schemeClr val="tx1"/>
+                </a:solidFill>
+              </a:ln>
+            </p:spPr>
+            <p:style>
+              <a:lnRef idx="1">
+                <a:schemeClr val="accent1"/>
+              </a:lnRef>
+              <a:fillRef idx="0">
+                <a:schemeClr val="accent1"/>
+              </a:fillRef>
+              <a:effectRef idx="0">
+                <a:schemeClr val="accent1"/>
+              </a:effectRef>
+              <a:fontRef idx="minor">
+                <a:schemeClr val="tx1"/>
+              </a:fontRef>
+            </p:style>
+          </p:cxnSp>
+          <p:cxnSp>
+            <p:nvCxnSpPr>
+              <p:cNvPr id="196" name="直接连接符 112">
+                <a:extLst>
+                  <a:ext uri="{FF2B5EF4-FFF2-40B4-BE49-F238E27FC236}">
+                    <a16:creationId xmlns:a16="http://schemas.microsoft.com/office/drawing/2014/main" id="{EC9B01DD-C8CE-5BA2-27C5-6C3E3E5A99BF}"/>
+                  </a:ext>
+                </a:extLst>
+              </p:cNvPr>
+              <p:cNvCxnSpPr>
+                <a:cxnSpLocks/>
+              </p:cNvCxnSpPr>
+              <p:nvPr/>
+            </p:nvCxnSpPr>
+            <p:spPr>
+              <a:xfrm>
+                <a:off x="2076535" y="3215150"/>
+                <a:ext cx="213541" cy="0"/>
+              </a:xfrm>
+              <a:prstGeom prst="line">
+                <a:avLst/>
+              </a:prstGeom>
+              <a:ln w="19050">
+                <a:solidFill>
+                  <a:schemeClr val="tx1"/>
+                </a:solidFill>
+              </a:ln>
+            </p:spPr>
+            <p:style>
+              <a:lnRef idx="1">
+                <a:schemeClr val="accent1"/>
+              </a:lnRef>
+              <a:fillRef idx="0">
+                <a:schemeClr val="accent1"/>
+              </a:fillRef>
+              <a:effectRef idx="0">
+                <a:schemeClr val="accent1"/>
+              </a:effectRef>
+              <a:fontRef idx="minor">
+                <a:schemeClr val="tx1"/>
+              </a:fontRef>
+            </p:style>
+          </p:cxnSp>
+          <p:cxnSp>
+            <p:nvCxnSpPr>
+              <p:cNvPr id="197" name="直接连接符 113">
+                <a:extLst>
+                  <a:ext uri="{FF2B5EF4-FFF2-40B4-BE49-F238E27FC236}">
+                    <a16:creationId xmlns:a16="http://schemas.microsoft.com/office/drawing/2014/main" id="{083EFBA9-5D33-169E-C152-8FD218137A69}"/>
+                  </a:ext>
+                </a:extLst>
+              </p:cNvPr>
+              <p:cNvCxnSpPr>
+                <a:cxnSpLocks/>
+              </p:cNvCxnSpPr>
+              <p:nvPr/>
+            </p:nvCxnSpPr>
+            <p:spPr>
+              <a:xfrm flipV="1">
+                <a:off x="2197847" y="3220592"/>
+                <a:ext cx="0" cy="935018"/>
+              </a:xfrm>
+              <a:prstGeom prst="line">
+                <a:avLst/>
+              </a:prstGeom>
+              <a:ln w="19050">
+                <a:solidFill>
+                  <a:schemeClr val="tx1"/>
+                </a:solidFill>
+                <a:headEnd type="stealth"/>
+                <a:tailEnd type="stealth"/>
+              </a:ln>
+            </p:spPr>
+            <p:style>
+              <a:lnRef idx="1">
+                <a:schemeClr val="accent1"/>
+              </a:lnRef>
+              <a:fillRef idx="0">
+                <a:schemeClr val="accent1"/>
+              </a:fillRef>
+              <a:effectRef idx="0">
+                <a:schemeClr val="accent1"/>
+              </a:effectRef>
+              <a:fontRef idx="minor">
+                <a:schemeClr val="tx1"/>
+              </a:fontRef>
+            </p:style>
+          </p:cxnSp>
+          <p:sp>
+            <p:nvSpPr>
+              <p:cNvPr id="198" name="文本框 9">
+                <a:extLst>
+                  <a:ext uri="{FF2B5EF4-FFF2-40B4-BE49-F238E27FC236}">
+                    <a16:creationId xmlns:a16="http://schemas.microsoft.com/office/drawing/2014/main" id="{08EE97D9-FFC2-E500-6F84-98AFF366C4AD}"/>
+                  </a:ext>
+                </a:extLst>
+              </p:cNvPr>
+              <p:cNvSpPr txBox="1"/>
+              <p:nvPr/>
+            </p:nvSpPr>
+            <p:spPr>
+              <a:xfrm rot="16200000">
+                <a:off x="1693800" y="3527482"/>
+                <a:ext cx="699230" cy="307777"/>
+              </a:xfrm>
+              <a:prstGeom prst="rect">
+                <a:avLst/>
+              </a:prstGeom>
+              <a:noFill/>
+              <a:ln>
+                <a:noFill/>
+              </a:ln>
+            </p:spPr>
+            <p:txBody>
+              <a:bodyPr wrap="none" rtlCol="0">
+                <a:spAutoFit/>
+              </a:bodyPr>
+              <a:lstStyle/>
+              <a:p>
+                <a:pPr algn="ctr"/>
+                <a:r>
+                  <a:rPr lang="en-US" altLang="zh-CN" sz="1400" dirty="0">
+                    <a:cs typeface="Times New Roman" panose="02020603050405020304" pitchFamily="18" charset="0"/>
+                  </a:rPr>
+                  <a:t>26 mm</a:t>
+                </a:r>
+                <a:endParaRPr lang="zh-CN" altLang="en-US" sz="1400" dirty="0">
+                  <a:cs typeface="Times New Roman" panose="02020603050405020304" pitchFamily="18" charset="0"/>
+                </a:endParaRPr>
+              </a:p>
+            </p:txBody>
+          </p:sp>
+        </p:grpSp>
+        <p:sp>
+          <p:nvSpPr>
+            <p:cNvPr id="168" name="文本框 9">
+              <a:extLst>
+                <a:ext uri="{FF2B5EF4-FFF2-40B4-BE49-F238E27FC236}">
+                  <a16:creationId xmlns:a16="http://schemas.microsoft.com/office/drawing/2014/main" id="{5AADF70F-886D-5D0D-3C40-8532FAFB7194}"/>
+                </a:ext>
+              </a:extLst>
+            </p:cNvPr>
+            <p:cNvSpPr txBox="1"/>
+            <p:nvPr/>
+          </p:nvSpPr>
+          <p:spPr>
+            <a:xfrm>
+              <a:off x="2192768" y="2886429"/>
+              <a:ext cx="442750" cy="369332"/>
+            </a:xfrm>
+            <a:prstGeom prst="rect">
+              <a:avLst/>
+            </a:prstGeom>
+            <a:noFill/>
+          </p:spPr>
+          <p:txBody>
+            <a:bodyPr wrap="square" rtlCol="0">
+              <a:spAutoFit/>
+            </a:bodyPr>
+            <a:lstStyle/>
+            <a:p>
+              <a:pPr algn="ctr"/>
+              <a:r>
+                <a:rPr lang="en-US" altLang="zh-CN" b="1" dirty="0">
+                  <a:cs typeface="Times New Roman" panose="02020603050405020304" pitchFamily="18" charset="0"/>
+                </a:rPr>
+                <a:t>(d)</a:t>
+              </a:r>
+              <a:endParaRPr lang="zh-CN" altLang="en-US" b="1" dirty="0">
+                <a:cs typeface="Times New Roman" panose="02020603050405020304" pitchFamily="18" charset="0"/>
+              </a:endParaRPr>
+            </a:p>
+          </p:txBody>
+        </p:sp>
+        <p:grpSp>
+          <p:nvGrpSpPr>
+            <p:cNvPr id="169" name="Group 168">
+              <a:extLst>
+                <a:ext uri="{FF2B5EF4-FFF2-40B4-BE49-F238E27FC236}">
+                  <a16:creationId xmlns:a16="http://schemas.microsoft.com/office/drawing/2014/main" id="{7D034A79-A697-E62A-6850-2DB39AB9CB3F}"/>
+                </a:ext>
+              </a:extLst>
+            </p:cNvPr>
+            <p:cNvGrpSpPr/>
+            <p:nvPr/>
+          </p:nvGrpSpPr>
+          <p:grpSpPr>
+            <a:xfrm>
+              <a:off x="2342887" y="4139954"/>
+              <a:ext cx="4263284" cy="315043"/>
+              <a:chOff x="2331906" y="4151752"/>
+              <a:chExt cx="4229101" cy="315043"/>
+            </a:xfrm>
+          </p:grpSpPr>
+          <p:cxnSp>
+            <p:nvCxnSpPr>
+              <p:cNvPr id="191" name="直接连接符 136">
+                <a:extLst>
+                  <a:ext uri="{FF2B5EF4-FFF2-40B4-BE49-F238E27FC236}">
+                    <a16:creationId xmlns:a16="http://schemas.microsoft.com/office/drawing/2014/main" id="{F0572413-2840-F213-302E-08DF6B5512E7}"/>
+                  </a:ext>
+                </a:extLst>
+              </p:cNvPr>
+              <p:cNvCxnSpPr>
+                <a:cxnSpLocks/>
+              </p:cNvCxnSpPr>
+              <p:nvPr/>
+            </p:nvCxnSpPr>
+            <p:spPr>
+              <a:xfrm>
+                <a:off x="6561006" y="4234339"/>
+                <a:ext cx="1" cy="232456"/>
+              </a:xfrm>
+              <a:prstGeom prst="line">
+                <a:avLst/>
+              </a:prstGeom>
+              <a:ln w="19050">
+                <a:solidFill>
+                  <a:schemeClr val="tx1"/>
+                </a:solidFill>
+              </a:ln>
+            </p:spPr>
+            <p:style>
+              <a:lnRef idx="1">
+                <a:schemeClr val="accent1"/>
+              </a:lnRef>
+              <a:fillRef idx="0">
+                <a:schemeClr val="accent1"/>
+              </a:fillRef>
+              <a:effectRef idx="0">
+                <a:schemeClr val="accent1"/>
+              </a:effectRef>
+              <a:fontRef idx="minor">
+                <a:schemeClr val="tx1"/>
+              </a:fontRef>
+            </p:style>
+          </p:cxnSp>
+          <p:cxnSp>
+            <p:nvCxnSpPr>
+              <p:cNvPr id="192" name="直接连接符 137">
+                <a:extLst>
+                  <a:ext uri="{FF2B5EF4-FFF2-40B4-BE49-F238E27FC236}">
+                    <a16:creationId xmlns:a16="http://schemas.microsoft.com/office/drawing/2014/main" id="{93636384-2D5B-144C-5B1B-DBC6EFCA5BD9}"/>
+                  </a:ext>
+                </a:extLst>
+              </p:cNvPr>
+              <p:cNvCxnSpPr>
+                <a:cxnSpLocks/>
+              </p:cNvCxnSpPr>
+              <p:nvPr/>
+            </p:nvCxnSpPr>
+            <p:spPr>
+              <a:xfrm>
+                <a:off x="2336988" y="4392658"/>
+                <a:ext cx="4224018" cy="0"/>
+              </a:xfrm>
+              <a:prstGeom prst="line">
+                <a:avLst/>
+              </a:prstGeom>
+              <a:ln w="19050">
+                <a:solidFill>
+                  <a:schemeClr val="tx1"/>
+                </a:solidFill>
+                <a:headEnd type="stealth"/>
+                <a:tailEnd type="stealth"/>
+              </a:ln>
+            </p:spPr>
+            <p:style>
+              <a:lnRef idx="1">
+                <a:schemeClr val="accent1"/>
+              </a:lnRef>
+              <a:fillRef idx="0">
+                <a:schemeClr val="accent1"/>
+              </a:fillRef>
+              <a:effectRef idx="0">
+                <a:schemeClr val="accent1"/>
+              </a:effectRef>
+              <a:fontRef idx="minor">
+                <a:schemeClr val="tx1"/>
+              </a:fontRef>
+            </p:style>
+          </p:cxnSp>
+          <p:sp>
+            <p:nvSpPr>
+              <p:cNvPr id="193" name="文本框 9">
+                <a:extLst>
+                  <a:ext uri="{FF2B5EF4-FFF2-40B4-BE49-F238E27FC236}">
+                    <a16:creationId xmlns:a16="http://schemas.microsoft.com/office/drawing/2014/main" id="{F51A844A-DA14-1358-A2B6-4F1664BD303A}"/>
+                  </a:ext>
+                </a:extLst>
+              </p:cNvPr>
+              <p:cNvSpPr txBox="1"/>
+              <p:nvPr/>
+            </p:nvSpPr>
+            <p:spPr>
+              <a:xfrm>
+                <a:off x="4066617" y="4151752"/>
+                <a:ext cx="784189" cy="307777"/>
+              </a:xfrm>
+              <a:prstGeom prst="rect">
+                <a:avLst/>
+              </a:prstGeom>
+              <a:noFill/>
+              <a:ln>
+                <a:noFill/>
+              </a:ln>
+            </p:spPr>
+            <p:txBody>
+              <a:bodyPr wrap="none" rtlCol="0">
+                <a:spAutoFit/>
+              </a:bodyPr>
+              <a:lstStyle/>
+              <a:p>
+                <a:pPr algn="ctr"/>
+                <a:r>
+                  <a:rPr lang="en-US" altLang="zh-CN" sz="1400" dirty="0">
+                    <a:cs typeface="Times New Roman" panose="02020603050405020304" pitchFamily="18" charset="0"/>
+                  </a:rPr>
+                  <a:t>102 mm</a:t>
+                </a:r>
+                <a:endParaRPr lang="zh-CN" altLang="en-US" sz="1400" dirty="0">
+                  <a:cs typeface="Times New Roman" panose="02020603050405020304" pitchFamily="18" charset="0"/>
+                </a:endParaRPr>
+              </a:p>
+            </p:txBody>
+          </p:sp>
+          <p:cxnSp>
+            <p:nvCxnSpPr>
+              <p:cNvPr id="194" name="直接连接符 139">
+                <a:extLst>
+                  <a:ext uri="{FF2B5EF4-FFF2-40B4-BE49-F238E27FC236}">
+                    <a16:creationId xmlns:a16="http://schemas.microsoft.com/office/drawing/2014/main" id="{D280C20D-DCBB-F287-9C76-249D5CBF1C34}"/>
+                  </a:ext>
+                </a:extLst>
+              </p:cNvPr>
+              <p:cNvCxnSpPr>
+                <a:cxnSpLocks/>
+              </p:cNvCxnSpPr>
+              <p:nvPr/>
+            </p:nvCxnSpPr>
+            <p:spPr>
+              <a:xfrm>
+                <a:off x="2331906" y="4226719"/>
+                <a:ext cx="1" cy="232456"/>
+              </a:xfrm>
+              <a:prstGeom prst="line">
+                <a:avLst/>
+              </a:prstGeom>
+              <a:ln w="19050">
+                <a:solidFill>
+                  <a:schemeClr val="tx1"/>
+                </a:solidFill>
+              </a:ln>
+            </p:spPr>
+            <p:style>
+              <a:lnRef idx="1">
+                <a:schemeClr val="accent1"/>
+              </a:lnRef>
+              <a:fillRef idx="0">
+                <a:schemeClr val="accent1"/>
+              </a:fillRef>
+              <a:effectRef idx="0">
+                <a:schemeClr val="accent1"/>
+              </a:effectRef>
+              <a:fontRef idx="minor">
+                <a:schemeClr val="tx1"/>
+              </a:fontRef>
+            </p:style>
+          </p:cxnSp>
+        </p:grpSp>
+        <p:grpSp>
+          <p:nvGrpSpPr>
+            <p:cNvPr id="171" name="Group 170">
+              <a:extLst>
+                <a:ext uri="{FF2B5EF4-FFF2-40B4-BE49-F238E27FC236}">
+                  <a16:creationId xmlns:a16="http://schemas.microsoft.com/office/drawing/2014/main" id="{7B0C53A6-6065-884C-05D2-F7C2703C10D2}"/>
+                </a:ext>
+              </a:extLst>
+            </p:cNvPr>
+            <p:cNvGrpSpPr/>
+            <p:nvPr/>
+          </p:nvGrpSpPr>
+          <p:grpSpPr>
+            <a:xfrm>
+              <a:off x="1931804" y="1709192"/>
+              <a:ext cx="400550" cy="935018"/>
+              <a:chOff x="1869605" y="1703293"/>
+              <a:chExt cx="400550" cy="935018"/>
+            </a:xfrm>
+          </p:grpSpPr>
+          <p:cxnSp>
+            <p:nvCxnSpPr>
+              <p:cNvPr id="187" name="直接连接符 90">
+                <a:extLst>
+                  <a:ext uri="{FF2B5EF4-FFF2-40B4-BE49-F238E27FC236}">
+                    <a16:creationId xmlns:a16="http://schemas.microsoft.com/office/drawing/2014/main" id="{02880755-6DA6-C77F-4240-129CD2246326}"/>
+                  </a:ext>
+                </a:extLst>
+              </p:cNvPr>
+              <p:cNvCxnSpPr>
+                <a:cxnSpLocks/>
+              </p:cNvCxnSpPr>
+              <p:nvPr/>
+            </p:nvCxnSpPr>
+            <p:spPr>
+              <a:xfrm>
+                <a:off x="2056614" y="2638311"/>
+                <a:ext cx="213541" cy="0"/>
+              </a:xfrm>
+              <a:prstGeom prst="line">
+                <a:avLst/>
+              </a:prstGeom>
+              <a:ln w="19050">
+                <a:solidFill>
+                  <a:schemeClr val="tx1"/>
+                </a:solidFill>
+              </a:ln>
+            </p:spPr>
+            <p:style>
+              <a:lnRef idx="1">
+                <a:schemeClr val="accent1"/>
+              </a:lnRef>
+              <a:fillRef idx="0">
+                <a:schemeClr val="accent1"/>
+              </a:fillRef>
+              <a:effectRef idx="0">
+                <a:schemeClr val="accent1"/>
+              </a:effectRef>
+              <a:fontRef idx="minor">
+                <a:schemeClr val="tx1"/>
+              </a:fontRef>
+            </p:style>
+          </p:cxnSp>
+          <p:cxnSp>
+            <p:nvCxnSpPr>
+              <p:cNvPr id="188" name="直接连接符 91">
+                <a:extLst>
+                  <a:ext uri="{FF2B5EF4-FFF2-40B4-BE49-F238E27FC236}">
+                    <a16:creationId xmlns:a16="http://schemas.microsoft.com/office/drawing/2014/main" id="{591E29E3-9589-3C49-AC9A-7B43F60FBB3C}"/>
+                  </a:ext>
+                </a:extLst>
+              </p:cNvPr>
+              <p:cNvCxnSpPr>
+                <a:cxnSpLocks/>
+              </p:cNvCxnSpPr>
+              <p:nvPr/>
+            </p:nvCxnSpPr>
+            <p:spPr>
+              <a:xfrm>
+                <a:off x="2056614" y="1703293"/>
+                <a:ext cx="213541" cy="0"/>
+              </a:xfrm>
+              <a:prstGeom prst="line">
+                <a:avLst/>
+              </a:prstGeom>
+              <a:ln w="19050">
+                <a:solidFill>
+                  <a:schemeClr val="tx1"/>
+                </a:solidFill>
+              </a:ln>
+            </p:spPr>
+            <p:style>
+              <a:lnRef idx="1">
+                <a:schemeClr val="accent1"/>
+              </a:lnRef>
+              <a:fillRef idx="0">
+                <a:schemeClr val="accent1"/>
+              </a:fillRef>
+              <a:effectRef idx="0">
+                <a:schemeClr val="accent1"/>
+              </a:effectRef>
+              <a:fontRef idx="minor">
+                <a:schemeClr val="tx1"/>
+              </a:fontRef>
+            </p:style>
+          </p:cxnSp>
+          <p:cxnSp>
+            <p:nvCxnSpPr>
+              <p:cNvPr id="189" name="直接连接符 92">
+                <a:extLst>
+                  <a:ext uri="{FF2B5EF4-FFF2-40B4-BE49-F238E27FC236}">
+                    <a16:creationId xmlns:a16="http://schemas.microsoft.com/office/drawing/2014/main" id="{04E4B1A8-2C74-D088-6E9F-345DAB35481D}"/>
+                  </a:ext>
+                </a:extLst>
+              </p:cNvPr>
+              <p:cNvCxnSpPr>
+                <a:cxnSpLocks/>
+              </p:cNvCxnSpPr>
+              <p:nvPr/>
+            </p:nvCxnSpPr>
+            <p:spPr>
+              <a:xfrm flipV="1">
+                <a:off x="2177926" y="1703293"/>
+                <a:ext cx="0" cy="935018"/>
+              </a:xfrm>
+              <a:prstGeom prst="line">
+                <a:avLst/>
+              </a:prstGeom>
+              <a:ln w="19050">
+                <a:solidFill>
+                  <a:schemeClr val="tx1"/>
+                </a:solidFill>
+                <a:headEnd type="stealth"/>
+                <a:tailEnd type="stealth"/>
+              </a:ln>
+            </p:spPr>
+            <p:style>
+              <a:lnRef idx="1">
+                <a:schemeClr val="accent1"/>
+              </a:lnRef>
+              <a:fillRef idx="0">
+                <a:schemeClr val="accent1"/>
+              </a:fillRef>
+              <a:effectRef idx="0">
+                <a:schemeClr val="accent1"/>
+              </a:effectRef>
+              <a:fontRef idx="minor">
+                <a:schemeClr val="tx1"/>
+              </a:fontRef>
+            </p:style>
+          </p:cxnSp>
+          <p:sp>
+            <p:nvSpPr>
+              <p:cNvPr id="190" name="文本框 9">
+                <a:extLst>
+                  <a:ext uri="{FF2B5EF4-FFF2-40B4-BE49-F238E27FC236}">
+                    <a16:creationId xmlns:a16="http://schemas.microsoft.com/office/drawing/2014/main" id="{626C8543-31D2-D84A-FE06-1DF81922BD3E}"/>
+                  </a:ext>
+                </a:extLst>
+              </p:cNvPr>
+              <p:cNvSpPr txBox="1"/>
+              <p:nvPr/>
+            </p:nvSpPr>
+            <p:spPr>
+              <a:xfrm rot="16200000">
+                <a:off x="1673879" y="2010183"/>
+                <a:ext cx="699230" cy="307777"/>
+              </a:xfrm>
+              <a:prstGeom prst="rect">
+                <a:avLst/>
+              </a:prstGeom>
+              <a:noFill/>
+              <a:ln>
+                <a:noFill/>
+              </a:ln>
+            </p:spPr>
+            <p:txBody>
+              <a:bodyPr wrap="none" rtlCol="0">
+                <a:spAutoFit/>
+              </a:bodyPr>
+              <a:lstStyle/>
+              <a:p>
+                <a:pPr algn="ctr"/>
+                <a:r>
+                  <a:rPr lang="en-US" altLang="zh-CN" sz="1400" dirty="0">
+                    <a:cs typeface="Times New Roman" panose="02020603050405020304" pitchFamily="18" charset="0"/>
+                  </a:rPr>
+                  <a:t>26 mm</a:t>
+                </a:r>
+                <a:endParaRPr lang="zh-CN" altLang="en-US" sz="1400" dirty="0">
+                  <a:cs typeface="Times New Roman" panose="02020603050405020304" pitchFamily="18" charset="0"/>
+                </a:endParaRPr>
+              </a:p>
+            </p:txBody>
+          </p:sp>
+        </p:grpSp>
+        <p:grpSp>
+          <p:nvGrpSpPr>
+            <p:cNvPr id="173" name="Group 172">
+              <a:extLst>
+                <a:ext uri="{FF2B5EF4-FFF2-40B4-BE49-F238E27FC236}">
+                  <a16:creationId xmlns:a16="http://schemas.microsoft.com/office/drawing/2014/main" id="{F912DC44-894F-9E4F-B322-329D67F484EF}"/>
+                </a:ext>
+              </a:extLst>
+            </p:cNvPr>
+            <p:cNvGrpSpPr/>
+            <p:nvPr/>
+          </p:nvGrpSpPr>
+          <p:grpSpPr>
+            <a:xfrm>
+              <a:off x="2337805" y="2605868"/>
+              <a:ext cx="4229099" cy="307777"/>
+              <a:chOff x="2298017" y="2623565"/>
+              <a:chExt cx="4229101" cy="307777"/>
+            </a:xfrm>
+          </p:grpSpPr>
+          <p:cxnSp>
+            <p:nvCxnSpPr>
+              <p:cNvPr id="179" name="直接连接符 87">
+                <a:extLst>
+                  <a:ext uri="{FF2B5EF4-FFF2-40B4-BE49-F238E27FC236}">
+                    <a16:creationId xmlns:a16="http://schemas.microsoft.com/office/drawing/2014/main" id="{5CA89237-9534-727F-5A53-3AFFB806EBF9}"/>
+                  </a:ext>
+                </a:extLst>
+              </p:cNvPr>
+              <p:cNvCxnSpPr>
+                <a:cxnSpLocks/>
+              </p:cNvCxnSpPr>
+              <p:nvPr/>
+            </p:nvCxnSpPr>
+            <p:spPr>
+              <a:xfrm>
+                <a:off x="6527117" y="2694354"/>
+                <a:ext cx="1" cy="232456"/>
+              </a:xfrm>
+              <a:prstGeom prst="line">
+                <a:avLst/>
+              </a:prstGeom>
+              <a:ln w="19050">
+                <a:solidFill>
+                  <a:schemeClr val="tx1"/>
+                </a:solidFill>
+              </a:ln>
+            </p:spPr>
+            <p:style>
+              <a:lnRef idx="1">
+                <a:schemeClr val="accent1"/>
+              </a:lnRef>
+              <a:fillRef idx="0">
+                <a:schemeClr val="accent1"/>
+              </a:fillRef>
+              <a:effectRef idx="0">
+                <a:schemeClr val="accent1"/>
+              </a:effectRef>
+              <a:fontRef idx="minor">
+                <a:schemeClr val="tx1"/>
+              </a:fontRef>
+            </p:style>
+          </p:cxnSp>
+          <p:cxnSp>
+            <p:nvCxnSpPr>
+              <p:cNvPr id="181" name="直接连接符 88">
+                <a:extLst>
+                  <a:ext uri="{FF2B5EF4-FFF2-40B4-BE49-F238E27FC236}">
+                    <a16:creationId xmlns:a16="http://schemas.microsoft.com/office/drawing/2014/main" id="{050B8F93-B92F-1E83-8FFE-D8B458E993B3}"/>
+                  </a:ext>
+                </a:extLst>
+              </p:cNvPr>
+              <p:cNvCxnSpPr>
+                <a:cxnSpLocks/>
+              </p:cNvCxnSpPr>
+              <p:nvPr/>
+            </p:nvCxnSpPr>
+            <p:spPr>
+              <a:xfrm>
+                <a:off x="2303099" y="2852673"/>
+                <a:ext cx="4224018" cy="0"/>
+              </a:xfrm>
+              <a:prstGeom prst="line">
+                <a:avLst/>
+              </a:prstGeom>
+              <a:ln w="19050">
+                <a:solidFill>
+                  <a:schemeClr val="tx1"/>
+                </a:solidFill>
+                <a:headEnd type="stealth"/>
+                <a:tailEnd type="stealth"/>
+              </a:ln>
+            </p:spPr>
+            <p:style>
+              <a:lnRef idx="1">
+                <a:schemeClr val="accent1"/>
+              </a:lnRef>
+              <a:fillRef idx="0">
+                <a:schemeClr val="accent1"/>
+              </a:fillRef>
+              <a:effectRef idx="0">
+                <a:schemeClr val="accent1"/>
+              </a:effectRef>
+              <a:fontRef idx="minor">
+                <a:schemeClr val="tx1"/>
+              </a:fontRef>
+            </p:style>
+          </p:cxnSp>
+          <p:sp>
+            <p:nvSpPr>
+              <p:cNvPr id="183" name="文本框 9">
+                <a:extLst>
+                  <a:ext uri="{FF2B5EF4-FFF2-40B4-BE49-F238E27FC236}">
+                    <a16:creationId xmlns:a16="http://schemas.microsoft.com/office/drawing/2014/main" id="{AC146175-264A-1C02-E060-4B4F77B48AA6}"/>
+                  </a:ext>
+                </a:extLst>
+              </p:cNvPr>
+              <p:cNvSpPr txBox="1"/>
+              <p:nvPr/>
+            </p:nvSpPr>
+            <p:spPr>
+              <a:xfrm>
+                <a:off x="4040348" y="2623565"/>
+                <a:ext cx="784189" cy="307777"/>
+              </a:xfrm>
+              <a:prstGeom prst="rect">
+                <a:avLst/>
+              </a:prstGeom>
+              <a:noFill/>
+              <a:ln>
+                <a:noFill/>
+              </a:ln>
+            </p:spPr>
+            <p:txBody>
+              <a:bodyPr wrap="none" rtlCol="0">
+                <a:spAutoFit/>
+              </a:bodyPr>
+              <a:lstStyle/>
+              <a:p>
+                <a:pPr algn="ctr"/>
+                <a:r>
+                  <a:rPr lang="en-US" altLang="zh-CN" sz="1400" dirty="0">
+                    <a:cs typeface="Times New Roman" panose="02020603050405020304" pitchFamily="18" charset="0"/>
+                  </a:rPr>
+                  <a:t>102 mm</a:t>
+                </a:r>
+                <a:endParaRPr lang="zh-CN" altLang="en-US" sz="1400" dirty="0">
+                  <a:cs typeface="Times New Roman" panose="02020603050405020304" pitchFamily="18" charset="0"/>
+                </a:endParaRPr>
+              </a:p>
+            </p:txBody>
+          </p:sp>
+          <p:cxnSp>
+            <p:nvCxnSpPr>
+              <p:cNvPr id="185" name="直接连接符 94">
+                <a:extLst>
+                  <a:ext uri="{FF2B5EF4-FFF2-40B4-BE49-F238E27FC236}">
+                    <a16:creationId xmlns:a16="http://schemas.microsoft.com/office/drawing/2014/main" id="{3C43880B-E0C6-10FA-9F2E-7BD9F32B59C3}"/>
+                  </a:ext>
+                </a:extLst>
+              </p:cNvPr>
+              <p:cNvCxnSpPr>
+                <a:cxnSpLocks/>
+              </p:cNvCxnSpPr>
+              <p:nvPr/>
+            </p:nvCxnSpPr>
+            <p:spPr>
+              <a:xfrm>
+                <a:off x="2298017" y="2686734"/>
+                <a:ext cx="1" cy="232456"/>
+              </a:xfrm>
+              <a:prstGeom prst="line">
+                <a:avLst/>
+              </a:prstGeom>
+              <a:ln w="19050">
+                <a:solidFill>
+                  <a:schemeClr val="tx1"/>
+                </a:solidFill>
+              </a:ln>
+            </p:spPr>
+            <p:style>
+              <a:lnRef idx="1">
+                <a:schemeClr val="accent1"/>
+              </a:lnRef>
+              <a:fillRef idx="0">
+                <a:schemeClr val="accent1"/>
+              </a:fillRef>
+              <a:effectRef idx="0">
+                <a:schemeClr val="accent1"/>
+              </a:effectRef>
+              <a:fontRef idx="minor">
+                <a:schemeClr val="tx1"/>
+              </a:fontRef>
+            </p:style>
+          </p:cxnSp>
+        </p:grpSp>
+        <p:sp>
+          <p:nvSpPr>
+            <p:cNvPr id="174" name="文本框 9">
+              <a:extLst>
+                <a:ext uri="{FF2B5EF4-FFF2-40B4-BE49-F238E27FC236}">
+                  <a16:creationId xmlns:a16="http://schemas.microsoft.com/office/drawing/2014/main" id="{14FA915C-9F15-E247-934F-85F920175E26}"/>
+                </a:ext>
+              </a:extLst>
+            </p:cNvPr>
+            <p:cNvSpPr txBox="1"/>
+            <p:nvPr/>
+          </p:nvSpPr>
+          <p:spPr>
+            <a:xfrm>
+              <a:off x="2192768" y="1379528"/>
+              <a:ext cx="442750" cy="369332"/>
+            </a:xfrm>
+            <a:prstGeom prst="rect">
+              <a:avLst/>
+            </a:prstGeom>
+            <a:noFill/>
+          </p:spPr>
+          <p:txBody>
+            <a:bodyPr wrap="square" rtlCol="0">
+              <a:spAutoFit/>
+            </a:bodyPr>
+            <a:lstStyle/>
+            <a:p>
+              <a:pPr algn="ctr"/>
+              <a:r>
+                <a:rPr lang="en-US" altLang="zh-CN" b="1" dirty="0">
+                  <a:cs typeface="Times New Roman" panose="02020603050405020304" pitchFamily="18" charset="0"/>
+                </a:rPr>
+                <a:t>(c)</a:t>
+              </a:r>
+              <a:endParaRPr lang="zh-CN" altLang="en-US" b="1" dirty="0">
+                <a:cs typeface="Times New Roman" panose="02020603050405020304" pitchFamily="18" charset="0"/>
+              </a:endParaRPr>
+            </a:p>
+          </p:txBody>
+        </p:sp>
+        <p:sp>
+          <p:nvSpPr>
+            <p:cNvPr id="176" name="文本框 9">
+              <a:extLst>
+                <a:ext uri="{FF2B5EF4-FFF2-40B4-BE49-F238E27FC236}">
+                  <a16:creationId xmlns:a16="http://schemas.microsoft.com/office/drawing/2014/main" id="{282F48C2-A706-0336-C6CD-809740CF6C56}"/>
+                </a:ext>
+              </a:extLst>
+            </p:cNvPr>
+            <p:cNvSpPr txBox="1"/>
+            <p:nvPr/>
+          </p:nvSpPr>
+          <p:spPr>
+            <a:xfrm>
+              <a:off x="3908778" y="1417830"/>
+              <a:ext cx="1140056" cy="338554"/>
+            </a:xfrm>
+            <a:prstGeom prst="rect">
+              <a:avLst/>
+            </a:prstGeom>
+            <a:noFill/>
+            <a:ln>
+              <a:noFill/>
+            </a:ln>
+          </p:spPr>
+          <p:txBody>
+            <a:bodyPr wrap="none" rtlCol="0">
+              <a:spAutoFit/>
+            </a:bodyPr>
+            <a:lstStyle/>
+            <a:p>
+              <a:pPr algn="ctr"/>
+              <a:r>
+                <a:rPr lang="en-US" altLang="zh-CN" sz="1600" dirty="0">
+                  <a:cs typeface="Times New Roman" panose="02020603050405020304" pitchFamily="18" charset="0"/>
+                </a:rPr>
+                <a:t>Raster path</a:t>
+              </a:r>
+              <a:endParaRPr lang="zh-CN" altLang="en-US" sz="1600" dirty="0">
+                <a:cs typeface="Times New Roman" panose="02020603050405020304" pitchFamily="18" charset="0"/>
+              </a:endParaRPr>
+            </a:p>
+          </p:txBody>
+        </p:sp>
+        <p:sp>
+          <p:nvSpPr>
+            <p:cNvPr id="177" name="文本框 9">
+              <a:extLst>
+                <a:ext uri="{FF2B5EF4-FFF2-40B4-BE49-F238E27FC236}">
+                  <a16:creationId xmlns:a16="http://schemas.microsoft.com/office/drawing/2014/main" id="{EE90C678-8480-340F-BE9F-B049D1FE5B0E}"/>
+                </a:ext>
+              </a:extLst>
+            </p:cNvPr>
+            <p:cNvSpPr txBox="1"/>
+            <p:nvPr/>
+          </p:nvSpPr>
+          <p:spPr>
+            <a:xfrm>
+              <a:off x="3913228" y="2947685"/>
+              <a:ext cx="1062983" cy="338554"/>
+            </a:xfrm>
+            <a:prstGeom prst="rect">
+              <a:avLst/>
+            </a:prstGeom>
+            <a:noFill/>
+            <a:ln>
+              <a:noFill/>
+            </a:ln>
+          </p:spPr>
+          <p:txBody>
+            <a:bodyPr wrap="none" rtlCol="0">
+              <a:spAutoFit/>
+            </a:bodyPr>
+            <a:lstStyle/>
+            <a:p>
+              <a:pPr algn="ctr"/>
+              <a:r>
+                <a:rPr lang="en-US" altLang="zh-CN" sz="1600" dirty="0">
+                  <a:cs typeface="Times New Roman" panose="02020603050405020304" pitchFamily="18" charset="0"/>
+                </a:rPr>
+                <a:t>Maze path</a:t>
+              </a:r>
+              <a:endParaRPr lang="zh-CN" altLang="en-US" sz="1600" dirty="0">
+                <a:cs typeface="Times New Roman" panose="02020603050405020304" pitchFamily="18" charset="0"/>
+              </a:endParaRPr>
+            </a:p>
+          </p:txBody>
+        </p:sp>
+        <p:sp>
+          <p:nvSpPr>
+            <p:cNvPr id="178" name="文本框 9">
+              <a:extLst>
+                <a:ext uri="{FF2B5EF4-FFF2-40B4-BE49-F238E27FC236}">
+                  <a16:creationId xmlns:a16="http://schemas.microsoft.com/office/drawing/2014/main" id="{677141D6-301C-6489-7B29-EDD387E86986}"/>
+                </a:ext>
+              </a:extLst>
+            </p:cNvPr>
+            <p:cNvSpPr txBox="1"/>
+            <p:nvPr/>
+          </p:nvSpPr>
+          <p:spPr>
+            <a:xfrm>
+              <a:off x="4228089" y="4477540"/>
+              <a:ext cx="521297" cy="338554"/>
+            </a:xfrm>
+            <a:prstGeom prst="rect">
+              <a:avLst/>
+            </a:prstGeom>
+            <a:noFill/>
+            <a:ln>
+              <a:noFill/>
+            </a:ln>
+          </p:spPr>
+          <p:txBody>
+            <a:bodyPr wrap="none" rtlCol="0">
+              <a:spAutoFit/>
+            </a:bodyPr>
+            <a:lstStyle/>
+            <a:p>
+              <a:pPr algn="ctr"/>
+              <a:r>
+                <a:rPr lang="en-US" altLang="zh-CN" sz="1600">
+                  <a:cs typeface="Times New Roman" panose="02020603050405020304" pitchFamily="18" charset="0"/>
+                </a:rPr>
+                <a:t>RAP</a:t>
+              </a:r>
+              <a:endParaRPr lang="zh-CN" altLang="en-US" sz="1600" dirty="0">
+                <a:cs typeface="Times New Roman" panose="02020603050405020304" pitchFamily="18" charset="0"/>
+              </a:endParaRPr>
+            </a:p>
+          </p:txBody>
+        </p:sp>
+      </p:grpSp>
+    </p:spTree>
+    <p:extLst>
+      <p:ext uri="{BB962C8B-B14F-4D97-AF65-F5344CB8AC3E}">
+        <p14:creationId xmlns:p14="http://schemas.microsoft.com/office/powerpoint/2010/main" val="1958839444"/>
+      </p:ext>
+    </p:extLst>
+  </p:cSld>
+  <p:clrMapOvr>
+    <a:masterClrMapping/>
+  </p:clrMapOvr>
+</p:sld>
+</file>
+
+<file path=ppt/slides/slide2.xml><?xml version="1.0" encoding="utf-8"?>
 <p:sld xmlns:a="http://schemas.openxmlformats.org/drawingml/2006/main" xmlns:r="http://schemas.openxmlformats.org/officeDocument/2006/relationships" xmlns:p="http://schemas.openxmlformats.org/presentationml/2006/main">
   <p:cSld>
     <p:spTree>
@@ -2998,8 +5449,8 @@
         </p:blipFill>
         <p:spPr>
           <a:xfrm>
-            <a:off x="919425" y="89354"/>
-            <a:ext cx="4068363" cy="773656"/>
+            <a:off x="1571704" y="-3422926"/>
+            <a:ext cx="6954624" cy="1322519"/>
           </a:xfrm>
           <a:prstGeom prst="rect">
             <a:avLst/>
@@ -3020,8 +5471,8 @@
         </p:nvSpPr>
         <p:spPr>
           <a:xfrm>
-            <a:off x="55019" y="410296"/>
-            <a:ext cx="458780" cy="369332"/>
+            <a:off x="94053" y="-2874294"/>
+            <a:ext cx="627095" cy="565861"/>
           </a:xfrm>
           <a:prstGeom prst="rect">
             <a:avLst/>
@@ -3035,12 +5486,12 @@
           <a:lstStyle/>
           <a:p>
             <a:r>
-              <a:rPr lang="en-US" altLang="zh-CN" b="1" dirty="0">
+              <a:rPr lang="en-US" altLang="zh-CN" sz="3077" b="1" dirty="0">
                 <a:cs typeface="Times New Roman" panose="02020603050405020304" pitchFamily="18" charset="0"/>
               </a:rPr>
               <a:t>(a)</a:t>
             </a:r>
-            <a:endParaRPr lang="zh-CN" altLang="en-US" b="1" dirty="0">
+            <a:endParaRPr lang="zh-CN" altLang="en-US" sz="3077" b="1" dirty="0">
               <a:cs typeface="Times New Roman" panose="02020603050405020304" pitchFamily="18" charset="0"/>
             </a:endParaRPr>
           </a:p>
@@ -3060,8 +5511,8 @@
         </p:nvGrpSpPr>
         <p:grpSpPr>
           <a:xfrm>
-            <a:off x="35969" y="921541"/>
-            <a:ext cx="5646312" cy="1202921"/>
+            <a:off x="61488" y="-2000351"/>
+            <a:ext cx="9652034" cy="2056322"/>
             <a:chOff x="2714082" y="1200940"/>
             <a:chExt cx="5646312" cy="1202921"/>
           </a:xfrm>
@@ -3139,7 +5590,7 @@
           <p:spPr>
             <a:xfrm>
               <a:off x="2714082" y="1586928"/>
-              <a:ext cx="442750" cy="369332"/>
+              <a:ext cx="442750" cy="331021"/>
             </a:xfrm>
             <a:prstGeom prst="rect">
               <a:avLst/>
@@ -3153,12 +5604,12 @@
             <a:lstStyle/>
             <a:p>
               <a:r>
-                <a:rPr lang="en-US" altLang="zh-CN" b="1" dirty="0">
+                <a:rPr lang="en-US" altLang="zh-CN" sz="3077" b="1" dirty="0">
                   <a:cs typeface="Times New Roman" panose="02020603050405020304" pitchFamily="18" charset="0"/>
                 </a:rPr>
                 <a:t>(b)</a:t>
               </a:r>
-              <a:endParaRPr lang="zh-CN" altLang="en-US" b="1" dirty="0">
+              <a:endParaRPr lang="zh-CN" altLang="en-US" sz="3077" b="1" dirty="0">
                 <a:cs typeface="Times New Roman" panose="02020603050405020304" pitchFamily="18" charset="0"/>
               </a:endParaRPr>
             </a:p>
@@ -3178,8 +5629,8 @@
           </p:nvSpPr>
           <p:spPr>
             <a:xfrm>
-              <a:off x="3703496" y="1200940"/>
-              <a:ext cx="3767378" cy="338554"/>
+              <a:off x="3977112" y="1200940"/>
+              <a:ext cx="3220146" cy="300225"/>
             </a:xfrm>
             <a:prstGeom prst="rect">
               <a:avLst/>
@@ -3197,12 +5648,12 @@
             <a:p>
               <a:pPr algn="ctr"/>
               <a:r>
-                <a:rPr lang="en-US" altLang="zh-CN" sz="1600" b="1" dirty="0">
+                <a:rPr lang="en-US" altLang="zh-CN" sz="2735" b="1" dirty="0">
                   <a:cs typeface="Times New Roman" panose="02020603050405020304" pitchFamily="18" charset="0"/>
                 </a:rPr>
                 <a:t>Target removal map,  RMS = 6.32 nm</a:t>
               </a:r>
-              <a:endParaRPr lang="zh-CN" altLang="en-US" sz="1600" b="1" dirty="0">
+              <a:endParaRPr lang="zh-CN" altLang="en-US" sz="2735" b="1" dirty="0">
                 <a:cs typeface="Times New Roman" panose="02020603050405020304" pitchFamily="18" charset="0"/>
               </a:endParaRPr>
             </a:p>
@@ -3310,8 +5761,8 @@
           </p:nvSpPr>
           <p:spPr>
             <a:xfrm>
-              <a:off x="5303210" y="2059323"/>
-              <a:ext cx="750526" cy="307777"/>
+              <a:off x="5367051" y="2059323"/>
+              <a:ext cx="622844" cy="269430"/>
             </a:xfrm>
             <a:prstGeom prst="rect">
               <a:avLst/>
@@ -3329,12 +5780,12 @@
             <a:p>
               <a:pPr algn="ctr"/>
               <a:r>
-                <a:rPr lang="en-US" altLang="zh-CN" sz="1400" b="1" dirty="0">
+                <a:rPr lang="en-US" altLang="zh-CN" sz="2393" b="1" dirty="0">
                   <a:cs typeface="Times New Roman" panose="02020603050405020304" pitchFamily="18" charset="0"/>
                 </a:rPr>
                 <a:t>92 mm</a:t>
               </a:r>
-              <a:endParaRPr lang="zh-CN" altLang="en-US" sz="1400" b="1" dirty="0">
+              <a:endParaRPr lang="zh-CN" altLang="en-US" sz="2393" b="1" dirty="0">
                 <a:cs typeface="Times New Roman" panose="02020603050405020304" pitchFamily="18" charset="0"/>
               </a:endParaRPr>
             </a:p>
@@ -3485,8 +5936,8 @@
           </p:nvSpPr>
           <p:spPr>
             <a:xfrm rot="16200000">
-              <a:off x="3041219" y="1662379"/>
-              <a:ext cx="750526" cy="307777"/>
+              <a:off x="3105060" y="1681552"/>
+              <a:ext cx="622844" cy="269430"/>
             </a:xfrm>
             <a:prstGeom prst="rect">
               <a:avLst/>
@@ -3504,12 +5955,12 @@
             <a:p>
               <a:pPr algn="ctr"/>
               <a:r>
-                <a:rPr lang="en-US" altLang="zh-CN" sz="1400" b="1" dirty="0">
+                <a:rPr lang="en-US" altLang="zh-CN" sz="2393" b="1" dirty="0">
                   <a:cs typeface="Times New Roman" panose="02020603050405020304" pitchFamily="18" charset="0"/>
                 </a:rPr>
                 <a:t>16 mm</a:t>
               </a:r>
-              <a:endParaRPr lang="zh-CN" altLang="en-US" sz="1400" b="1" dirty="0">
+              <a:endParaRPr lang="zh-CN" altLang="en-US" sz="2393" b="1" dirty="0">
                 <a:cs typeface="Times New Roman" panose="02020603050405020304" pitchFamily="18" charset="0"/>
               </a:endParaRPr>
             </a:p>
@@ -3529,8 +5980,8 @@
           </p:nvSpPr>
           <p:spPr>
             <a:xfrm>
-              <a:off x="7537070" y="1218105"/>
-              <a:ext cx="566182" cy="307777"/>
+              <a:off x="7586571" y="1218105"/>
+              <a:ext cx="467180" cy="269430"/>
             </a:xfrm>
             <a:prstGeom prst="rect">
               <a:avLst/>
@@ -3548,12 +5999,12 @@
             <a:p>
               <a:pPr algn="ctr"/>
               <a:r>
-                <a:rPr lang="en-US" altLang="zh-CN" sz="1400" b="1" dirty="0">
+                <a:rPr lang="en-US" altLang="zh-CN" sz="2393" b="1" dirty="0">
                   <a:cs typeface="Times New Roman" panose="02020603050405020304" pitchFamily="18" charset="0"/>
                 </a:rPr>
                 <a:t>[nm]</a:t>
               </a:r>
-              <a:endParaRPr lang="zh-CN" altLang="en-US" sz="1400" b="1" dirty="0">
+              <a:endParaRPr lang="zh-CN" altLang="en-US" sz="2393" b="1" dirty="0">
                 <a:cs typeface="Times New Roman" panose="02020603050405020304" pitchFamily="18" charset="0"/>
               </a:endParaRPr>
             </a:p>
@@ -3574,7 +6025,7 @@
           <p:spPr>
             <a:xfrm>
               <a:off x="7873327" y="1912316"/>
-              <a:ext cx="487067" cy="307777"/>
+              <a:ext cx="487067" cy="269430"/>
             </a:xfrm>
             <a:prstGeom prst="rect">
               <a:avLst/>
@@ -3592,12 +6043,12 @@
             <a:p>
               <a:pPr algn="ctr"/>
               <a:r>
-                <a:rPr lang="en-US" altLang="zh-CN" sz="1400" b="1" dirty="0">
+                <a:rPr lang="en-US" altLang="zh-CN" sz="2393" b="1" dirty="0">
                   <a:cs typeface="Times New Roman" panose="02020603050405020304" pitchFamily="18" charset="0"/>
                 </a:rPr>
                 <a:t>-10</a:t>
               </a:r>
-              <a:endParaRPr lang="zh-CN" altLang="en-US" sz="1400" b="1" dirty="0">
+              <a:endParaRPr lang="zh-CN" altLang="en-US" sz="2393" b="1" dirty="0">
                 <a:cs typeface="Times New Roman" panose="02020603050405020304" pitchFamily="18" charset="0"/>
               </a:endParaRPr>
             </a:p>
@@ -3618,7 +6069,7 @@
           <p:spPr>
             <a:xfrm>
               <a:off x="7852666" y="1420729"/>
-              <a:ext cx="426974" cy="307777"/>
+              <a:ext cx="426974" cy="269430"/>
             </a:xfrm>
             <a:prstGeom prst="rect">
               <a:avLst/>
@@ -3636,12 +6087,12 @@
             <a:p>
               <a:pPr algn="ctr"/>
               <a:r>
-                <a:rPr lang="en-US" altLang="zh-CN" sz="1400" b="1" dirty="0">
+                <a:rPr lang="en-US" altLang="zh-CN" sz="2393" b="1" dirty="0">
                   <a:cs typeface="Times New Roman" panose="02020603050405020304" pitchFamily="18" charset="0"/>
                 </a:rPr>
                 <a:t>10</a:t>
               </a:r>
-              <a:endParaRPr lang="zh-CN" altLang="en-US" sz="1400" b="1" dirty="0">
+              <a:endParaRPr lang="zh-CN" altLang="en-US" sz="2393" b="1" dirty="0">
                 <a:cs typeface="Times New Roman" panose="02020603050405020304" pitchFamily="18" charset="0"/>
               </a:endParaRPr>
             </a:p>
@@ -3705,8 +6156,8 @@
         </p:nvGrpSpPr>
         <p:grpSpPr>
           <a:xfrm>
-            <a:off x="50656" y="2323262"/>
-            <a:ext cx="5080735" cy="1330899"/>
+            <a:off x="86595" y="395808"/>
+            <a:ext cx="8685213" cy="2275093"/>
             <a:chOff x="2728769" y="2716961"/>
             <a:chExt cx="5080735" cy="1330899"/>
           </a:xfrm>
@@ -3842,8 +6293,8 @@
           </p:nvSpPr>
           <p:spPr>
             <a:xfrm>
-              <a:off x="5205282" y="3703322"/>
-              <a:ext cx="849913" cy="307777"/>
+              <a:off x="5273336" y="3703322"/>
+              <a:ext cx="713804" cy="269430"/>
             </a:xfrm>
             <a:prstGeom prst="rect">
               <a:avLst/>
@@ -3861,12 +6312,12 @@
             <a:p>
               <a:pPr algn="ctr"/>
               <a:r>
-                <a:rPr lang="en-US" altLang="zh-CN" sz="1400" b="1" dirty="0">
+                <a:rPr lang="en-US" altLang="zh-CN" sz="2393" b="1" dirty="0">
                   <a:cs typeface="Times New Roman" panose="02020603050405020304" pitchFamily="18" charset="0"/>
                 </a:rPr>
                 <a:t>102 mm</a:t>
               </a:r>
-              <a:endParaRPr lang="zh-CN" altLang="en-US" sz="1400" b="1" dirty="0">
+              <a:endParaRPr lang="zh-CN" altLang="en-US" sz="2393" b="1" dirty="0">
                 <a:cs typeface="Times New Roman" panose="02020603050405020304" pitchFamily="18" charset="0"/>
               </a:endParaRPr>
             </a:p>
@@ -4017,8 +6468,8 @@
           </p:nvSpPr>
           <p:spPr>
             <a:xfrm rot="16200000">
-              <a:off x="2846027" y="3131233"/>
-              <a:ext cx="750526" cy="307777"/>
+              <a:off x="2909868" y="3150406"/>
+              <a:ext cx="622843" cy="269430"/>
             </a:xfrm>
             <a:prstGeom prst="rect">
               <a:avLst/>
@@ -4036,12 +6487,12 @@
             <a:p>
               <a:pPr algn="ctr"/>
               <a:r>
-                <a:rPr lang="en-US" altLang="zh-CN" sz="1400" b="1" dirty="0">
+                <a:rPr lang="en-US" altLang="zh-CN" sz="2393" b="1" dirty="0">
                   <a:cs typeface="Times New Roman" panose="02020603050405020304" pitchFamily="18" charset="0"/>
                 </a:rPr>
                 <a:t>25 mm</a:t>
               </a:r>
-              <a:endParaRPr lang="zh-CN" altLang="en-US" sz="1400" b="1" dirty="0">
+              <a:endParaRPr lang="zh-CN" altLang="en-US" sz="2393" b="1" dirty="0">
                 <a:cs typeface="Times New Roman" panose="02020603050405020304" pitchFamily="18" charset="0"/>
               </a:endParaRPr>
             </a:p>
@@ -4105,7 +6556,7 @@
           <p:spPr>
             <a:xfrm>
               <a:off x="2728769" y="3107186"/>
-              <a:ext cx="442750" cy="369332"/>
+              <a:ext cx="442750" cy="331021"/>
             </a:xfrm>
             <a:prstGeom prst="rect">
               <a:avLst/>
@@ -4119,12 +6570,12 @@
             <a:lstStyle/>
             <a:p>
               <a:r>
-                <a:rPr lang="en-US" altLang="zh-CN" b="1" dirty="0">
+                <a:rPr lang="en-US" altLang="zh-CN" sz="3077" b="1" dirty="0">
                   <a:cs typeface="Times New Roman" panose="02020603050405020304" pitchFamily="18" charset="0"/>
                 </a:rPr>
                 <a:t>(c)</a:t>
               </a:r>
-              <a:endParaRPr lang="zh-CN" altLang="en-US" b="1" dirty="0">
+              <a:endParaRPr lang="zh-CN" altLang="en-US" sz="3077" b="1" dirty="0">
                 <a:cs typeface="Times New Roman" panose="02020603050405020304" pitchFamily="18" charset="0"/>
               </a:endParaRPr>
             </a:p>
@@ -4145,8 +6596,8 @@
         </p:nvGrpSpPr>
         <p:grpSpPr>
           <a:xfrm>
-            <a:off x="61962" y="5382828"/>
-            <a:ext cx="5098004" cy="1358493"/>
+            <a:off x="105921" y="5625953"/>
+            <a:ext cx="8714734" cy="2322262"/>
             <a:chOff x="2711500" y="5382827"/>
             <a:chExt cx="5098004" cy="1358493"/>
           </a:xfrm>
@@ -4282,8 +6733,8 @@
           </p:nvSpPr>
           <p:spPr>
             <a:xfrm>
-              <a:off x="5178806" y="6412657"/>
-              <a:ext cx="849913" cy="307777"/>
+              <a:off x="5246860" y="6412657"/>
+              <a:ext cx="713804" cy="269430"/>
             </a:xfrm>
             <a:prstGeom prst="rect">
               <a:avLst/>
@@ -4301,12 +6752,12 @@
             <a:p>
               <a:pPr algn="ctr"/>
               <a:r>
-                <a:rPr lang="en-US" altLang="zh-CN" sz="1400" b="1" dirty="0">
+                <a:rPr lang="en-US" altLang="zh-CN" sz="2393" b="1" dirty="0">
                   <a:cs typeface="Times New Roman" panose="02020603050405020304" pitchFamily="18" charset="0"/>
                 </a:rPr>
                 <a:t>102 mm</a:t>
               </a:r>
-              <a:endParaRPr lang="zh-CN" altLang="en-US" sz="1400" b="1" dirty="0">
+              <a:endParaRPr lang="zh-CN" altLang="en-US" sz="2393" b="1" dirty="0">
                 <a:cs typeface="Times New Roman" panose="02020603050405020304" pitchFamily="18" charset="0"/>
               </a:endParaRPr>
             </a:p>
@@ -4457,8 +6908,8 @@
           </p:nvSpPr>
           <p:spPr>
             <a:xfrm rot="16200000">
-              <a:off x="2827171" y="5831043"/>
-              <a:ext cx="750526" cy="307777"/>
+              <a:off x="2891012" y="5850216"/>
+              <a:ext cx="622844" cy="269430"/>
             </a:xfrm>
             <a:prstGeom prst="rect">
               <a:avLst/>
@@ -4476,12 +6927,12 @@
             <a:p>
               <a:pPr algn="ctr"/>
               <a:r>
-                <a:rPr lang="en-US" altLang="zh-CN" sz="1400" b="1" dirty="0">
+                <a:rPr lang="en-US" altLang="zh-CN" sz="2393" b="1" dirty="0">
                   <a:cs typeface="Times New Roman" panose="02020603050405020304" pitchFamily="18" charset="0"/>
                 </a:rPr>
                 <a:t>25 mm</a:t>
               </a:r>
-              <a:endParaRPr lang="zh-CN" altLang="en-US" sz="1400" b="1" dirty="0">
+              <a:endParaRPr lang="zh-CN" altLang="en-US" sz="2393" b="1" dirty="0">
                 <a:cs typeface="Times New Roman" panose="02020603050405020304" pitchFamily="18" charset="0"/>
               </a:endParaRPr>
             </a:p>
@@ -4545,7 +6996,7 @@
           <p:spPr>
             <a:xfrm>
               <a:off x="2711500" y="5695843"/>
-              <a:ext cx="442750" cy="369332"/>
+              <a:ext cx="442750" cy="331021"/>
             </a:xfrm>
             <a:prstGeom prst="rect">
               <a:avLst/>
@@ -4559,12 +7010,12 @@
             <a:lstStyle/>
             <a:p>
               <a:r>
-                <a:rPr lang="en-US" altLang="zh-CN" b="1" dirty="0">
+                <a:rPr lang="en-US" altLang="zh-CN" sz="3077" b="1" dirty="0">
                   <a:cs typeface="Times New Roman" panose="02020603050405020304" pitchFamily="18" charset="0"/>
                 </a:rPr>
                 <a:t>(e)</a:t>
               </a:r>
-              <a:endParaRPr lang="zh-CN" altLang="en-US" b="1" dirty="0">
+              <a:endParaRPr lang="zh-CN" altLang="en-US" sz="3077" b="1" dirty="0">
                 <a:cs typeface="Times New Roman" panose="02020603050405020304" pitchFamily="18" charset="0"/>
               </a:endParaRPr>
             </a:p>
@@ -4585,8 +7036,8 @@
         </p:nvGrpSpPr>
         <p:grpSpPr>
           <a:xfrm>
-            <a:off x="26486" y="3858735"/>
-            <a:ext cx="5146136" cy="1351304"/>
+            <a:off x="45277" y="3020608"/>
+            <a:ext cx="8797013" cy="2309974"/>
             <a:chOff x="2695074" y="4087335"/>
             <a:chExt cx="5146136" cy="1351304"/>
           </a:xfrm>
@@ -4765,8 +7216,8 @@
           </p:nvSpPr>
           <p:spPr>
             <a:xfrm rot="16200000">
-              <a:off x="2832253" y="4499326"/>
-              <a:ext cx="750526" cy="307777"/>
+              <a:off x="2896095" y="4518499"/>
+              <a:ext cx="622844" cy="269430"/>
             </a:xfrm>
             <a:prstGeom prst="rect">
               <a:avLst/>
@@ -4784,12 +7235,12 @@
             <a:p>
               <a:pPr algn="ctr"/>
               <a:r>
-                <a:rPr lang="en-US" altLang="zh-CN" sz="1400" b="1" dirty="0">
+                <a:rPr lang="en-US" altLang="zh-CN" sz="2393" b="1" dirty="0">
                   <a:cs typeface="Times New Roman" panose="02020603050405020304" pitchFamily="18" charset="0"/>
                 </a:rPr>
                 <a:t>25 mm</a:t>
               </a:r>
-              <a:endParaRPr lang="zh-CN" altLang="en-US" sz="1400" b="1" dirty="0">
+              <a:endParaRPr lang="zh-CN" altLang="en-US" sz="2393" b="1" dirty="0">
                 <a:cs typeface="Times New Roman" panose="02020603050405020304" pitchFamily="18" charset="0"/>
               </a:endParaRPr>
             </a:p>
@@ -4810,7 +7261,7 @@
           <p:spPr>
             <a:xfrm>
               <a:off x="2695074" y="4424479"/>
-              <a:ext cx="442750" cy="369332"/>
+              <a:ext cx="442750" cy="331021"/>
             </a:xfrm>
             <a:prstGeom prst="rect">
               <a:avLst/>
@@ -4824,12 +7275,12 @@
             <a:lstStyle/>
             <a:p>
               <a:r>
-                <a:rPr lang="en-US" altLang="zh-CN" b="1" dirty="0">
+                <a:rPr lang="en-US" altLang="zh-CN" sz="3077" b="1" dirty="0">
                   <a:cs typeface="Times New Roman" panose="02020603050405020304" pitchFamily="18" charset="0"/>
                 </a:rPr>
                 <a:t>(d)</a:t>
               </a:r>
-              <a:endParaRPr lang="zh-CN" altLang="en-US" b="1" dirty="0">
+              <a:endParaRPr lang="zh-CN" altLang="en-US" sz="3077" b="1" dirty="0">
                 <a:cs typeface="Times New Roman" panose="02020603050405020304" pitchFamily="18" charset="0"/>
               </a:endParaRPr>
             </a:p>
@@ -4937,8 +7388,8 @@
           </p:nvSpPr>
           <p:spPr>
             <a:xfrm>
-              <a:off x="5197856" y="5094101"/>
-              <a:ext cx="849913" cy="307777"/>
+              <a:off x="5265910" y="5094101"/>
+              <a:ext cx="713804" cy="269430"/>
             </a:xfrm>
             <a:prstGeom prst="rect">
               <a:avLst/>
@@ -4956,12 +7407,12 @@
             <a:p>
               <a:pPr algn="ctr"/>
               <a:r>
-                <a:rPr lang="en-US" altLang="zh-CN" sz="1400" b="1" dirty="0">
+                <a:rPr lang="en-US" altLang="zh-CN" sz="2393" b="1" dirty="0">
                   <a:cs typeface="Times New Roman" panose="02020603050405020304" pitchFamily="18" charset="0"/>
                 </a:rPr>
                 <a:t>102 mm</a:t>
               </a:r>
-              <a:endParaRPr lang="zh-CN" altLang="en-US" sz="1400" b="1" dirty="0">
+              <a:endParaRPr lang="zh-CN" altLang="en-US" sz="2393" b="1" dirty="0">
                 <a:cs typeface="Times New Roman" panose="02020603050405020304" pitchFamily="18" charset="0"/>
               </a:endParaRPr>
             </a:p>
@@ -5027,8 +7478,8 @@
         </p:nvCxnSpPr>
         <p:spPr>
           <a:xfrm>
-            <a:off x="4874055" y="190501"/>
-            <a:ext cx="0" cy="6116271"/>
+            <a:off x="8331907" y="-3250020"/>
+            <a:ext cx="0" cy="10455401"/>
           </a:xfrm>
           <a:prstGeom prst="line">
             <a:avLst/>
@@ -5074,8 +7525,8 @@
         </p:nvCxnSpPr>
         <p:spPr>
           <a:xfrm>
-            <a:off x="1010715" y="190501"/>
-            <a:ext cx="2690" cy="6116271"/>
+            <a:off x="1727758" y="-3250020"/>
+            <a:ext cx="4598" cy="10455401"/>
           </a:xfrm>
           <a:prstGeom prst="line">
             <a:avLst/>
@@ -5119,8 +7570,8 @@
         </p:nvSpPr>
         <p:spPr>
           <a:xfrm>
-            <a:off x="2310069" y="2113421"/>
-            <a:ext cx="1247457" cy="338554"/>
+            <a:off x="4087784" y="37097"/>
+            <a:ext cx="1854739" cy="513217"/>
           </a:xfrm>
           <a:prstGeom prst="rect">
             <a:avLst/>
@@ -5138,12 +7589,12 @@
           <a:p>
             <a:pPr algn="ctr"/>
             <a:r>
-              <a:rPr lang="en-US" altLang="zh-CN" sz="1600" b="1" dirty="0">
+              <a:rPr lang="en-US" altLang="zh-CN" sz="2735" b="1" dirty="0">
                 <a:cs typeface="Times New Roman" panose="02020603050405020304" pitchFamily="18" charset="0"/>
               </a:rPr>
               <a:t>Raster path</a:t>
             </a:r>
-            <a:endParaRPr lang="zh-CN" altLang="en-US" sz="1600" b="1" dirty="0">
+            <a:endParaRPr lang="zh-CN" altLang="en-US" sz="2735" b="1" dirty="0">
               <a:cs typeface="Times New Roman" panose="02020603050405020304" pitchFamily="18" charset="0"/>
             </a:endParaRPr>
           </a:p>
@@ -5163,8 +7614,8 @@
         </p:nvSpPr>
         <p:spPr>
           <a:xfrm>
-            <a:off x="2316859" y="3672724"/>
-            <a:ext cx="1165704" cy="338554"/>
+            <a:off x="4097577" y="2702632"/>
+            <a:ext cx="1718612" cy="513217"/>
           </a:xfrm>
           <a:prstGeom prst="rect">
             <a:avLst/>
@@ -5182,12 +7633,12 @@
           <a:p>
             <a:pPr algn="ctr"/>
             <a:r>
-              <a:rPr lang="en-US" altLang="zh-CN" sz="1600" b="1" dirty="0">
+              <a:rPr lang="en-US" altLang="zh-CN" sz="2735" b="1" dirty="0">
                 <a:cs typeface="Times New Roman" panose="02020603050405020304" pitchFamily="18" charset="0"/>
               </a:rPr>
               <a:t>Maze path</a:t>
             </a:r>
-            <a:endParaRPr lang="zh-CN" altLang="en-US" sz="1600" b="1" dirty="0">
+            <a:endParaRPr lang="zh-CN" altLang="en-US" sz="2735" b="1" dirty="0">
               <a:cs typeface="Times New Roman" panose="02020603050405020304" pitchFamily="18" charset="0"/>
             </a:endParaRPr>
           </a:p>
@@ -5207,8 +7658,8 @@
         </p:nvSpPr>
         <p:spPr>
           <a:xfrm>
-            <a:off x="2417784" y="5226222"/>
-            <a:ext cx="1051890" cy="338554"/>
+            <a:off x="4268974" y="5358245"/>
+            <a:ext cx="1526315" cy="513217"/>
           </a:xfrm>
           <a:prstGeom prst="rect">
             <a:avLst/>
@@ -5226,12 +7677,12 @@
           <a:p>
             <a:pPr algn="ctr"/>
             <a:r>
-              <a:rPr lang="en-US" altLang="zh-CN" sz="1600" b="1" dirty="0">
+              <a:rPr lang="en-US" altLang="zh-CN" sz="2735" b="1" dirty="0">
                 <a:cs typeface="Times New Roman" panose="02020603050405020304" pitchFamily="18" charset="0"/>
               </a:rPr>
               <a:t>RAP path</a:t>
             </a:r>
-            <a:endParaRPr lang="zh-CN" altLang="en-US" sz="1600" b="1" dirty="0">
+            <a:endParaRPr lang="zh-CN" altLang="en-US" sz="2735" b="1" dirty="0">
               <a:cs typeface="Times New Roman" panose="02020603050405020304" pitchFamily="18" charset="0"/>
             </a:endParaRPr>
           </a:p>
@@ -5240,7 +7691,7 @@
     </p:spTree>
     <p:extLst>
       <p:ext uri="{BB962C8B-B14F-4D97-AF65-F5344CB8AC3E}">
-        <p14:creationId xmlns:p14="http://schemas.microsoft.com/office/powerpoint/2010/main" val="1958839444"/>
+        <p14:creationId xmlns:p14="http://schemas.microsoft.com/office/powerpoint/2010/main" val="3899161238"/>
       </p:ext>
     </p:extLst>
   </p:cSld>
@@ -5253,7 +7704,7 @@
 <file path=ppt/theme/theme1.xml><?xml version="1.0" encoding="utf-8"?>
 <a:theme xmlns:a="http://schemas.openxmlformats.org/drawingml/2006/main" name="Office 主题​​">
   <a:themeElements>
-    <a:clrScheme name="Office 主题​​">
+    <a:clrScheme name="Office Theme">
       <a:dk1>
         <a:sysClr val="windowText" lastClr="000000"/>
       </a:dk1>
@@ -5291,7 +7742,7 @@
         <a:srgbClr val="954F72"/>
       </a:folHlink>
     </a:clrScheme>
-    <a:fontScheme name="Office 主题​​">
+    <a:fontScheme name="Office Theme">
       <a:majorFont>
         <a:latin typeface="Calibri Light" panose="020F0302020204030204"/>
         <a:ea typeface=""/>
@@ -5363,7 +7814,7 @@
         <a:font script="Geor" typeface="Sylfaen"/>
       </a:minorFont>
     </a:fontScheme>
-    <a:fmtScheme name="Office 主题​​">
+    <a:fmtScheme name="Office Theme">
       <a:fillStyleLst>
         <a:solidFill>
           <a:schemeClr val="phClr"/>
